--- a/WprowadzenieDoJezykaJAVA_v3_PiotrKrajnik.pptx
+++ b/WprowadzenieDoJezykaJAVA_v3_PiotrKrajnik.pptx
@@ -2813,7 +2813,7 @@
         <p:spPr>
           <a:xfrm rot="5400000">
             <a:off x="0" y="0"/>
-            <a:ext cx="2493360" cy="2493360"/>
+            <a:ext cx="2492640" cy="2492640"/>
           </a:xfrm>
           <a:prstGeom prst="rtTriangle">
             <a:avLst/>
@@ -2853,7 +2853,7 @@
         <p:spPr>
           <a:xfrm>
             <a:off x="0" y="0"/>
-            <a:ext cx="2746440" cy="1290240"/>
+            <a:ext cx="2745720" cy="1289520"/>
           </a:xfrm>
           <a:prstGeom prst="rect">
             <a:avLst/>
@@ -3135,7 +3135,7 @@
         <p:spPr>
           <a:xfrm rot="5400000">
             <a:off x="0" y="0"/>
-            <a:ext cx="2493360" cy="2493360"/>
+            <a:ext cx="2492640" cy="2492640"/>
           </a:xfrm>
           <a:prstGeom prst="rtTriangle">
             <a:avLst/>
@@ -3175,7 +3175,7 @@
         <p:spPr>
           <a:xfrm>
             <a:off x="0" y="0"/>
-            <a:ext cx="2746440" cy="1290240"/>
+            <a:ext cx="2745720" cy="1289520"/>
           </a:xfrm>
           <a:prstGeom prst="rect">
             <a:avLst/>
@@ -3447,7 +3447,7 @@
         <p:spPr>
           <a:xfrm>
             <a:off x="1561680" y="1905480"/>
-            <a:ext cx="9062640" cy="1253520"/>
+            <a:ext cx="9061920" cy="1252800"/>
           </a:xfrm>
           <a:prstGeom prst="rect">
             <a:avLst/>
@@ -3498,7 +3498,7 @@
         <p:spPr>
           <a:xfrm>
             <a:off x="1561680" y="3456000"/>
-            <a:ext cx="9062640" cy="2688120"/>
+            <a:ext cx="9061920" cy="2687400"/>
           </a:xfrm>
           <a:prstGeom prst="rect">
             <a:avLst/>
@@ -3589,7 +3589,7 @@
         <p:spPr>
           <a:xfrm>
             <a:off x="1561680" y="360"/>
-            <a:ext cx="9062640" cy="1253520"/>
+            <a:ext cx="9061920" cy="1252800"/>
           </a:xfrm>
           <a:prstGeom prst="rect">
             <a:avLst/>
@@ -4434,7 +4434,7 @@
         <p:spPr>
           <a:xfrm>
             <a:off x="1561680" y="0"/>
-            <a:ext cx="9062640" cy="1253520"/>
+            <a:ext cx="9061920" cy="1252800"/>
           </a:xfrm>
           <a:prstGeom prst="rect">
             <a:avLst/>
@@ -4485,7 +4485,7 @@
         <p:spPr>
           <a:xfrm>
             <a:off x="1584000" y="1175040"/>
-            <a:ext cx="3234600" cy="5635800"/>
+            <a:ext cx="3233880" cy="5635080"/>
           </a:xfrm>
           <a:prstGeom prst="rect">
             <a:avLst/>
@@ -4846,7 +4846,7 @@
         <p:spPr>
           <a:xfrm>
             <a:off x="5324040" y="1262520"/>
-            <a:ext cx="5394960" cy="691560"/>
+            <a:ext cx="5394240" cy="690840"/>
           </a:xfrm>
           <a:prstGeom prst="rect">
             <a:avLst/>
@@ -4897,7 +4897,7 @@
         <p:spPr>
           <a:xfrm>
             <a:off x="5215680" y="3780000"/>
-            <a:ext cx="5394960" cy="1911240"/>
+            <a:ext cx="5394240" cy="1910520"/>
           </a:xfrm>
           <a:prstGeom prst="rect">
             <a:avLst/>
@@ -4998,7 +4998,7 @@
         <p:spPr>
           <a:xfrm>
             <a:off x="1561680" y="0"/>
-            <a:ext cx="9062640" cy="1253520"/>
+            <a:ext cx="9061920" cy="1252800"/>
           </a:xfrm>
           <a:prstGeom prst="rect">
             <a:avLst/>
@@ -5049,7 +5049,7 @@
         <p:spPr>
           <a:xfrm>
             <a:off x="1440000" y="1152000"/>
-            <a:ext cx="3234600" cy="5635800"/>
+            <a:ext cx="3233880" cy="5635080"/>
           </a:xfrm>
           <a:prstGeom prst="rect">
             <a:avLst/>
@@ -5510,7 +5510,7 @@
         <p:spPr>
           <a:xfrm>
             <a:off x="5180040" y="1239480"/>
-            <a:ext cx="5394960" cy="4960440"/>
+            <a:ext cx="5394240" cy="4959720"/>
           </a:xfrm>
           <a:prstGeom prst="rect">
             <a:avLst/>
@@ -5681,7 +5681,7 @@
         <p:spPr>
           <a:xfrm>
             <a:off x="1561680" y="15480"/>
-            <a:ext cx="9062640" cy="1253520"/>
+            <a:ext cx="9061920" cy="1252800"/>
           </a:xfrm>
           <a:prstGeom prst="rect">
             <a:avLst/>
@@ -5732,7 +5732,7 @@
         <p:spPr>
           <a:xfrm>
             <a:off x="1924920" y="1275840"/>
-            <a:ext cx="3234600" cy="2397240"/>
+            <a:ext cx="3233880" cy="2396520"/>
           </a:xfrm>
           <a:prstGeom prst="rect">
             <a:avLst/>
@@ -5933,7 +5933,7 @@
         <p:spPr>
           <a:xfrm>
             <a:off x="1924920" y="4079160"/>
-            <a:ext cx="3511800" cy="2397240"/>
+            <a:ext cx="3511080" cy="2396520"/>
           </a:xfrm>
           <a:prstGeom prst="rect">
             <a:avLst/>
@@ -6134,7 +6134,7 @@
         <p:spPr>
           <a:xfrm>
             <a:off x="7087320" y="1275840"/>
-            <a:ext cx="3234600" cy="2397240"/>
+            <a:ext cx="3233880" cy="2396520"/>
           </a:xfrm>
           <a:prstGeom prst="rect">
             <a:avLst/>
@@ -6335,7 +6335,7 @@
         <p:spPr>
           <a:xfrm>
             <a:off x="7087320" y="4079160"/>
-            <a:ext cx="3234600" cy="2397240"/>
+            <a:ext cx="3233880" cy="2396520"/>
           </a:xfrm>
           <a:prstGeom prst="rect">
             <a:avLst/>
@@ -6566,7 +6566,7 @@
         <p:spPr>
           <a:xfrm>
             <a:off x="1561680" y="-75600"/>
-            <a:ext cx="9062640" cy="1253520"/>
+            <a:ext cx="9061920" cy="1252800"/>
           </a:xfrm>
           <a:prstGeom prst="rect">
             <a:avLst/>
@@ -6617,7 +6617,7 @@
         <p:spPr>
           <a:xfrm>
             <a:off x="1001160" y="1286280"/>
-            <a:ext cx="5220360" cy="6484320"/>
+            <a:ext cx="5219640" cy="6483600"/>
           </a:xfrm>
           <a:prstGeom prst="rect">
             <a:avLst/>
@@ -6838,7 +6838,7 @@
         <p:spPr>
           <a:xfrm>
             <a:off x="6531120" y="1286280"/>
-            <a:ext cx="4296240" cy="5570280"/>
+            <a:ext cx="4295520" cy="5569560"/>
           </a:xfrm>
           <a:prstGeom prst="rect">
             <a:avLst/>
@@ -7209,7 +7209,7 @@
         <p:spPr>
           <a:xfrm>
             <a:off x="1561680" y="0"/>
-            <a:ext cx="9062640" cy="1253520"/>
+            <a:ext cx="9061920" cy="1252800"/>
           </a:xfrm>
           <a:prstGeom prst="rect">
             <a:avLst/>
@@ -7260,7 +7260,7 @@
         <p:spPr>
           <a:xfrm>
             <a:off x="1800000" y="1086120"/>
-            <a:ext cx="5220360" cy="3740760"/>
+            <a:ext cx="5219640" cy="3740040"/>
           </a:xfrm>
           <a:prstGeom prst="rect">
             <a:avLst/>
@@ -7401,7 +7401,7 @@
         <p:spPr>
           <a:xfrm>
             <a:off x="7486560" y="1086120"/>
-            <a:ext cx="3324600" cy="5842440"/>
+            <a:ext cx="3323880" cy="5841720"/>
           </a:xfrm>
           <a:prstGeom prst="rect">
             <a:avLst/>
@@ -7916,7 +7916,7 @@
         <p:spPr>
           <a:xfrm>
             <a:off x="2639880" y="4608000"/>
-            <a:ext cx="1426320" cy="1426320"/>
+            <a:ext cx="1425600" cy="1425600"/>
           </a:xfrm>
           <a:prstGeom prst="rect">
             <a:avLst/>
@@ -7939,7 +7939,7 @@
         <p:spPr>
           <a:xfrm>
             <a:off x="5157360" y="5808240"/>
-            <a:ext cx="1426320" cy="1426320"/>
+            <a:ext cx="1425600" cy="1425600"/>
           </a:xfrm>
           <a:prstGeom prst="rect">
             <a:avLst/>
@@ -7958,7 +7958,7 @@
         <p:spPr>
           <a:xfrm>
             <a:off x="2560680" y="5608800"/>
-            <a:ext cx="2041200" cy="1179000"/>
+            <a:ext cx="2040480" cy="1178280"/>
           </a:xfrm>
           <a:prstGeom prst="rect">
             <a:avLst/>
@@ -8069,7 +8069,7 @@
         <p:spPr>
           <a:xfrm>
             <a:off x="4876560" y="4968000"/>
-            <a:ext cx="2141280" cy="1179000"/>
+            <a:ext cx="2140560" cy="1178280"/>
           </a:xfrm>
           <a:prstGeom prst="rect">
             <a:avLst/>
@@ -8210,7 +8210,7 @@
         <p:spPr>
           <a:xfrm>
             <a:off x="1561680" y="0"/>
-            <a:ext cx="9062640" cy="1253520"/>
+            <a:ext cx="9061920" cy="1252800"/>
           </a:xfrm>
           <a:prstGeom prst="rect">
             <a:avLst/>
@@ -8261,7 +8261,7 @@
         <p:spPr>
           <a:xfrm>
             <a:off x="6078240" y="936000"/>
-            <a:ext cx="3324600" cy="5842440"/>
+            <a:ext cx="3323880" cy="5841720"/>
           </a:xfrm>
           <a:prstGeom prst="rect">
             <a:avLst/>
@@ -8772,7 +8772,7 @@
         <p:spPr>
           <a:xfrm>
             <a:off x="4032000" y="936000"/>
-            <a:ext cx="1991160" cy="356040"/>
+            <a:ext cx="1990440" cy="355320"/>
           </a:xfrm>
           <a:prstGeom prst="rect">
             <a:avLst/>
@@ -8823,7 +8823,7 @@
         <p:spPr>
           <a:xfrm>
             <a:off x="4608000" y="1593360"/>
-            <a:ext cx="1305360" cy="356040"/>
+            <a:ext cx="1304640" cy="355320"/>
           </a:xfrm>
           <a:prstGeom prst="rect">
             <a:avLst/>
@@ -8874,7 +8874,7 @@
         <p:spPr>
           <a:xfrm>
             <a:off x="4266000" y="2958480"/>
-            <a:ext cx="1991160" cy="356040"/>
+            <a:ext cx="1990440" cy="355320"/>
           </a:xfrm>
           <a:prstGeom prst="rect">
             <a:avLst/>
@@ -8955,7 +8955,7 @@
         <p:spPr>
           <a:xfrm>
             <a:off x="1561680" y="0"/>
-            <a:ext cx="9062640" cy="1253520"/>
+            <a:ext cx="9061920" cy="1252800"/>
           </a:xfrm>
           <a:prstGeom prst="rect">
             <a:avLst/>
@@ -9006,7 +9006,7 @@
         <p:spPr>
           <a:xfrm>
             <a:off x="1656000" y="1440000"/>
-            <a:ext cx="5220360" cy="4350600"/>
+            <a:ext cx="5219640" cy="4349880"/>
           </a:xfrm>
           <a:prstGeom prst="rect">
             <a:avLst/>
@@ -9137,7 +9137,7 @@
         <p:spPr>
           <a:xfrm>
             <a:off x="7650720" y="2049840"/>
-            <a:ext cx="3324600" cy="2550600"/>
+            <a:ext cx="3323880" cy="2549880"/>
           </a:xfrm>
           <a:prstGeom prst="rect">
             <a:avLst/>
@@ -9388,7 +9388,7 @@
         <p:spPr>
           <a:xfrm>
             <a:off x="1561680" y="0"/>
-            <a:ext cx="9062640" cy="1253520"/>
+            <a:ext cx="9061920" cy="1252800"/>
           </a:xfrm>
           <a:prstGeom prst="rect">
             <a:avLst/>
@@ -9439,7 +9439,7 @@
         <p:spPr>
           <a:xfrm>
             <a:off x="1699920" y="936000"/>
-            <a:ext cx="5220360" cy="6837120"/>
+            <a:ext cx="5219640" cy="6836400"/>
           </a:xfrm>
           <a:prstGeom prst="rect">
             <a:avLst/>
@@ -9700,7 +9700,7 @@
         <p:spPr>
           <a:xfrm>
             <a:off x="7536600" y="1512000"/>
-            <a:ext cx="4481280" cy="4192200"/>
+            <a:ext cx="4480560" cy="4191480"/>
           </a:xfrm>
           <a:prstGeom prst="rect">
             <a:avLst/>
@@ -10281,7 +10281,7 @@
         <p:spPr>
           <a:xfrm>
             <a:off x="1561680" y="0"/>
-            <a:ext cx="9062640" cy="1253520"/>
+            <a:ext cx="9061920" cy="1252800"/>
           </a:xfrm>
           <a:prstGeom prst="rect">
             <a:avLst/>
@@ -10332,7 +10332,7 @@
         <p:spPr>
           <a:xfrm>
             <a:off x="1296000" y="1259640"/>
-            <a:ext cx="4063680" cy="6179400"/>
+            <a:ext cx="4062960" cy="6178680"/>
           </a:xfrm>
           <a:prstGeom prst="rect">
             <a:avLst/>
@@ -10492,8 +10492,8 @@
         </p:nvSpPr>
         <p:spPr>
           <a:xfrm rot="9000">
-            <a:off x="6045840" y="1411560"/>
-            <a:ext cx="5679360" cy="3097440"/>
+            <a:off x="6045120" y="1410840"/>
+            <a:ext cx="5678640" cy="3096720"/>
           </a:xfrm>
           <a:prstGeom prst="rect">
             <a:avLst/>
@@ -10723,8 +10723,8 @@
         </p:nvSpPr>
         <p:spPr>
           <a:xfrm rot="9000">
-            <a:off x="6186240" y="4897080"/>
-            <a:ext cx="5679360" cy="1422360"/>
+            <a:off x="6185520" y="4896360"/>
+            <a:ext cx="5678640" cy="1421640"/>
           </a:xfrm>
           <a:prstGeom prst="rect">
             <a:avLst/>
@@ -10905,7 +10905,7 @@
         <p:spPr>
           <a:xfrm>
             <a:off x="1561680" y="1905480"/>
-            <a:ext cx="9062640" cy="1253520"/>
+            <a:ext cx="9061920" cy="1252800"/>
           </a:xfrm>
           <a:prstGeom prst="rect">
             <a:avLst/>
@@ -10986,7 +10986,7 @@
         <p:spPr>
           <a:xfrm>
             <a:off x="1561680" y="0"/>
-            <a:ext cx="9062640" cy="1253520"/>
+            <a:ext cx="9061920" cy="1252800"/>
           </a:xfrm>
           <a:prstGeom prst="rect">
             <a:avLst/>
@@ -11037,7 +11037,7 @@
         <p:spPr>
           <a:xfrm>
             <a:off x="1618560" y="1194480"/>
-            <a:ext cx="6367320" cy="6664680"/>
+            <a:ext cx="6366600" cy="6663960"/>
           </a:xfrm>
           <a:prstGeom prst="rect">
             <a:avLst/>
@@ -11318,7 +11318,7 @@
         <p:spPr>
           <a:xfrm>
             <a:off x="8832600" y="1259640"/>
-            <a:ext cx="3833280" cy="5318280"/>
+            <a:ext cx="3832560" cy="5317560"/>
           </a:xfrm>
           <a:prstGeom prst="rect">
             <a:avLst/>
@@ -12037,7 +12037,7 @@
         <p:spPr>
           <a:xfrm>
             <a:off x="1561680" y="0"/>
-            <a:ext cx="9062640" cy="1253520"/>
+            <a:ext cx="9061920" cy="1252800"/>
           </a:xfrm>
           <a:prstGeom prst="rect">
             <a:avLst/>
@@ -12088,7 +12088,7 @@
         <p:spPr>
           <a:xfrm>
             <a:off x="1472760" y="1082880"/>
-            <a:ext cx="5287680" cy="6111000"/>
+            <a:ext cx="5286960" cy="6110280"/>
           </a:xfrm>
           <a:prstGeom prst="rect">
             <a:avLst/>
@@ -12379,7 +12379,7 @@
         <p:spPr>
           <a:xfrm>
             <a:off x="7176600" y="1193040"/>
-            <a:ext cx="3833280" cy="5318280"/>
+            <a:ext cx="3832560" cy="5317560"/>
           </a:xfrm>
           <a:prstGeom prst="rect">
             <a:avLst/>
@@ -12960,7 +12960,7 @@
         <p:spPr>
           <a:xfrm>
             <a:off x="1561680" y="27720"/>
-            <a:ext cx="9062640" cy="1253520"/>
+            <a:ext cx="9061920" cy="1252800"/>
           </a:xfrm>
           <a:prstGeom prst="rect">
             <a:avLst/>
@@ -13011,7 +13011,7 @@
         <p:spPr>
           <a:xfrm>
             <a:off x="1440000" y="1080000"/>
-            <a:ext cx="5727960" cy="5986440"/>
+            <a:ext cx="5727240" cy="5985720"/>
           </a:xfrm>
           <a:prstGeom prst="rect">
             <a:avLst/>
@@ -13272,7 +13272,7 @@
         <p:spPr>
           <a:xfrm>
             <a:off x="7536600" y="1856520"/>
-            <a:ext cx="3833280" cy="5209920"/>
+            <a:ext cx="3832560" cy="5209200"/>
           </a:xfrm>
           <a:prstGeom prst="rect">
             <a:avLst/>
@@ -13593,7 +13593,7 @@
         <p:spPr>
           <a:xfrm>
             <a:off x="1561680" y="0"/>
-            <a:ext cx="9062640" cy="1253520"/>
+            <a:ext cx="9061920" cy="1252800"/>
           </a:xfrm>
           <a:prstGeom prst="rect">
             <a:avLst/>
@@ -13644,7 +13644,7 @@
         <p:spPr>
           <a:xfrm>
             <a:off x="1224000" y="1010880"/>
-            <a:ext cx="5625360" cy="6111000"/>
+            <a:ext cx="5624640" cy="6110280"/>
           </a:xfrm>
           <a:prstGeom prst="rect">
             <a:avLst/>
@@ -13935,7 +13935,7 @@
         <p:spPr>
           <a:xfrm>
             <a:off x="7416000" y="1155600"/>
-            <a:ext cx="4404600" cy="5318280"/>
+            <a:ext cx="4403880" cy="5317560"/>
           </a:xfrm>
           <a:prstGeom prst="rect">
             <a:avLst/>
@@ -14396,7 +14396,7 @@
         <p:spPr>
           <a:xfrm>
             <a:off x="1561680" y="0"/>
-            <a:ext cx="9062640" cy="1253520"/>
+            <a:ext cx="9061920" cy="1252800"/>
           </a:xfrm>
           <a:prstGeom prst="rect">
             <a:avLst/>
@@ -14447,7 +14447,7 @@
         <p:spPr>
           <a:xfrm>
             <a:off x="1368000" y="1010880"/>
-            <a:ext cx="10492560" cy="6111000"/>
+            <a:ext cx="10491840" cy="6110280"/>
           </a:xfrm>
           <a:prstGeom prst="rect">
             <a:avLst/>
@@ -14768,7 +14768,7 @@
         <p:spPr>
           <a:xfrm>
             <a:off x="1561680" y="0"/>
-            <a:ext cx="9062640" cy="1253520"/>
+            <a:ext cx="9061920" cy="1252800"/>
           </a:xfrm>
           <a:prstGeom prst="rect">
             <a:avLst/>
@@ -14819,7 +14819,7 @@
         <p:spPr>
           <a:xfrm>
             <a:off x="1368000" y="1010880"/>
-            <a:ext cx="10492560" cy="6111000"/>
+            <a:ext cx="10491840" cy="6110280"/>
           </a:xfrm>
           <a:prstGeom prst="rect">
             <a:avLst/>
@@ -15120,7 +15120,7 @@
         <p:spPr>
           <a:xfrm>
             <a:off x="1561680" y="0"/>
-            <a:ext cx="9062640" cy="1253520"/>
+            <a:ext cx="9061920" cy="1252800"/>
           </a:xfrm>
           <a:prstGeom prst="rect">
             <a:avLst/>
@@ -15171,7 +15171,7 @@
         <p:spPr>
           <a:xfrm>
             <a:off x="587880" y="1946880"/>
-            <a:ext cx="6406560" cy="5101920"/>
+            <a:ext cx="6405840" cy="5101200"/>
           </a:xfrm>
           <a:prstGeom prst="rect">
             <a:avLst/>
@@ -15442,7 +15442,7 @@
         <p:spPr>
           <a:xfrm>
             <a:off x="6999480" y="867600"/>
-            <a:ext cx="4686840" cy="6120720"/>
+            <a:ext cx="4686120" cy="6120000"/>
           </a:xfrm>
           <a:prstGeom prst="rect">
             <a:avLst/>
@@ -15923,7 +15923,7 @@
         <p:spPr>
           <a:xfrm>
             <a:off x="1561680" y="0"/>
-            <a:ext cx="9062640" cy="1253520"/>
+            <a:ext cx="9061920" cy="1252800"/>
           </a:xfrm>
           <a:prstGeom prst="rect">
             <a:avLst/>
@@ -15974,7 +15974,7 @@
         <p:spPr>
           <a:xfrm>
             <a:off x="1368000" y="1224000"/>
-            <a:ext cx="5107320" cy="4453920"/>
+            <a:ext cx="5106600" cy="4453200"/>
           </a:xfrm>
           <a:prstGeom prst="rect">
             <a:avLst/>
@@ -16115,7 +16115,7 @@
         <p:spPr>
           <a:xfrm>
             <a:off x="6864120" y="1800000"/>
-            <a:ext cx="5323320" cy="5744160"/>
+            <a:ext cx="5322600" cy="5743440"/>
           </a:xfrm>
           <a:prstGeom prst="rect">
             <a:avLst/>
@@ -16443,7 +16443,7 @@
         <p:spPr>
           <a:xfrm>
             <a:off x="1561680" y="0"/>
-            <a:ext cx="9062640" cy="1253520"/>
+            <a:ext cx="9061920" cy="1252800"/>
           </a:xfrm>
           <a:prstGeom prst="rect">
             <a:avLst/>
@@ -16494,7 +16494,7 @@
         <p:spPr>
           <a:xfrm>
             <a:off x="1224000" y="1152000"/>
-            <a:ext cx="10584000" cy="1224000"/>
+            <a:ext cx="10583280" cy="1223280"/>
           </a:xfrm>
           <a:prstGeom prst="rect">
             <a:avLst/>
@@ -16608,14 +16608,14 @@
       </p:sp>
       <p:sp>
         <p:nvSpPr>
-          <p:cNvPr id="172" name="TextShape 3"/>
-          <p:cNvSpPr txBox="1"/>
+          <p:cNvPr id="172" name="CustomShape 3"/>
+          <p:cNvSpPr/>
           <p:nvPr/>
         </p:nvSpPr>
         <p:spPr>
           <a:xfrm>
             <a:off x="3528000" y="2736000"/>
-            <a:ext cx="4191840" cy="1882440"/>
+            <a:ext cx="4191120" cy="1793520"/>
           </a:xfrm>
           <a:prstGeom prst="rect">
             <a:avLst/>
@@ -16625,34 +16625,49 @@
             <a:noFill/>
           </a:ln>
         </p:spPr>
+        <p:style>
+          <a:lnRef idx="0"/>
+          <a:fillRef idx="0"/>
+          <a:effectRef idx="0"/>
+          <a:fontRef idx="minor"/>
+        </p:style>
         <p:txBody>
           <a:bodyPr lIns="90000" rIns="90000" tIns="45000" bIns="45000">
             <a:spAutoFit/>
           </a:bodyPr>
           <a:p>
+            <a:pPr>
+              <a:lnSpc>
+                <a:spcPct val="100000"/>
+              </a:lnSpc>
+            </a:pPr>
             <a:r>
               <a:rPr b="0" lang="pl-PL" sz="1600" spc="-1" strike="noStrike">
                 <a:solidFill>
                   <a:srgbClr val="ffffff"/>
                 </a:solidFill>
                 <a:latin typeface="Arial"/>
+                <a:ea typeface="DejaVu Sans"/>
               </a:rPr>
               <a:t>public class ScriptExample {</a:t>
             </a:r>
             <a:endParaRPr b="0" lang="pl-PL" sz="1600" spc="-1" strike="noStrike">
-              <a:solidFill>
-                <a:srgbClr val="ffffff"/>
-              </a:solidFill>
-              <a:latin typeface="Arial"/>
-            </a:endParaRPr>
-          </a:p>
-          <a:p>
+              <a:latin typeface="Arial"/>
+            </a:endParaRPr>
+          </a:p>
+          <a:p>
+            <a:pPr>
+              <a:lnSpc>
+                <a:spcPct val="100000"/>
+              </a:lnSpc>
+            </a:pPr>
             <a:r>
               <a:rPr b="0" lang="pl-PL" sz="1600" spc="-1" strike="noStrike">
                 <a:solidFill>
                   <a:srgbClr val="ffffff"/>
                 </a:solidFill>
                 <a:latin typeface="Arial"/>
+                <a:ea typeface="DejaVu Sans"/>
               </a:rPr>
               <a:t>    </a:t>
             </a:r>
@@ -16662,23 +16677,27 @@
                   <a:srgbClr val="ffffff"/>
                 </a:solidFill>
                 <a:latin typeface="Arial"/>
+                <a:ea typeface="DejaVu Sans"/>
               </a:rPr>
               <a:t>public static void main(String[] args) {</a:t>
             </a:r>
             <a:endParaRPr b="0" lang="pl-PL" sz="1600" spc="-1" strike="noStrike">
-              <a:solidFill>
-                <a:srgbClr val="ffffff"/>
-              </a:solidFill>
-              <a:latin typeface="Arial"/>
-            </a:endParaRPr>
-          </a:p>
-          <a:p>
+              <a:latin typeface="Arial"/>
+            </a:endParaRPr>
+          </a:p>
+          <a:p>
+            <a:pPr>
+              <a:lnSpc>
+                <a:spcPct val="100000"/>
+              </a:lnSpc>
+            </a:pPr>
             <a:r>
               <a:rPr b="0" lang="pl-PL" sz="1600" spc="-1" strike="noStrike">
                 <a:solidFill>
                   <a:srgbClr val="ffffff"/>
                 </a:solidFill>
                 <a:latin typeface="Arial"/>
+                <a:ea typeface="DejaVu Sans"/>
               </a:rPr>
               <a:t>        </a:t>
             </a:r>
@@ -16688,23 +16707,27 @@
                   <a:srgbClr val="ffffff"/>
                 </a:solidFill>
                 <a:latin typeface="Arial"/>
+                <a:ea typeface="DejaVu Sans"/>
               </a:rPr>
               <a:t>int x = 5;</a:t>
             </a:r>
             <a:endParaRPr b="0" lang="pl-PL" sz="1600" spc="-1" strike="noStrike">
-              <a:solidFill>
-                <a:srgbClr val="ffffff"/>
-              </a:solidFill>
-              <a:latin typeface="Arial"/>
-            </a:endParaRPr>
-          </a:p>
-          <a:p>
+              <a:latin typeface="Arial"/>
+            </a:endParaRPr>
+          </a:p>
+          <a:p>
+            <a:pPr>
+              <a:lnSpc>
+                <a:spcPct val="100000"/>
+              </a:lnSpc>
+            </a:pPr>
             <a:r>
               <a:rPr b="0" lang="pl-PL" sz="1600" spc="-1" strike="noStrike">
                 <a:solidFill>
                   <a:srgbClr val="ffffff"/>
                 </a:solidFill>
                 <a:latin typeface="Arial"/>
+                <a:ea typeface="DejaVu Sans"/>
               </a:rPr>
               <a:t>        </a:t>
             </a:r>
@@ -16714,23 +16737,27 @@
                   <a:srgbClr val="ffffff"/>
                 </a:solidFill>
                 <a:latin typeface="Arial"/>
+                <a:ea typeface="DejaVu Sans"/>
               </a:rPr>
               <a:t>int y = 10;</a:t>
             </a:r>
             <a:endParaRPr b="0" lang="pl-PL" sz="1600" spc="-1" strike="noStrike">
-              <a:solidFill>
-                <a:srgbClr val="ffffff"/>
-              </a:solidFill>
-              <a:latin typeface="Arial"/>
-            </a:endParaRPr>
-          </a:p>
-          <a:p>
+              <a:latin typeface="Arial"/>
+            </a:endParaRPr>
+          </a:p>
+          <a:p>
+            <a:pPr>
+              <a:lnSpc>
+                <a:spcPct val="100000"/>
+              </a:lnSpc>
+            </a:pPr>
             <a:r>
               <a:rPr b="0" lang="pl-PL" sz="1600" spc="-1" strike="noStrike">
                 <a:solidFill>
                   <a:srgbClr val="ffffff"/>
                 </a:solidFill>
                 <a:latin typeface="Arial"/>
+                <a:ea typeface="DejaVu Sans"/>
               </a:rPr>
               <a:t>        </a:t>
             </a:r>
@@ -16740,23 +16767,27 @@
                   <a:srgbClr val="ffffff"/>
                 </a:solidFill>
                 <a:latin typeface="Arial"/>
+                <a:ea typeface="DejaVu Sans"/>
               </a:rPr>
               <a:t>System.out.println(x * y);</a:t>
             </a:r>
             <a:endParaRPr b="0" lang="pl-PL" sz="1600" spc="-1" strike="noStrike">
-              <a:solidFill>
-                <a:srgbClr val="ffffff"/>
-              </a:solidFill>
-              <a:latin typeface="Arial"/>
-            </a:endParaRPr>
-          </a:p>
-          <a:p>
+              <a:latin typeface="Arial"/>
+            </a:endParaRPr>
+          </a:p>
+          <a:p>
+            <a:pPr>
+              <a:lnSpc>
+                <a:spcPct val="100000"/>
+              </a:lnSpc>
+            </a:pPr>
             <a:r>
               <a:rPr b="0" lang="pl-PL" sz="1600" spc="-1" strike="noStrike">
                 <a:solidFill>
                   <a:srgbClr val="ffffff"/>
                 </a:solidFill>
                 <a:latin typeface="Arial"/>
+                <a:ea typeface="DejaVu Sans"/>
               </a:rPr>
               <a:t>    </a:t>
             </a:r>
@@ -16766,30 +16797,31 @@
                   <a:srgbClr val="ffffff"/>
                 </a:solidFill>
                 <a:latin typeface="Arial"/>
+                <a:ea typeface="DejaVu Sans"/>
               </a:rPr>
               <a:t>}</a:t>
             </a:r>
             <a:endParaRPr b="0" lang="pl-PL" sz="1600" spc="-1" strike="noStrike">
-              <a:solidFill>
-                <a:srgbClr val="ffffff"/>
-              </a:solidFill>
-              <a:latin typeface="Arial"/>
-            </a:endParaRPr>
-          </a:p>
-          <a:p>
+              <a:latin typeface="Arial"/>
+            </a:endParaRPr>
+          </a:p>
+          <a:p>
+            <a:pPr>
+              <a:lnSpc>
+                <a:spcPct val="100000"/>
+              </a:lnSpc>
+            </a:pPr>
             <a:r>
               <a:rPr b="0" lang="pl-PL" sz="1600" spc="-1" strike="noStrike">
                 <a:solidFill>
                   <a:srgbClr val="ffffff"/>
                 </a:solidFill>
                 <a:latin typeface="Arial"/>
+                <a:ea typeface="DejaVu Sans"/>
               </a:rPr>
               <a:t>}</a:t>
             </a:r>
             <a:endParaRPr b="0" lang="pl-PL" sz="1600" spc="-1" strike="noStrike">
-              <a:solidFill>
-                <a:srgbClr val="ffffff"/>
-              </a:solidFill>
               <a:latin typeface="Arial"/>
             </a:endParaRPr>
           </a:p>
@@ -16804,7 +16836,7 @@
         <p:spPr>
           <a:xfrm>
             <a:off x="1224000" y="4464000"/>
-            <a:ext cx="10584000" cy="1224000"/>
+            <a:ext cx="10583280" cy="1223280"/>
           </a:xfrm>
           <a:prstGeom prst="rect">
             <a:avLst/>
@@ -17005,7 +17037,7 @@
         <p:spPr>
           <a:xfrm>
             <a:off x="1561680" y="0"/>
-            <a:ext cx="9062640" cy="1253520"/>
+            <a:ext cx="9061920" cy="1252800"/>
           </a:xfrm>
           <a:prstGeom prst="rect">
             <a:avLst/>
@@ -17047,6 +17079,1031 @@
           </a:p>
         </p:txBody>
       </p:sp>
+      <p:sp>
+        <p:nvSpPr>
+          <p:cNvPr id="175" name="CustomShape 2"/>
+          <p:cNvSpPr/>
+          <p:nvPr/>
+        </p:nvSpPr>
+        <p:spPr>
+          <a:xfrm>
+            <a:off x="1224360" y="936360"/>
+            <a:ext cx="10583280" cy="1223280"/>
+          </a:xfrm>
+          <a:prstGeom prst="rect">
+            <a:avLst/>
+          </a:prstGeom>
+          <a:noFill/>
+          <a:ln>
+            <a:noFill/>
+          </a:ln>
+        </p:spPr>
+        <p:style>
+          <a:lnRef idx="0"/>
+          <a:fillRef idx="0"/>
+          <a:effectRef idx="0"/>
+          <a:fontRef idx="minor"/>
+        </p:style>
+        <p:txBody>
+          <a:bodyPr lIns="90000" rIns="90000" tIns="45000" bIns="45000">
+            <a:noAutofit/>
+          </a:bodyPr>
+          <a:p>
+            <a:pPr>
+              <a:lnSpc>
+                <a:spcPct val="100000"/>
+              </a:lnSpc>
+            </a:pPr>
+            <a:r>
+              <a:rPr b="0" lang="pl-PL" sz="1600" spc="-1" strike="noStrike">
+                <a:solidFill>
+                  <a:srgbClr val="00a65d"/>
+                </a:solidFill>
+                <a:latin typeface="Arial"/>
+                <a:ea typeface="DejaVu Sans"/>
+              </a:rPr>
+              <a:t>JShell</a:t>
+            </a:r>
+            <a:r>
+              <a:rPr b="0" lang="pl-PL" sz="1600" spc="-1" strike="noStrike">
+                <a:solidFill>
+                  <a:srgbClr val="ffffff"/>
+                </a:solidFill>
+                <a:latin typeface="Arial"/>
+                <a:ea typeface="DejaVu Sans"/>
+              </a:rPr>
+              <a:t> – Jest narzędziem dostępnym od Javy 9, pozwalającym na interaktywne używanie elementów języka Java (środowisko typu REPL – read-eval-print loop). Tradycyjnie, aby zobaczyć rezultat działania programu, należy go w całości napisać, później skompilować, a na końcu uruchomić. Z pomocą Jshell możemy pisać elementy programu, np.: zmienne, metody, instrukcje i od razu zobaczyć rezultat ich działania.</a:t>
+            </a:r>
+            <a:endParaRPr b="0" lang="pl-PL" sz="1600" spc="-1" strike="noStrike">
+              <a:latin typeface="Arial"/>
+            </a:endParaRPr>
+          </a:p>
+          <a:p>
+            <a:pPr>
+              <a:lnSpc>
+                <a:spcPct val="100000"/>
+              </a:lnSpc>
+            </a:pPr>
+            <a:endParaRPr b="0" lang="pl-PL" sz="1600" spc="-1" strike="noStrike">
+              <a:latin typeface="Arial"/>
+            </a:endParaRPr>
+          </a:p>
+          <a:p>
+            <a:pPr>
+              <a:lnSpc>
+                <a:spcPct val="100000"/>
+              </a:lnSpc>
+            </a:pPr>
+            <a:r>
+              <a:rPr b="0" lang="pl-PL" sz="1600" spc="-1" strike="noStrike">
+                <a:solidFill>
+                  <a:srgbClr val="ffffff"/>
+                </a:solidFill>
+                <a:latin typeface="Arial"/>
+                <a:ea typeface="DejaVu Sans"/>
+              </a:rPr>
+              <a:t>Istnieje też możliwość zdefiniowania metod, które używają zmiennych lub innych metod, które nie są jeszcze zdefiniowane. W takim wypadku dostaniemy ostrzeżenie i nie będziemy mogli korzystać z takiej metody,</a:t>
+            </a:r>
+            <a:endParaRPr b="0" lang="pl-PL" sz="1600" spc="-1" strike="noStrike">
+              <a:latin typeface="Arial"/>
+            </a:endParaRPr>
+          </a:p>
+          <a:p>
+            <a:pPr>
+              <a:lnSpc>
+                <a:spcPct val="100000"/>
+              </a:lnSpc>
+            </a:pPr>
+            <a:r>
+              <a:rPr b="0" lang="pl-PL" sz="1600" spc="-1" strike="noStrike">
+                <a:solidFill>
+                  <a:srgbClr val="ffffff"/>
+                </a:solidFill>
+                <a:latin typeface="Arial"/>
+                <a:ea typeface="DejaVu Sans"/>
+              </a:rPr>
+              <a:t>Dopóki nie zdefiniujemy wszystkich brakujących elementów.</a:t>
+            </a:r>
+            <a:endParaRPr b="0" lang="pl-PL" sz="1600" spc="-1" strike="noStrike">
+              <a:latin typeface="Arial"/>
+            </a:endParaRPr>
+          </a:p>
+          <a:p>
+            <a:pPr>
+              <a:lnSpc>
+                <a:spcPct val="100000"/>
+              </a:lnSpc>
+            </a:pPr>
+            <a:endParaRPr b="0" lang="pl-PL" sz="1600" spc="-1" strike="noStrike">
+              <a:latin typeface="Arial"/>
+            </a:endParaRPr>
+          </a:p>
+          <a:p>
+            <a:pPr>
+              <a:lnSpc>
+                <a:spcPct val="100000"/>
+              </a:lnSpc>
+            </a:pPr>
+            <a:r>
+              <a:rPr b="0" lang="pl-PL" sz="1600" spc="-1" strike="noStrike">
+                <a:solidFill>
+                  <a:srgbClr val="ffffff"/>
+                </a:solidFill>
+                <a:latin typeface="Arial"/>
+                <a:ea typeface="DejaVu Sans"/>
+              </a:rPr>
+              <a:t>Aby zmienić definicję istniejącej metody należy po prostu zdefiniować ją od nowa, bądź skorzystać z polecenia edit.</a:t>
+            </a:r>
+            <a:endParaRPr b="0" lang="pl-PL" sz="1600" spc="-1" strike="noStrike">
+              <a:latin typeface="Arial"/>
+            </a:endParaRPr>
+          </a:p>
+          <a:p>
+            <a:pPr>
+              <a:lnSpc>
+                <a:spcPct val="100000"/>
+              </a:lnSpc>
+            </a:pPr>
+            <a:endParaRPr b="0" lang="pl-PL" sz="1600" spc="-1" strike="noStrike">
+              <a:latin typeface="Arial"/>
+            </a:endParaRPr>
+          </a:p>
+          <a:p>
+            <a:pPr>
+              <a:lnSpc>
+                <a:spcPct val="100000"/>
+              </a:lnSpc>
+            </a:pPr>
+            <a:r>
+              <a:rPr b="0" lang="pl-PL" sz="1600" spc="-1" strike="noStrike">
+                <a:solidFill>
+                  <a:srgbClr val="ffffff"/>
+                </a:solidFill>
+                <a:latin typeface="Arial"/>
+                <a:ea typeface="DejaVu Sans"/>
+              </a:rPr>
+              <a:t>JShell uruchamiamy komendą jshell</a:t>
+            </a:r>
+            <a:endParaRPr b="0" lang="pl-PL" sz="1600" spc="-1" strike="noStrike">
+              <a:latin typeface="Arial"/>
+            </a:endParaRPr>
+          </a:p>
+          <a:p>
+            <a:pPr>
+              <a:lnSpc>
+                <a:spcPct val="100000"/>
+              </a:lnSpc>
+            </a:pPr>
+            <a:r>
+              <a:rPr b="0" lang="pl-PL" sz="1600" spc="-1" strike="noStrike">
+                <a:solidFill>
+                  <a:srgbClr val="ffffff"/>
+                </a:solidFill>
+                <a:latin typeface="Arial"/>
+                <a:ea typeface="DejaVu Sans"/>
+              </a:rPr>
+              <a:t>Podstawowe polecenia sterujące:</a:t>
+            </a:r>
+            <a:endParaRPr b="0" lang="pl-PL" sz="1600" spc="-1" strike="noStrike">
+              <a:latin typeface="Arial"/>
+            </a:endParaRPr>
+          </a:p>
+          <a:p>
+            <a:pPr>
+              <a:lnSpc>
+                <a:spcPct val="100000"/>
+              </a:lnSpc>
+            </a:pPr>
+            <a:endParaRPr b="0" lang="pl-PL" sz="1600" spc="-1" strike="noStrike">
+              <a:latin typeface="Arial"/>
+            </a:endParaRPr>
+          </a:p>
+          <a:p>
+            <a:pPr>
+              <a:lnSpc>
+                <a:spcPct val="100000"/>
+              </a:lnSpc>
+            </a:pPr>
+            <a:endParaRPr b="0" lang="pl-PL" sz="1600" spc="-1" strike="noStrike">
+              <a:latin typeface="Arial"/>
+            </a:endParaRPr>
+          </a:p>
+          <a:p>
+            <a:pPr>
+              <a:lnSpc>
+                <a:spcPct val="100000"/>
+              </a:lnSpc>
+            </a:pPr>
+            <a:endParaRPr b="0" lang="pl-PL" sz="1600" spc="-1" strike="noStrike">
+              <a:latin typeface="Arial"/>
+            </a:endParaRPr>
+          </a:p>
+          <a:p>
+            <a:pPr>
+              <a:lnSpc>
+                <a:spcPct val="100000"/>
+              </a:lnSpc>
+            </a:pPr>
+            <a:endParaRPr b="0" lang="pl-PL" sz="1600" spc="-1" strike="noStrike">
+              <a:latin typeface="Arial"/>
+            </a:endParaRPr>
+          </a:p>
+          <a:p>
+            <a:pPr>
+              <a:lnSpc>
+                <a:spcPct val="100000"/>
+              </a:lnSpc>
+            </a:pPr>
+            <a:endParaRPr b="0" lang="pl-PL" sz="1600" spc="-1" strike="noStrike">
+              <a:latin typeface="Arial"/>
+            </a:endParaRPr>
+          </a:p>
+          <a:p>
+            <a:pPr>
+              <a:lnSpc>
+                <a:spcPct val="100000"/>
+              </a:lnSpc>
+            </a:pPr>
+            <a:endParaRPr b="0" lang="pl-PL" sz="1600" spc="-1" strike="noStrike">
+              <a:latin typeface="Arial"/>
+            </a:endParaRPr>
+          </a:p>
+          <a:p>
+            <a:pPr>
+              <a:lnSpc>
+                <a:spcPct val="100000"/>
+              </a:lnSpc>
+            </a:pPr>
+            <a:endParaRPr b="0" lang="pl-PL" sz="1600" spc="-1" strike="noStrike">
+              <a:latin typeface="Arial"/>
+            </a:endParaRPr>
+          </a:p>
+        </p:txBody>
+      </p:sp>
+      <p:graphicFrame>
+        <p:nvGraphicFramePr>
+          <p:cNvPr id="176" name="Table 3"/>
+          <p:cNvGraphicFramePr/>
+          <p:nvPr/>
+        </p:nvGraphicFramePr>
+        <p:xfrm>
+          <a:off x="2563920" y="4340160"/>
+          <a:ext cx="7540920" cy="2357280"/>
+        </p:xfrm>
+        <a:graphic>
+          <a:graphicData uri="http://schemas.openxmlformats.org/drawingml/2006/table">
+            <a:tbl>
+              <a:tblPr/>
+              <a:tblGrid>
+                <a:gridCol w="2651040"/>
+                <a:gridCol w="4890240"/>
+              </a:tblGrid>
+              <a:tr h="317520">
+                <a:tc>
+                  <a:txBody>
+                    <a:bodyPr lIns="90000" rIns="90000">
+                      <a:noAutofit/>
+                    </a:bodyPr>
+                    <a:p>
+                      <a:pPr>
+                        <a:lnSpc>
+                          <a:spcPct val="100000"/>
+                        </a:lnSpc>
+                      </a:pPr>
+                      <a:r>
+                        <a:rPr b="0" lang="pl-PL" sz="1600" spc="-1" strike="noStrike">
+                          <a:solidFill>
+                            <a:srgbClr val="000000"/>
+                          </a:solidFill>
+                          <a:latin typeface="Arial"/>
+                          <a:ea typeface="DejaVu Sans"/>
+                        </a:rPr>
+                        <a:t>/exit</a:t>
+                      </a:r>
+                      <a:endParaRPr b="0" lang="pl-PL" sz="1600" spc="-1" strike="noStrike">
+                        <a:latin typeface="Arial"/>
+                      </a:endParaRPr>
+                    </a:p>
+                  </a:txBody>
+                  <a:tcPr marL="90000" marR="90000">
+                    <a:lnL w="720">
+                      <a:solidFill>
+                        <a:srgbClr val="ffffff"/>
+                      </a:solidFill>
+                    </a:lnL>
+                    <a:lnR w="720">
+                      <a:solidFill>
+                        <a:srgbClr val="ffffff"/>
+                      </a:solidFill>
+                    </a:lnR>
+                    <a:lnT w="720">
+                      <a:solidFill>
+                        <a:srgbClr val="ffffff"/>
+                      </a:solidFill>
+                    </a:lnT>
+                    <a:lnB w="720">
+                      <a:solidFill>
+                        <a:srgbClr val="ffffff"/>
+                      </a:solidFill>
+                    </a:lnB>
+                    <a:solidFill>
+                      <a:srgbClr val="b3b3b3"/>
+                    </a:solidFill>
+                  </a:tcPr>
+                </a:tc>
+                <a:tc>
+                  <a:txBody>
+                    <a:bodyPr lIns="90000" rIns="90000">
+                      <a:noAutofit/>
+                    </a:bodyPr>
+                    <a:p>
+                      <a:pPr>
+                        <a:lnSpc>
+                          <a:spcPct val="100000"/>
+                        </a:lnSpc>
+                      </a:pPr>
+                      <a:r>
+                        <a:rPr b="0" lang="pl-PL" sz="1600" spc="-1" strike="noStrike">
+                          <a:solidFill>
+                            <a:srgbClr val="000000"/>
+                          </a:solidFill>
+                          <a:latin typeface="Arial"/>
+                          <a:ea typeface="DejaVu Sans"/>
+                        </a:rPr>
+                        <a:t>Wyjście z JShell</a:t>
+                      </a:r>
+                      <a:endParaRPr b="0" lang="pl-PL" sz="1600" spc="-1" strike="noStrike">
+                        <a:latin typeface="Arial"/>
+                      </a:endParaRPr>
+                    </a:p>
+                  </a:txBody>
+                  <a:tcPr marL="90000" marR="90000">
+                    <a:lnL w="720">
+                      <a:solidFill>
+                        <a:srgbClr val="ffffff"/>
+                      </a:solidFill>
+                    </a:lnL>
+                    <a:lnR w="720">
+                      <a:solidFill>
+                        <a:srgbClr val="ffffff"/>
+                      </a:solidFill>
+                    </a:lnR>
+                    <a:lnT w="720">
+                      <a:solidFill>
+                        <a:srgbClr val="ffffff"/>
+                      </a:solidFill>
+                    </a:lnT>
+                    <a:lnB w="720">
+                      <a:solidFill>
+                        <a:srgbClr val="ffffff"/>
+                      </a:solidFill>
+                    </a:lnB>
+                    <a:solidFill>
+                      <a:srgbClr val="b3b3b3"/>
+                    </a:solidFill>
+                  </a:tcPr>
+                </a:tc>
+              </a:tr>
+              <a:tr h="340200">
+                <a:tc>
+                  <a:txBody>
+                    <a:bodyPr lIns="90000" rIns="90000">
+                      <a:noAutofit/>
+                    </a:bodyPr>
+                    <a:p>
+                      <a:pPr>
+                        <a:lnSpc>
+                          <a:spcPct val="100000"/>
+                        </a:lnSpc>
+                      </a:pPr>
+                      <a:r>
+                        <a:rPr b="0" lang="pl-PL" sz="1600" spc="-1" strike="noStrike">
+                          <a:solidFill>
+                            <a:srgbClr val="000000"/>
+                          </a:solidFill>
+                          <a:latin typeface="Arial"/>
+                          <a:ea typeface="DejaVu Sans"/>
+                        </a:rPr>
+                        <a:t>/vars</a:t>
+                      </a:r>
+                      <a:endParaRPr b="0" lang="pl-PL" sz="1600" spc="-1" strike="noStrike">
+                        <a:latin typeface="Arial"/>
+                      </a:endParaRPr>
+                    </a:p>
+                  </a:txBody>
+                  <a:tcPr marL="90000" marR="90000">
+                    <a:lnL w="720">
+                      <a:solidFill>
+                        <a:srgbClr val="ffffff"/>
+                      </a:solidFill>
+                    </a:lnL>
+                    <a:lnR w="720">
+                      <a:solidFill>
+                        <a:srgbClr val="ffffff"/>
+                      </a:solidFill>
+                    </a:lnR>
+                    <a:lnT w="720">
+                      <a:solidFill>
+                        <a:srgbClr val="ffffff"/>
+                      </a:solidFill>
+                    </a:lnT>
+                    <a:lnB w="720">
+                      <a:solidFill>
+                        <a:srgbClr val="ffffff"/>
+                      </a:solidFill>
+                    </a:lnB>
+                    <a:solidFill>
+                      <a:srgbClr val="cccccc"/>
+                    </a:solidFill>
+                  </a:tcPr>
+                </a:tc>
+                <a:tc>
+                  <a:txBody>
+                    <a:bodyPr lIns="90000" rIns="90000">
+                      <a:noAutofit/>
+                    </a:bodyPr>
+                    <a:p>
+                      <a:pPr>
+                        <a:lnSpc>
+                          <a:spcPct val="100000"/>
+                        </a:lnSpc>
+                      </a:pPr>
+                      <a:r>
+                        <a:rPr b="0" lang="pl-PL" sz="1600" spc="-1" strike="noStrike">
+                          <a:solidFill>
+                            <a:srgbClr val="000000"/>
+                          </a:solidFill>
+                          <a:latin typeface="Arial"/>
+                          <a:ea typeface="DejaVu Sans"/>
+                        </a:rPr>
+                        <a:t>Wyświetlenie zapamiętanych zmiennych</a:t>
+                      </a:r>
+                      <a:endParaRPr b="0" lang="pl-PL" sz="1600" spc="-1" strike="noStrike">
+                        <a:latin typeface="Arial"/>
+                      </a:endParaRPr>
+                    </a:p>
+                  </a:txBody>
+                  <a:tcPr marL="90000" marR="90000">
+                    <a:lnL w="720">
+                      <a:solidFill>
+                        <a:srgbClr val="ffffff"/>
+                      </a:solidFill>
+                    </a:lnL>
+                    <a:lnR w="720">
+                      <a:solidFill>
+                        <a:srgbClr val="ffffff"/>
+                      </a:solidFill>
+                    </a:lnR>
+                    <a:lnT w="720">
+                      <a:solidFill>
+                        <a:srgbClr val="ffffff"/>
+                      </a:solidFill>
+                    </a:lnT>
+                    <a:lnB w="720">
+                      <a:solidFill>
+                        <a:srgbClr val="ffffff"/>
+                      </a:solidFill>
+                    </a:lnB>
+                    <a:solidFill>
+                      <a:srgbClr val="cccccc"/>
+                    </a:solidFill>
+                  </a:tcPr>
+                </a:tc>
+              </a:tr>
+              <a:tr h="340200">
+                <a:tc>
+                  <a:txBody>
+                    <a:bodyPr lIns="90000" rIns="90000">
+                      <a:noAutofit/>
+                    </a:bodyPr>
+                    <a:p>
+                      <a:pPr>
+                        <a:lnSpc>
+                          <a:spcPct val="100000"/>
+                        </a:lnSpc>
+                      </a:pPr>
+                      <a:r>
+                        <a:rPr b="0" lang="pl-PL" sz="1600" spc="-1" strike="noStrike">
+                          <a:solidFill>
+                            <a:srgbClr val="000000"/>
+                          </a:solidFill>
+                          <a:latin typeface="Arial"/>
+                          <a:ea typeface="DejaVu Sans"/>
+                        </a:rPr>
+                        <a:t>/methods</a:t>
+                      </a:r>
+                      <a:endParaRPr b="0" lang="pl-PL" sz="1600" spc="-1" strike="noStrike">
+                        <a:latin typeface="Arial"/>
+                      </a:endParaRPr>
+                    </a:p>
+                  </a:txBody>
+                  <a:tcPr marL="90000" marR="90000">
+                    <a:lnL w="720">
+                      <a:solidFill>
+                        <a:srgbClr val="ffffff"/>
+                      </a:solidFill>
+                    </a:lnL>
+                    <a:lnR w="720">
+                      <a:solidFill>
+                        <a:srgbClr val="ffffff"/>
+                      </a:solidFill>
+                    </a:lnR>
+                    <a:lnT w="720">
+                      <a:solidFill>
+                        <a:srgbClr val="ffffff"/>
+                      </a:solidFill>
+                    </a:lnT>
+                    <a:lnB w="720">
+                      <a:solidFill>
+                        <a:srgbClr val="ffffff"/>
+                      </a:solidFill>
+                    </a:lnB>
+                    <a:solidFill>
+                      <a:srgbClr val="e6e6e6"/>
+                    </a:solidFill>
+                  </a:tcPr>
+                </a:tc>
+                <a:tc>
+                  <a:txBody>
+                    <a:bodyPr lIns="90000" rIns="90000">
+                      <a:noAutofit/>
+                    </a:bodyPr>
+                    <a:p>
+                      <a:pPr>
+                        <a:lnSpc>
+                          <a:spcPct val="100000"/>
+                        </a:lnSpc>
+                      </a:pPr>
+                      <a:r>
+                        <a:rPr b="0" lang="pl-PL" sz="1600" spc="-1" strike="noStrike">
+                          <a:solidFill>
+                            <a:srgbClr val="000000"/>
+                          </a:solidFill>
+                          <a:latin typeface="Arial"/>
+                          <a:ea typeface="DejaVu Sans"/>
+                        </a:rPr>
+                        <a:t>Wyświetlenie zapamiętanych metod</a:t>
+                      </a:r>
+                      <a:endParaRPr b="0" lang="pl-PL" sz="1600" spc="-1" strike="noStrike">
+                        <a:latin typeface="Arial"/>
+                      </a:endParaRPr>
+                    </a:p>
+                  </a:txBody>
+                  <a:tcPr marL="90000" marR="90000">
+                    <a:lnL w="720">
+                      <a:solidFill>
+                        <a:srgbClr val="ffffff"/>
+                      </a:solidFill>
+                    </a:lnL>
+                    <a:lnR w="720">
+                      <a:solidFill>
+                        <a:srgbClr val="ffffff"/>
+                      </a:solidFill>
+                    </a:lnR>
+                    <a:lnT w="720">
+                      <a:solidFill>
+                        <a:srgbClr val="ffffff"/>
+                      </a:solidFill>
+                    </a:lnT>
+                    <a:lnB w="720">
+                      <a:solidFill>
+                        <a:srgbClr val="ffffff"/>
+                      </a:solidFill>
+                    </a:lnB>
+                    <a:solidFill>
+                      <a:srgbClr val="e6e6e6"/>
+                    </a:solidFill>
+                  </a:tcPr>
+                </a:tc>
+              </a:tr>
+              <a:tr h="340200">
+                <a:tc>
+                  <a:txBody>
+                    <a:bodyPr lIns="90000" rIns="90000">
+                      <a:noAutofit/>
+                    </a:bodyPr>
+                    <a:p>
+                      <a:pPr>
+                        <a:lnSpc>
+                          <a:spcPct val="100000"/>
+                        </a:lnSpc>
+                      </a:pPr>
+                      <a:r>
+                        <a:rPr b="0" lang="pl-PL" sz="1600" spc="-1" strike="noStrike">
+                          <a:solidFill>
+                            <a:srgbClr val="000000"/>
+                          </a:solidFill>
+                          <a:latin typeface="Arial"/>
+                          <a:ea typeface="DejaVu Sans"/>
+                        </a:rPr>
+                        <a:t>/list</a:t>
+                      </a:r>
+                      <a:endParaRPr b="0" lang="pl-PL" sz="1600" spc="-1" strike="noStrike">
+                        <a:latin typeface="Arial"/>
+                      </a:endParaRPr>
+                    </a:p>
+                  </a:txBody>
+                  <a:tcPr marL="90000" marR="90000">
+                    <a:lnL w="720">
+                      <a:solidFill>
+                        <a:srgbClr val="ffffff"/>
+                      </a:solidFill>
+                    </a:lnL>
+                    <a:lnR w="720">
+                      <a:solidFill>
+                        <a:srgbClr val="ffffff"/>
+                      </a:solidFill>
+                    </a:lnR>
+                    <a:lnT w="720">
+                      <a:solidFill>
+                        <a:srgbClr val="ffffff"/>
+                      </a:solidFill>
+                    </a:lnT>
+                    <a:lnB w="720">
+                      <a:solidFill>
+                        <a:srgbClr val="ffffff"/>
+                      </a:solidFill>
+                    </a:lnB>
+                    <a:solidFill>
+                      <a:srgbClr val="cccccc"/>
+                    </a:solidFill>
+                  </a:tcPr>
+                </a:tc>
+                <a:tc>
+                  <a:txBody>
+                    <a:bodyPr lIns="90000" rIns="90000">
+                      <a:noAutofit/>
+                    </a:bodyPr>
+                    <a:p>
+                      <a:pPr>
+                        <a:lnSpc>
+                          <a:spcPct val="100000"/>
+                        </a:lnSpc>
+                      </a:pPr>
+                      <a:r>
+                        <a:rPr b="0" lang="pl-PL" sz="1600" spc="-1" strike="noStrike">
+                          <a:solidFill>
+                            <a:srgbClr val="000000"/>
+                          </a:solidFill>
+                          <a:latin typeface="Arial"/>
+                          <a:ea typeface="DejaVu Sans"/>
+                        </a:rPr>
+                        <a:t>Wyświetlenie wszystkich zapamiętanych elementów</a:t>
+                      </a:r>
+                      <a:endParaRPr b="0" lang="pl-PL" sz="1600" spc="-1" strike="noStrike">
+                        <a:latin typeface="Arial"/>
+                      </a:endParaRPr>
+                    </a:p>
+                  </a:txBody>
+                  <a:tcPr marL="90000" marR="90000">
+                    <a:lnL w="720">
+                      <a:solidFill>
+                        <a:srgbClr val="ffffff"/>
+                      </a:solidFill>
+                    </a:lnL>
+                    <a:lnR w="720">
+                      <a:solidFill>
+                        <a:srgbClr val="ffffff"/>
+                      </a:solidFill>
+                    </a:lnR>
+                    <a:lnT w="720">
+                      <a:solidFill>
+                        <a:srgbClr val="ffffff"/>
+                      </a:solidFill>
+                    </a:lnT>
+                    <a:lnB w="720">
+                      <a:solidFill>
+                        <a:srgbClr val="ffffff"/>
+                      </a:solidFill>
+                    </a:lnB>
+                    <a:solidFill>
+                      <a:srgbClr val="cccccc"/>
+                    </a:solidFill>
+                  </a:tcPr>
+                </a:tc>
+              </a:tr>
+              <a:tr h="340200">
+                <a:tc>
+                  <a:txBody>
+                    <a:bodyPr lIns="90000" rIns="90000">
+                      <a:noAutofit/>
+                    </a:bodyPr>
+                    <a:p>
+                      <a:pPr>
+                        <a:lnSpc>
+                          <a:spcPct val="100000"/>
+                        </a:lnSpc>
+                      </a:pPr>
+                      <a:r>
+                        <a:rPr b="0" lang="pl-PL" sz="1600" spc="-1" strike="noStrike">
+                          <a:solidFill>
+                            <a:srgbClr val="000000"/>
+                          </a:solidFill>
+                          <a:latin typeface="Arial"/>
+                          <a:ea typeface="DejaVu Sans"/>
+                        </a:rPr>
+                        <a:t>/edit identyfikator</a:t>
+                      </a:r>
+                      <a:endParaRPr b="0" lang="pl-PL" sz="1600" spc="-1" strike="noStrike">
+                        <a:latin typeface="Arial"/>
+                      </a:endParaRPr>
+                    </a:p>
+                  </a:txBody>
+                  <a:tcPr marL="90000" marR="90000">
+                    <a:lnL w="720">
+                      <a:solidFill>
+                        <a:srgbClr val="ffffff"/>
+                      </a:solidFill>
+                    </a:lnL>
+                    <a:lnR w="720">
+                      <a:solidFill>
+                        <a:srgbClr val="ffffff"/>
+                      </a:solidFill>
+                    </a:lnR>
+                    <a:lnT w="720">
+                      <a:solidFill>
+                        <a:srgbClr val="ffffff"/>
+                      </a:solidFill>
+                    </a:lnT>
+                    <a:lnB w="720">
+                      <a:solidFill>
+                        <a:srgbClr val="ffffff"/>
+                      </a:solidFill>
+                    </a:lnB>
+                    <a:solidFill>
+                      <a:srgbClr val="e6e6e6"/>
+                    </a:solidFill>
+                  </a:tcPr>
+                </a:tc>
+                <a:tc>
+                  <a:txBody>
+                    <a:bodyPr lIns="90000" rIns="90000">
+                      <a:noAutofit/>
+                    </a:bodyPr>
+                    <a:p>
+                      <a:pPr>
+                        <a:lnSpc>
+                          <a:spcPct val="100000"/>
+                        </a:lnSpc>
+                      </a:pPr>
+                      <a:r>
+                        <a:rPr b="0" lang="pl-PL" sz="1600" spc="-1" strike="noStrike">
+                          <a:solidFill>
+                            <a:srgbClr val="000000"/>
+                          </a:solidFill>
+                          <a:latin typeface="Arial"/>
+                          <a:ea typeface="DejaVu Sans"/>
+                        </a:rPr>
+                        <a:t>Edycja metody</a:t>
+                      </a:r>
+                      <a:endParaRPr b="0" lang="pl-PL" sz="1600" spc="-1" strike="noStrike">
+                        <a:latin typeface="Arial"/>
+                      </a:endParaRPr>
+                    </a:p>
+                  </a:txBody>
+                  <a:tcPr marL="90000" marR="90000">
+                    <a:lnL w="720">
+                      <a:solidFill>
+                        <a:srgbClr val="ffffff"/>
+                      </a:solidFill>
+                    </a:lnL>
+                    <a:lnR w="720">
+                      <a:solidFill>
+                        <a:srgbClr val="ffffff"/>
+                      </a:solidFill>
+                    </a:lnR>
+                    <a:lnT w="720">
+                      <a:solidFill>
+                        <a:srgbClr val="ffffff"/>
+                      </a:solidFill>
+                    </a:lnT>
+                    <a:lnB w="720">
+                      <a:solidFill>
+                        <a:srgbClr val="ffffff"/>
+                      </a:solidFill>
+                    </a:lnB>
+                    <a:solidFill>
+                      <a:srgbClr val="e6e6e6"/>
+                    </a:solidFill>
+                  </a:tcPr>
+                </a:tc>
+              </a:tr>
+              <a:tr h="340200">
+                <a:tc>
+                  <a:txBody>
+                    <a:bodyPr lIns="90000" rIns="90000">
+                      <a:noAutofit/>
+                    </a:bodyPr>
+                    <a:p>
+                      <a:pPr>
+                        <a:lnSpc>
+                          <a:spcPct val="100000"/>
+                        </a:lnSpc>
+                      </a:pPr>
+                      <a:r>
+                        <a:rPr b="0" lang="pl-PL" sz="1600" spc="-1" strike="noStrike">
+                          <a:solidFill>
+                            <a:srgbClr val="000000"/>
+                          </a:solidFill>
+                          <a:latin typeface="Arial"/>
+                          <a:ea typeface="DejaVu Sans"/>
+                        </a:rPr>
+                        <a:t>/save plik.jsh</a:t>
+                      </a:r>
+                      <a:endParaRPr b="0" lang="pl-PL" sz="1600" spc="-1" strike="noStrike">
+                        <a:latin typeface="Arial"/>
+                      </a:endParaRPr>
+                    </a:p>
+                  </a:txBody>
+                  <a:tcPr marL="90000" marR="90000">
+                    <a:lnL w="720">
+                      <a:solidFill>
+                        <a:srgbClr val="ffffff"/>
+                      </a:solidFill>
+                    </a:lnL>
+                    <a:lnR w="720">
+                      <a:solidFill>
+                        <a:srgbClr val="ffffff"/>
+                      </a:solidFill>
+                    </a:lnR>
+                    <a:lnT w="720">
+                      <a:solidFill>
+                        <a:srgbClr val="ffffff"/>
+                      </a:solidFill>
+                    </a:lnT>
+                    <a:lnB w="720">
+                      <a:solidFill>
+                        <a:srgbClr val="ffffff"/>
+                      </a:solidFill>
+                    </a:lnB>
+                    <a:solidFill>
+                      <a:srgbClr val="cccccc"/>
+                    </a:solidFill>
+                  </a:tcPr>
+                </a:tc>
+                <a:tc>
+                  <a:txBody>
+                    <a:bodyPr lIns="90000" rIns="90000">
+                      <a:noAutofit/>
+                    </a:bodyPr>
+                    <a:p>
+                      <a:pPr>
+                        <a:lnSpc>
+                          <a:spcPct val="100000"/>
+                        </a:lnSpc>
+                      </a:pPr>
+                      <a:r>
+                        <a:rPr b="0" lang="pl-PL" sz="1600" spc="-1" strike="noStrike">
+                          <a:solidFill>
+                            <a:srgbClr val="000000"/>
+                          </a:solidFill>
+                          <a:latin typeface="Arial"/>
+                          <a:ea typeface="DejaVu Sans"/>
+                        </a:rPr>
+                        <a:t>Zapis do pliku</a:t>
+                      </a:r>
+                      <a:endParaRPr b="0" lang="pl-PL" sz="1600" spc="-1" strike="noStrike">
+                        <a:latin typeface="Arial"/>
+                      </a:endParaRPr>
+                    </a:p>
+                  </a:txBody>
+                  <a:tcPr marL="90000" marR="90000">
+                    <a:lnL w="720">
+                      <a:solidFill>
+                        <a:srgbClr val="ffffff"/>
+                      </a:solidFill>
+                    </a:lnL>
+                    <a:lnR w="720">
+                      <a:solidFill>
+                        <a:srgbClr val="ffffff"/>
+                      </a:solidFill>
+                    </a:lnR>
+                    <a:lnT w="720">
+                      <a:solidFill>
+                        <a:srgbClr val="ffffff"/>
+                      </a:solidFill>
+                    </a:lnT>
+                    <a:lnB w="720">
+                      <a:solidFill>
+                        <a:srgbClr val="ffffff"/>
+                      </a:solidFill>
+                    </a:lnB>
+                    <a:solidFill>
+                      <a:srgbClr val="cccccc"/>
+                    </a:solidFill>
+                  </a:tcPr>
+                </a:tc>
+              </a:tr>
+              <a:tr h="338760">
+                <a:tc>
+                  <a:txBody>
+                    <a:bodyPr lIns="90000" rIns="90000">
+                      <a:noAutofit/>
+                    </a:bodyPr>
+                    <a:p>
+                      <a:pPr>
+                        <a:lnSpc>
+                          <a:spcPct val="100000"/>
+                        </a:lnSpc>
+                      </a:pPr>
+                      <a:r>
+                        <a:rPr b="0" lang="pl-PL" sz="1600" spc="-1" strike="noStrike">
+                          <a:solidFill>
+                            <a:srgbClr val="000000"/>
+                          </a:solidFill>
+                          <a:latin typeface="Arial"/>
+                          <a:ea typeface="DejaVu Sans"/>
+                        </a:rPr>
+                        <a:t>jshell plik.jsh</a:t>
+                      </a:r>
+                      <a:endParaRPr b="0" lang="pl-PL" sz="1600" spc="-1" strike="noStrike">
+                        <a:latin typeface="Arial"/>
+                      </a:endParaRPr>
+                    </a:p>
+                  </a:txBody>
+                  <a:tcPr marL="90000" marR="90000">
+                    <a:lnL w="720">
+                      <a:solidFill>
+                        <a:srgbClr val="ffffff"/>
+                      </a:solidFill>
+                    </a:lnL>
+                    <a:lnR w="720">
+                      <a:solidFill>
+                        <a:srgbClr val="ffffff"/>
+                      </a:solidFill>
+                    </a:lnR>
+                    <a:lnT w="720">
+                      <a:solidFill>
+                        <a:srgbClr val="ffffff"/>
+                      </a:solidFill>
+                    </a:lnT>
+                    <a:lnB w="720">
+                      <a:solidFill>
+                        <a:srgbClr val="ffffff"/>
+                      </a:solidFill>
+                    </a:lnB>
+                    <a:solidFill>
+                      <a:srgbClr val="e6e6e6"/>
+                    </a:solidFill>
+                  </a:tcPr>
+                </a:tc>
+                <a:tc>
+                  <a:txBody>
+                    <a:bodyPr lIns="90000" rIns="90000">
+                      <a:noAutofit/>
+                    </a:bodyPr>
+                    <a:p>
+                      <a:pPr>
+                        <a:lnSpc>
+                          <a:spcPct val="100000"/>
+                        </a:lnSpc>
+                      </a:pPr>
+                      <a:r>
+                        <a:rPr b="0" lang="pl-PL" sz="1600" spc="-1" strike="noStrike">
+                          <a:solidFill>
+                            <a:srgbClr val="000000"/>
+                          </a:solidFill>
+                          <a:latin typeface="Arial"/>
+                          <a:ea typeface="DejaVu Sans"/>
+                        </a:rPr>
+                        <a:t>Nie będąc w JShell. Odczyt z pliku</a:t>
+                      </a:r>
+                      <a:endParaRPr b="0" lang="pl-PL" sz="1600" spc="-1" strike="noStrike">
+                        <a:latin typeface="Arial"/>
+                      </a:endParaRPr>
+                    </a:p>
+                  </a:txBody>
+                  <a:tcPr marL="90000" marR="90000">
+                    <a:lnL w="720">
+                      <a:solidFill>
+                        <a:srgbClr val="ffffff"/>
+                      </a:solidFill>
+                    </a:lnL>
+                    <a:lnR w="720">
+                      <a:solidFill>
+                        <a:srgbClr val="ffffff"/>
+                      </a:solidFill>
+                    </a:lnR>
+                    <a:lnT w="720">
+                      <a:solidFill>
+                        <a:srgbClr val="ffffff"/>
+                      </a:solidFill>
+                    </a:lnT>
+                    <a:lnB w="720">
+                      <a:solidFill>
+                        <a:srgbClr val="ffffff"/>
+                      </a:solidFill>
+                    </a:lnB>
+                    <a:solidFill>
+                      <a:srgbClr val="e6e6e6"/>
+                    </a:solidFill>
+                  </a:tcPr>
+                </a:tc>
+              </a:tr>
+            </a:tbl>
+          </a:graphicData>
+        </a:graphic>
+      </p:graphicFrame>
     </p:spTree>
   </p:cSld>
   <mc:AlternateContent>
@@ -17086,7 +18143,7 @@
         <p:spPr>
           <a:xfrm>
             <a:off x="1561680" y="0"/>
-            <a:ext cx="9062640" cy="1253520"/>
+            <a:ext cx="9061920" cy="1252800"/>
           </a:xfrm>
           <a:prstGeom prst="rect">
             <a:avLst/>
@@ -17137,7 +18194,7 @@
         <p:spPr>
           <a:xfrm>
             <a:off x="1728000" y="1253880"/>
-            <a:ext cx="8848800" cy="4960440"/>
+            <a:ext cx="8848080" cy="4959720"/>
           </a:xfrm>
           <a:prstGeom prst="rect">
             <a:avLst/>
@@ -17431,14 +18488,14 @@
       </p:grpSpPr>
       <p:sp>
         <p:nvSpPr>
-          <p:cNvPr id="175" name="CustomShape 1"/>
+          <p:cNvPr id="177" name="CustomShape 1"/>
           <p:cNvSpPr/>
           <p:nvPr/>
         </p:nvSpPr>
         <p:spPr>
           <a:xfrm>
             <a:off x="1561680" y="1905480"/>
-            <a:ext cx="9062640" cy="1253520"/>
+            <a:ext cx="9061920" cy="1252800"/>
           </a:xfrm>
           <a:prstGeom prst="rect">
             <a:avLst/>
@@ -17512,14 +18569,14 @@
       </p:grpSpPr>
       <p:sp>
         <p:nvSpPr>
-          <p:cNvPr id="176" name="CustomShape 1"/>
+          <p:cNvPr id="178" name="CustomShape 1"/>
           <p:cNvSpPr/>
           <p:nvPr/>
         </p:nvSpPr>
         <p:spPr>
           <a:xfrm>
             <a:off x="1561680" y="0"/>
-            <a:ext cx="9062640" cy="1253520"/>
+            <a:ext cx="9061920" cy="1252800"/>
           </a:xfrm>
           <a:prstGeom prst="rect">
             <a:avLst/>
@@ -17563,14 +18620,14 @@
       </p:sp>
       <p:sp>
         <p:nvSpPr>
-          <p:cNvPr id="177" name="CustomShape 2"/>
+          <p:cNvPr id="179" name="CustomShape 2"/>
           <p:cNvSpPr/>
           <p:nvPr/>
         </p:nvSpPr>
         <p:spPr>
           <a:xfrm>
             <a:off x="1561680" y="1010880"/>
-            <a:ext cx="4064400" cy="6111000"/>
+            <a:ext cx="4063680" cy="6110280"/>
           </a:xfrm>
           <a:prstGeom prst="rect">
             <a:avLst/>
@@ -17754,14 +18811,14 @@
       </p:sp>
       <p:sp>
         <p:nvSpPr>
-          <p:cNvPr id="178" name="CustomShape 3"/>
+          <p:cNvPr id="180" name="CustomShape 3"/>
           <p:cNvSpPr/>
           <p:nvPr/>
         </p:nvSpPr>
         <p:spPr>
           <a:xfrm>
             <a:off x="8553960" y="1010880"/>
-            <a:ext cx="3833280" cy="2728080"/>
+            <a:ext cx="3832560" cy="2727360"/>
           </a:xfrm>
           <a:prstGeom prst="rect">
             <a:avLst/>
@@ -17945,14 +19002,14 @@
       </p:sp>
       <p:sp>
         <p:nvSpPr>
-          <p:cNvPr id="179" name="CustomShape 4"/>
+          <p:cNvPr id="181" name="CustomShape 4"/>
           <p:cNvSpPr/>
           <p:nvPr/>
         </p:nvSpPr>
         <p:spPr>
           <a:xfrm>
             <a:off x="5758560" y="2516400"/>
-            <a:ext cx="3833280" cy="2728080"/>
+            <a:ext cx="3832560" cy="2727360"/>
           </a:xfrm>
           <a:prstGeom prst="rect">
             <a:avLst/>
@@ -18536,14 +19593,14 @@
       </p:grpSpPr>
       <p:sp>
         <p:nvSpPr>
-          <p:cNvPr id="180" name="CustomShape 1"/>
+          <p:cNvPr id="182" name="CustomShape 1"/>
           <p:cNvSpPr/>
           <p:nvPr/>
         </p:nvSpPr>
         <p:spPr>
           <a:xfrm>
             <a:off x="1561680" y="0"/>
-            <a:ext cx="9062640" cy="1253520"/>
+            <a:ext cx="9061920" cy="1252800"/>
           </a:xfrm>
           <a:prstGeom prst="rect">
             <a:avLst/>
@@ -18587,14 +19644,14 @@
       </p:sp>
       <p:sp>
         <p:nvSpPr>
-          <p:cNvPr id="181" name="CustomShape 2"/>
+          <p:cNvPr id="183" name="CustomShape 2"/>
           <p:cNvSpPr/>
           <p:nvPr/>
         </p:nvSpPr>
         <p:spPr>
           <a:xfrm>
             <a:off x="1512000" y="1008000"/>
-            <a:ext cx="5321880" cy="6111000"/>
+            <a:ext cx="5321160" cy="6110280"/>
           </a:xfrm>
           <a:prstGeom prst="rect">
             <a:avLst/>
@@ -18768,14 +19825,14 @@
       </p:sp>
       <p:sp>
         <p:nvSpPr>
-          <p:cNvPr id="182" name="CustomShape 3"/>
+          <p:cNvPr id="184" name="CustomShape 3"/>
           <p:cNvSpPr/>
           <p:nvPr/>
         </p:nvSpPr>
         <p:spPr>
           <a:xfrm>
             <a:off x="7344000" y="1259640"/>
-            <a:ext cx="4697280" cy="5318280"/>
+            <a:ext cx="4696560" cy="5317560"/>
           </a:xfrm>
           <a:prstGeom prst="rect">
             <a:avLst/>
@@ -19139,14 +20196,14 @@
       </p:grpSpPr>
       <p:sp>
         <p:nvSpPr>
-          <p:cNvPr id="183" name="CustomShape 1"/>
+          <p:cNvPr id="185" name="CustomShape 1"/>
           <p:cNvSpPr/>
           <p:nvPr/>
         </p:nvSpPr>
         <p:spPr>
           <a:xfrm>
             <a:off x="1561680" y="0"/>
-            <a:ext cx="9062640" cy="1253520"/>
+            <a:ext cx="9061920" cy="1252800"/>
           </a:xfrm>
           <a:prstGeom prst="rect">
             <a:avLst/>
@@ -19190,14 +20247,14 @@
       </p:sp>
       <p:sp>
         <p:nvSpPr>
-          <p:cNvPr id="184" name="CustomShape 2"/>
+          <p:cNvPr id="186" name="CustomShape 2"/>
           <p:cNvSpPr/>
           <p:nvPr/>
         </p:nvSpPr>
         <p:spPr>
           <a:xfrm>
             <a:off x="936000" y="1560960"/>
-            <a:ext cx="5504400" cy="6208920"/>
+            <a:ext cx="5503680" cy="6208200"/>
           </a:xfrm>
           <a:prstGeom prst="rect">
             <a:avLst/>
@@ -19371,14 +20428,14 @@
       </p:sp>
       <p:sp>
         <p:nvSpPr>
-          <p:cNvPr id="185" name="CustomShape 3"/>
+          <p:cNvPr id="187" name="CustomShape 3"/>
           <p:cNvSpPr/>
           <p:nvPr/>
         </p:nvSpPr>
         <p:spPr>
           <a:xfrm>
             <a:off x="6984000" y="1443600"/>
-            <a:ext cx="4697280" cy="5318280"/>
+            <a:ext cx="4696560" cy="5317560"/>
           </a:xfrm>
           <a:prstGeom prst="rect">
             <a:avLst/>
@@ -19962,14 +21019,14 @@
       </p:grpSpPr>
       <p:sp>
         <p:nvSpPr>
-          <p:cNvPr id="186" name="CustomShape 1"/>
+          <p:cNvPr id="188" name="CustomShape 1"/>
           <p:cNvSpPr/>
           <p:nvPr/>
         </p:nvSpPr>
         <p:spPr>
           <a:xfrm>
             <a:off x="1561680" y="0"/>
-            <a:ext cx="9062640" cy="1253520"/>
+            <a:ext cx="9061920" cy="1252800"/>
           </a:xfrm>
           <a:prstGeom prst="rect">
             <a:avLst/>
@@ -20013,14 +21070,14 @@
       </p:sp>
       <p:sp>
         <p:nvSpPr>
-          <p:cNvPr id="187" name="CustomShape 2"/>
+          <p:cNvPr id="189" name="CustomShape 2"/>
           <p:cNvSpPr/>
           <p:nvPr/>
         </p:nvSpPr>
         <p:spPr>
           <a:xfrm>
             <a:off x="1440000" y="1152000"/>
-            <a:ext cx="5825880" cy="6111000"/>
+            <a:ext cx="5825160" cy="6110280"/>
           </a:xfrm>
           <a:prstGeom prst="rect">
             <a:avLst/>
@@ -20224,14 +21281,14 @@
       </p:sp>
       <p:sp>
         <p:nvSpPr>
-          <p:cNvPr id="188" name="CustomShape 3"/>
+          <p:cNvPr id="190" name="CustomShape 3"/>
           <p:cNvSpPr/>
           <p:nvPr/>
         </p:nvSpPr>
         <p:spPr>
           <a:xfrm>
             <a:off x="7848000" y="1368000"/>
-            <a:ext cx="4240080" cy="4654800"/>
+            <a:ext cx="4239360" cy="4654080"/>
           </a:xfrm>
           <a:prstGeom prst="rect">
             <a:avLst/>
@@ -20605,14 +21662,14 @@
       </p:grpSpPr>
       <p:sp>
         <p:nvSpPr>
-          <p:cNvPr id="189" name="CustomShape 1"/>
+          <p:cNvPr id="191" name="CustomShape 1"/>
           <p:cNvSpPr/>
           <p:nvPr/>
         </p:nvSpPr>
         <p:spPr>
           <a:xfrm>
             <a:off x="1561680" y="0"/>
-            <a:ext cx="9062640" cy="1253520"/>
+            <a:ext cx="9061920" cy="1252800"/>
           </a:xfrm>
           <a:prstGeom prst="rect">
             <a:avLst/>
@@ -20656,14 +21713,14 @@
       </p:sp>
       <p:sp>
         <p:nvSpPr>
-          <p:cNvPr id="190" name="CustomShape 2"/>
+          <p:cNvPr id="192" name="CustomShape 2"/>
           <p:cNvSpPr/>
           <p:nvPr/>
         </p:nvSpPr>
         <p:spPr>
           <a:xfrm>
             <a:off x="1152000" y="1514880"/>
-            <a:ext cx="5465880" cy="6111000"/>
+            <a:ext cx="5465160" cy="6110280"/>
           </a:xfrm>
           <a:prstGeom prst="rect">
             <a:avLst/>
@@ -20867,14 +21924,14 @@
       </p:sp>
       <p:sp>
         <p:nvSpPr>
-          <p:cNvPr id="191" name="CustomShape 3"/>
+          <p:cNvPr id="193" name="CustomShape 3"/>
           <p:cNvSpPr/>
           <p:nvPr/>
         </p:nvSpPr>
         <p:spPr>
           <a:xfrm>
             <a:off x="7560000" y="1387080"/>
-            <a:ext cx="4240080" cy="4654800"/>
+            <a:ext cx="4239360" cy="4654080"/>
           </a:xfrm>
           <a:prstGeom prst="rect">
             <a:avLst/>
@@ -21338,14 +22395,14 @@
       </p:grpSpPr>
       <p:sp>
         <p:nvSpPr>
-          <p:cNvPr id="192" name="CustomShape 1"/>
+          <p:cNvPr id="194" name="CustomShape 1"/>
           <p:cNvSpPr/>
           <p:nvPr/>
         </p:nvSpPr>
         <p:spPr>
           <a:xfrm>
             <a:off x="1561680" y="0"/>
-            <a:ext cx="9062640" cy="1253520"/>
+            <a:ext cx="9061920" cy="1252800"/>
           </a:xfrm>
           <a:prstGeom prst="rect">
             <a:avLst/>
@@ -21389,14 +22446,14 @@
       </p:sp>
       <p:sp>
         <p:nvSpPr>
-          <p:cNvPr id="193" name="CustomShape 2"/>
+          <p:cNvPr id="195" name="CustomShape 2"/>
           <p:cNvSpPr/>
           <p:nvPr/>
         </p:nvSpPr>
         <p:spPr>
           <a:xfrm>
             <a:off x="1545480" y="1080000"/>
-            <a:ext cx="5360400" cy="6111000"/>
+            <a:ext cx="5359680" cy="6110280"/>
           </a:xfrm>
           <a:prstGeom prst="rect">
             <a:avLst/>
@@ -21640,14 +22697,14 @@
       </p:sp>
       <p:sp>
         <p:nvSpPr>
-          <p:cNvPr id="194" name="CustomShape 3"/>
+          <p:cNvPr id="196" name="CustomShape 3"/>
           <p:cNvSpPr/>
           <p:nvPr/>
         </p:nvSpPr>
         <p:spPr>
           <a:xfrm>
             <a:off x="7704000" y="1008000"/>
-            <a:ext cx="4240080" cy="4654800"/>
+            <a:ext cx="4239360" cy="4654080"/>
           </a:xfrm>
           <a:prstGeom prst="rect">
             <a:avLst/>
@@ -22381,14 +23438,14 @@
       </p:grpSpPr>
       <p:sp>
         <p:nvSpPr>
-          <p:cNvPr id="195" name="CustomShape 1"/>
+          <p:cNvPr id="197" name="CustomShape 1"/>
           <p:cNvSpPr/>
           <p:nvPr/>
         </p:nvSpPr>
         <p:spPr>
           <a:xfrm>
             <a:off x="1561680" y="0"/>
-            <a:ext cx="9062640" cy="1253520"/>
+            <a:ext cx="9061920" cy="1252800"/>
           </a:xfrm>
           <a:prstGeom prst="rect">
             <a:avLst/>
@@ -22432,14 +23489,14 @@
       </p:sp>
       <p:sp>
         <p:nvSpPr>
-          <p:cNvPr id="196" name="CustomShape 2"/>
+          <p:cNvPr id="198" name="CustomShape 2"/>
           <p:cNvSpPr/>
           <p:nvPr/>
         </p:nvSpPr>
         <p:spPr>
           <a:xfrm>
             <a:off x="1368000" y="1010880"/>
-            <a:ext cx="5537880" cy="6111000"/>
+            <a:ext cx="5537160" cy="6110280"/>
           </a:xfrm>
           <a:prstGeom prst="rect">
             <a:avLst/>
@@ -22663,14 +23720,14 @@
       </p:sp>
       <p:sp>
         <p:nvSpPr>
-          <p:cNvPr id="197" name="CustomShape 3"/>
+          <p:cNvPr id="199" name="CustomShape 3"/>
           <p:cNvSpPr/>
           <p:nvPr/>
         </p:nvSpPr>
         <p:spPr>
           <a:xfrm>
             <a:off x="7848000" y="1148400"/>
-            <a:ext cx="3555000" cy="5703480"/>
+            <a:ext cx="3554280" cy="5702760"/>
           </a:xfrm>
           <a:prstGeom prst="rect">
             <a:avLst/>
@@ -23174,14 +24231,14 @@
       </p:grpSpPr>
       <p:sp>
         <p:nvSpPr>
-          <p:cNvPr id="198" name="CustomShape 1"/>
+          <p:cNvPr id="200" name="CustomShape 1"/>
           <p:cNvSpPr/>
           <p:nvPr/>
         </p:nvSpPr>
         <p:spPr>
           <a:xfrm>
             <a:off x="1561680" y="0"/>
-            <a:ext cx="9062640" cy="1253520"/>
+            <a:ext cx="9061920" cy="1252800"/>
           </a:xfrm>
           <a:prstGeom prst="rect">
             <a:avLst/>
@@ -23225,14 +24282,14 @@
       </p:sp>
       <p:sp>
         <p:nvSpPr>
-          <p:cNvPr id="199" name="CustomShape 2"/>
+          <p:cNvPr id="201" name="CustomShape 2"/>
           <p:cNvSpPr/>
           <p:nvPr/>
         </p:nvSpPr>
         <p:spPr>
           <a:xfrm>
             <a:off x="1368000" y="1010880"/>
-            <a:ext cx="5537880" cy="6111000"/>
+            <a:ext cx="5537160" cy="6110280"/>
           </a:xfrm>
           <a:prstGeom prst="rect">
             <a:avLst/>
@@ -23283,7 +24340,7 @@
             </a:endParaRPr>
           </a:p>
           <a:p>
-            <a:pPr marL="285840" indent="-280800">
+            <a:pPr marL="285840" indent="-280080">
               <a:lnSpc>
                 <a:spcPct val="100000"/>
               </a:lnSpc>
@@ -23308,7 +24365,7 @@
             </a:endParaRPr>
           </a:p>
           <a:p>
-            <a:pPr marL="285840" indent="-280800">
+            <a:pPr marL="285840" indent="-280080">
               <a:lnSpc>
                 <a:spcPct val="100000"/>
               </a:lnSpc>
@@ -23333,7 +24390,7 @@
             </a:endParaRPr>
           </a:p>
           <a:p>
-            <a:pPr marL="285840" indent="-280800">
+            <a:pPr marL="285840" indent="-280080">
               <a:lnSpc>
                 <a:spcPct val="100000"/>
               </a:lnSpc>
@@ -23561,14 +24618,14 @@
       </p:sp>
       <p:sp>
         <p:nvSpPr>
-          <p:cNvPr id="200" name="CustomShape 3"/>
+          <p:cNvPr id="202" name="CustomShape 3"/>
           <p:cNvSpPr/>
           <p:nvPr/>
         </p:nvSpPr>
         <p:spPr>
           <a:xfrm>
             <a:off x="6910920" y="1538640"/>
-            <a:ext cx="5199840" cy="5744160"/>
+            <a:ext cx="5199120" cy="5743440"/>
           </a:xfrm>
           <a:prstGeom prst="rect">
             <a:avLst/>
@@ -23972,14 +25029,14 @@
       </p:grpSpPr>
       <p:sp>
         <p:nvSpPr>
-          <p:cNvPr id="201" name="CustomShape 1"/>
+          <p:cNvPr id="203" name="CustomShape 1"/>
           <p:cNvSpPr/>
           <p:nvPr/>
         </p:nvSpPr>
         <p:spPr>
           <a:xfrm>
             <a:off x="1561680" y="0"/>
-            <a:ext cx="9062640" cy="1253520"/>
+            <a:ext cx="9061920" cy="1252800"/>
           </a:xfrm>
           <a:prstGeom prst="rect">
             <a:avLst/>
@@ -24023,14 +25080,14 @@
       </p:sp>
       <p:sp>
         <p:nvSpPr>
-          <p:cNvPr id="202" name="CustomShape 2"/>
+          <p:cNvPr id="204" name="CustomShape 2"/>
           <p:cNvSpPr/>
           <p:nvPr/>
         </p:nvSpPr>
         <p:spPr>
           <a:xfrm>
             <a:off x="4396320" y="1170720"/>
-            <a:ext cx="2450880" cy="442080"/>
+            <a:ext cx="2450160" cy="441360"/>
           </a:xfrm>
           <a:prstGeom prst="rect">
             <a:avLst/>
@@ -24081,14 +25138,14 @@
       </p:sp>
       <p:sp>
         <p:nvSpPr>
-          <p:cNvPr id="203" name="CustomShape 3"/>
+          <p:cNvPr id="205" name="CustomShape 3"/>
           <p:cNvSpPr/>
           <p:nvPr/>
         </p:nvSpPr>
         <p:spPr>
           <a:xfrm>
             <a:off x="741600" y="2052720"/>
-            <a:ext cx="2450880" cy="442080"/>
+            <a:ext cx="2450160" cy="441360"/>
           </a:xfrm>
           <a:prstGeom prst="rect">
             <a:avLst/>
@@ -24139,14 +25196,14 @@
       </p:sp>
       <p:sp>
         <p:nvSpPr>
-          <p:cNvPr id="204" name="CustomShape 4"/>
+          <p:cNvPr id="206" name="CustomShape 4"/>
           <p:cNvSpPr/>
           <p:nvPr/>
         </p:nvSpPr>
         <p:spPr>
           <a:xfrm>
             <a:off x="7658280" y="2052720"/>
-            <a:ext cx="2450880" cy="442080"/>
+            <a:ext cx="2450160" cy="441360"/>
           </a:xfrm>
           <a:prstGeom prst="rect">
             <a:avLst/>
@@ -24197,14 +25254,14 @@
       </p:sp>
       <p:sp>
         <p:nvSpPr>
-          <p:cNvPr id="205" name="CustomShape 5"/>
+          <p:cNvPr id="207" name="CustomShape 5"/>
           <p:cNvSpPr/>
           <p:nvPr/>
         </p:nvSpPr>
         <p:spPr>
           <a:xfrm>
             <a:off x="4680000" y="3096000"/>
-            <a:ext cx="2450880" cy="442080"/>
+            <a:ext cx="2450160" cy="441360"/>
           </a:xfrm>
           <a:prstGeom prst="rect">
             <a:avLst/>
@@ -24255,14 +25312,14 @@
       </p:sp>
       <p:sp>
         <p:nvSpPr>
-          <p:cNvPr id="206" name="CustomShape 6"/>
+          <p:cNvPr id="208" name="CustomShape 6"/>
           <p:cNvSpPr/>
           <p:nvPr/>
         </p:nvSpPr>
         <p:spPr>
           <a:xfrm flipH="1">
-            <a:off x="1964520" y="1394280"/>
-            <a:ext cx="2421720" cy="653400"/>
+            <a:off x="1963800" y="1394280"/>
+            <a:ext cx="2421000" cy="652680"/>
           </a:xfrm>
           <a:custGeom>
             <a:avLst/>
@@ -24308,14 +25365,14 @@
       </p:sp>
       <p:sp>
         <p:nvSpPr>
-          <p:cNvPr id="207" name="CustomShape 7"/>
+          <p:cNvPr id="209" name="CustomShape 7"/>
           <p:cNvSpPr/>
           <p:nvPr/>
         </p:nvSpPr>
         <p:spPr>
           <a:xfrm>
             <a:off x="6852240" y="1394280"/>
-            <a:ext cx="2028960" cy="653400"/>
+            <a:ext cx="2028240" cy="652680"/>
           </a:xfrm>
           <a:custGeom>
             <a:avLst/>
@@ -24361,14 +25418,14 @@
       </p:sp>
       <p:sp>
         <p:nvSpPr>
-          <p:cNvPr id="208" name="CustomShape 8"/>
+          <p:cNvPr id="210" name="CustomShape 8"/>
           <p:cNvSpPr/>
           <p:nvPr/>
         </p:nvSpPr>
         <p:spPr>
           <a:xfrm flipH="1">
-            <a:off x="5901120" y="2499840"/>
-            <a:ext cx="2974680" cy="593640"/>
+            <a:off x="5900400" y="2499840"/>
+            <a:ext cx="2973960" cy="592920"/>
           </a:xfrm>
           <a:custGeom>
             <a:avLst/>
@@ -24414,14 +25471,14 @@
       </p:sp>
       <p:sp>
         <p:nvSpPr>
-          <p:cNvPr id="209" name="CustomShape 9"/>
+          <p:cNvPr id="211" name="CustomShape 9"/>
           <p:cNvSpPr/>
           <p:nvPr/>
         </p:nvSpPr>
         <p:spPr>
           <a:xfrm>
             <a:off x="5151240" y="3978360"/>
-            <a:ext cx="2450880" cy="442080"/>
+            <a:ext cx="2450160" cy="441360"/>
           </a:xfrm>
           <a:prstGeom prst="rect">
             <a:avLst/>
@@ -24472,14 +25529,14 @@
       </p:sp>
       <p:sp>
         <p:nvSpPr>
-          <p:cNvPr id="210" name="CustomShape 10"/>
+          <p:cNvPr id="212" name="CustomShape 10"/>
           <p:cNvSpPr/>
           <p:nvPr/>
         </p:nvSpPr>
         <p:spPr>
           <a:xfrm>
             <a:off x="5151240" y="4772520"/>
-            <a:ext cx="3342240" cy="442080"/>
+            <a:ext cx="3341520" cy="441360"/>
           </a:xfrm>
           <a:prstGeom prst="rect">
             <a:avLst/>
@@ -24530,7 +25587,7 @@
       </p:sp>
       <p:sp>
         <p:nvSpPr>
-          <p:cNvPr id="211" name="Line 11"/>
+          <p:cNvPr id="213" name="Line 11"/>
           <p:cNvSpPr/>
           <p:nvPr/>
         </p:nvSpPr>
@@ -24561,14 +25618,14 @@
       </p:sp>
       <p:sp>
         <p:nvSpPr>
-          <p:cNvPr id="212" name="CustomShape 12"/>
+          <p:cNvPr id="214" name="CustomShape 12"/>
           <p:cNvSpPr/>
           <p:nvPr/>
         </p:nvSpPr>
         <p:spPr>
           <a:xfrm>
             <a:off x="4849920" y="4201920"/>
-            <a:ext cx="296280" cy="360"/>
+            <a:ext cx="295560" cy="360"/>
           </a:xfrm>
           <a:custGeom>
             <a:avLst/>
@@ -24614,14 +25671,14 @@
       </p:sp>
       <p:sp>
         <p:nvSpPr>
-          <p:cNvPr id="213" name="CustomShape 13"/>
+          <p:cNvPr id="215" name="CustomShape 13"/>
           <p:cNvSpPr/>
           <p:nvPr/>
         </p:nvSpPr>
         <p:spPr>
           <a:xfrm>
             <a:off x="4849920" y="4998960"/>
-            <a:ext cx="296280" cy="360"/>
+            <a:ext cx="295560" cy="360"/>
           </a:xfrm>
           <a:custGeom>
             <a:avLst/>
@@ -24667,14 +25724,14 @@
       </p:sp>
       <p:sp>
         <p:nvSpPr>
-          <p:cNvPr id="214" name="CustomShape 14"/>
+          <p:cNvPr id="216" name="CustomShape 14"/>
           <p:cNvSpPr/>
           <p:nvPr/>
         </p:nvSpPr>
         <p:spPr>
           <a:xfrm>
             <a:off x="5151240" y="5493240"/>
-            <a:ext cx="2450880" cy="442080"/>
+            <a:ext cx="2450160" cy="441360"/>
           </a:xfrm>
           <a:prstGeom prst="rect">
             <a:avLst/>
@@ -24725,14 +25782,14 @@
       </p:sp>
       <p:sp>
         <p:nvSpPr>
-          <p:cNvPr id="215" name="CustomShape 15"/>
+          <p:cNvPr id="217" name="CustomShape 15"/>
           <p:cNvSpPr/>
           <p:nvPr/>
         </p:nvSpPr>
         <p:spPr>
           <a:xfrm>
             <a:off x="4849920" y="5716800"/>
-            <a:ext cx="296280" cy="360"/>
+            <a:ext cx="295560" cy="360"/>
           </a:xfrm>
           <a:custGeom>
             <a:avLst/>
@@ -24778,14 +25835,14 @@
       </p:sp>
       <p:sp>
         <p:nvSpPr>
-          <p:cNvPr id="216" name="CustomShape 16"/>
+          <p:cNvPr id="218" name="CustomShape 16"/>
           <p:cNvSpPr/>
           <p:nvPr/>
         </p:nvSpPr>
         <p:spPr>
           <a:xfrm>
             <a:off x="9560160" y="3205440"/>
-            <a:ext cx="2450880" cy="442080"/>
+            <a:ext cx="2450160" cy="441360"/>
           </a:xfrm>
           <a:prstGeom prst="rect">
             <a:avLst/>
@@ -24836,14 +25893,14 @@
       </p:sp>
       <p:sp>
         <p:nvSpPr>
-          <p:cNvPr id="217" name="CustomShape 17"/>
+          <p:cNvPr id="219" name="CustomShape 17"/>
           <p:cNvSpPr/>
           <p:nvPr/>
         </p:nvSpPr>
         <p:spPr>
           <a:xfrm>
             <a:off x="9560160" y="3952800"/>
-            <a:ext cx="2450880" cy="442080"/>
+            <a:ext cx="2450160" cy="441360"/>
           </a:xfrm>
           <a:prstGeom prst="rect">
             <a:avLst/>
@@ -24894,7 +25951,7 @@
       </p:sp>
       <p:sp>
         <p:nvSpPr>
-          <p:cNvPr id="218" name="Line 18"/>
+          <p:cNvPr id="220" name="Line 18"/>
           <p:cNvSpPr/>
           <p:nvPr/>
         </p:nvSpPr>
@@ -24925,14 +25982,14 @@
       </p:sp>
       <p:sp>
         <p:nvSpPr>
-          <p:cNvPr id="219" name="CustomShape 19"/>
+          <p:cNvPr id="221" name="CustomShape 19"/>
           <p:cNvSpPr/>
           <p:nvPr/>
         </p:nvSpPr>
         <p:spPr>
           <a:xfrm>
             <a:off x="9155880" y="3423240"/>
-            <a:ext cx="399240" cy="720"/>
+            <a:ext cx="398520" cy="360"/>
           </a:xfrm>
           <a:custGeom>
             <a:avLst/>
@@ -24978,14 +26035,14 @@
       </p:sp>
       <p:sp>
         <p:nvSpPr>
-          <p:cNvPr id="220" name="CustomShape 20"/>
+          <p:cNvPr id="222" name="CustomShape 20"/>
           <p:cNvSpPr/>
           <p:nvPr/>
         </p:nvSpPr>
         <p:spPr>
           <a:xfrm flipV="1">
-            <a:off x="9155880" y="4129200"/>
-            <a:ext cx="399240" cy="360"/>
+            <a:off x="9155880" y="4127760"/>
+            <a:ext cx="398520" cy="360"/>
           </a:xfrm>
           <a:custGeom>
             <a:avLst/>
@@ -25031,14 +26088,14 @@
       </p:sp>
       <p:sp>
         <p:nvSpPr>
-          <p:cNvPr id="221" name="CustomShape 21"/>
+          <p:cNvPr id="223" name="CustomShape 21"/>
           <p:cNvSpPr/>
           <p:nvPr/>
         </p:nvSpPr>
         <p:spPr>
           <a:xfrm>
             <a:off x="9560160" y="4870800"/>
-            <a:ext cx="2450880" cy="442080"/>
+            <a:ext cx="2450160" cy="441360"/>
           </a:xfrm>
           <a:prstGeom prst="rect">
             <a:avLst/>
@@ -25089,14 +26146,14 @@
       </p:sp>
       <p:sp>
         <p:nvSpPr>
-          <p:cNvPr id="222" name="CustomShape 22"/>
+          <p:cNvPr id="224" name="CustomShape 22"/>
           <p:cNvSpPr/>
           <p:nvPr/>
         </p:nvSpPr>
         <p:spPr>
           <a:xfrm flipV="1">
-            <a:off x="9155880" y="5047200"/>
-            <a:ext cx="399240" cy="360"/>
+            <a:off x="9155880" y="5045760"/>
+            <a:ext cx="398520" cy="360"/>
           </a:xfrm>
           <a:custGeom>
             <a:avLst/>
@@ -25142,14 +26199,14 @@
       </p:sp>
       <p:sp>
         <p:nvSpPr>
-          <p:cNvPr id="223" name="CustomShape 23"/>
+          <p:cNvPr id="225" name="CustomShape 23"/>
           <p:cNvSpPr/>
           <p:nvPr/>
         </p:nvSpPr>
         <p:spPr>
           <a:xfrm>
             <a:off x="234360" y="3342240"/>
-            <a:ext cx="4599360" cy="2005920"/>
+            <a:ext cx="4598640" cy="2005200"/>
           </a:xfrm>
           <a:prstGeom prst="rect">
             <a:avLst/>
@@ -25260,7 +26317,7 @@
         <p:spPr>
           <a:xfrm>
             <a:off x="1561680" y="0"/>
-            <a:ext cx="9062640" cy="1253520"/>
+            <a:ext cx="9061920" cy="1252800"/>
           </a:xfrm>
           <a:prstGeom prst="rect">
             <a:avLst/>
@@ -25311,7 +26368,7 @@
         <p:spPr>
           <a:xfrm>
             <a:off x="4337640" y="1440000"/>
-            <a:ext cx="3510360" cy="4960440"/>
+            <a:ext cx="3509640" cy="4959720"/>
           </a:xfrm>
           <a:prstGeom prst="rect">
             <a:avLst/>
@@ -25645,14 +26702,14 @@
       </p:grpSpPr>
       <p:sp>
         <p:nvSpPr>
-          <p:cNvPr id="224" name="CustomShape 1"/>
+          <p:cNvPr id="226" name="CustomShape 1"/>
           <p:cNvSpPr/>
           <p:nvPr/>
         </p:nvSpPr>
         <p:spPr>
           <a:xfrm>
             <a:off x="1561680" y="0"/>
-            <a:ext cx="9062640" cy="1253520"/>
+            <a:ext cx="9061920" cy="1252800"/>
           </a:xfrm>
           <a:prstGeom prst="rect">
             <a:avLst/>
@@ -25696,14 +26753,14 @@
       </p:sp>
       <p:sp>
         <p:nvSpPr>
-          <p:cNvPr id="225" name="CustomShape 2"/>
+          <p:cNvPr id="227" name="CustomShape 2"/>
           <p:cNvSpPr/>
           <p:nvPr/>
         </p:nvSpPr>
         <p:spPr>
           <a:xfrm>
             <a:off x="1368000" y="1224000"/>
-            <a:ext cx="5329440" cy="4453920"/>
+            <a:ext cx="5328720" cy="4453200"/>
           </a:xfrm>
           <a:prstGeom prst="rect">
             <a:avLst/>
@@ -25787,14 +26844,14 @@
       </p:sp>
       <p:sp>
         <p:nvSpPr>
-          <p:cNvPr id="226" name="CustomShape 3"/>
+          <p:cNvPr id="228" name="CustomShape 3"/>
           <p:cNvSpPr/>
           <p:nvPr/>
         </p:nvSpPr>
         <p:spPr>
           <a:xfrm>
             <a:off x="6869160" y="1150920"/>
-            <a:ext cx="6115320" cy="5744160"/>
+            <a:ext cx="6114600" cy="5743440"/>
           </a:xfrm>
           <a:prstGeom prst="rect">
             <a:avLst/>
@@ -26104,14 +27161,14 @@
       </p:sp>
       <p:sp>
         <p:nvSpPr>
-          <p:cNvPr id="227" name="CustomShape 4"/>
+          <p:cNvPr id="229" name="CustomShape 4"/>
           <p:cNvSpPr/>
           <p:nvPr/>
         </p:nvSpPr>
         <p:spPr>
           <a:xfrm>
             <a:off x="480960" y="5851800"/>
-            <a:ext cx="5611680" cy="1219680"/>
+            <a:ext cx="5610960" cy="1218960"/>
           </a:xfrm>
           <a:prstGeom prst="rect">
             <a:avLst/>
@@ -26196,14 +27253,14 @@
       </p:grpSpPr>
       <p:sp>
         <p:nvSpPr>
-          <p:cNvPr id="228" name="CustomShape 1"/>
+          <p:cNvPr id="230" name="CustomShape 1"/>
           <p:cNvSpPr/>
           <p:nvPr/>
         </p:nvSpPr>
         <p:spPr>
           <a:xfrm>
             <a:off x="1561680" y="0"/>
-            <a:ext cx="9062640" cy="1253520"/>
+            <a:ext cx="9061920" cy="1252800"/>
           </a:xfrm>
           <a:prstGeom prst="rect">
             <a:avLst/>
@@ -26247,14 +27304,14 @@
       </p:sp>
       <p:sp>
         <p:nvSpPr>
-          <p:cNvPr id="229" name="CustomShape 2"/>
+          <p:cNvPr id="231" name="CustomShape 2"/>
           <p:cNvSpPr/>
           <p:nvPr/>
         </p:nvSpPr>
         <p:spPr>
           <a:xfrm>
             <a:off x="1368000" y="1224000"/>
-            <a:ext cx="10292040" cy="4453920"/>
+            <a:ext cx="10291320" cy="4453200"/>
           </a:xfrm>
           <a:prstGeom prst="rect">
             <a:avLst/>
@@ -26348,14 +27405,14 @@
       </p:sp>
       <p:sp>
         <p:nvSpPr>
-          <p:cNvPr id="230" name="CustomShape 3"/>
+          <p:cNvPr id="232" name="CustomShape 3"/>
           <p:cNvSpPr/>
           <p:nvPr/>
         </p:nvSpPr>
         <p:spPr>
           <a:xfrm>
             <a:off x="3024000" y="3153960"/>
-            <a:ext cx="2450880" cy="442080"/>
+            <a:ext cx="2450160" cy="441360"/>
           </a:xfrm>
           <a:prstGeom prst="rect">
             <a:avLst/>
@@ -26406,14 +27463,14 @@
       </p:sp>
       <p:sp>
         <p:nvSpPr>
-          <p:cNvPr id="231" name="CustomShape 4"/>
+          <p:cNvPr id="233" name="CustomShape 4"/>
           <p:cNvSpPr/>
           <p:nvPr/>
         </p:nvSpPr>
         <p:spPr>
           <a:xfrm>
             <a:off x="7776000" y="3168000"/>
-            <a:ext cx="2450880" cy="442080"/>
+            <a:ext cx="2450160" cy="441360"/>
           </a:xfrm>
           <a:prstGeom prst="rect">
             <a:avLst/>
@@ -26464,14 +27521,14 @@
       </p:sp>
       <p:sp>
         <p:nvSpPr>
-          <p:cNvPr id="232" name="CustomShape 5"/>
+          <p:cNvPr id="234" name="CustomShape 5"/>
           <p:cNvSpPr/>
           <p:nvPr/>
         </p:nvSpPr>
         <p:spPr>
           <a:xfrm>
             <a:off x="1001160" y="4305960"/>
-            <a:ext cx="2450880" cy="442080"/>
+            <a:ext cx="2450160" cy="441360"/>
           </a:xfrm>
           <a:prstGeom prst="rect">
             <a:avLst/>
@@ -26522,14 +27579,14 @@
       </p:sp>
       <p:sp>
         <p:nvSpPr>
-          <p:cNvPr id="233" name="CustomShape 6"/>
+          <p:cNvPr id="235" name="CustomShape 6"/>
           <p:cNvSpPr/>
           <p:nvPr/>
         </p:nvSpPr>
         <p:spPr>
           <a:xfrm>
             <a:off x="4522320" y="4305960"/>
-            <a:ext cx="2450880" cy="442080"/>
+            <a:ext cx="2450160" cy="441360"/>
           </a:xfrm>
           <a:prstGeom prst="rect">
             <a:avLst/>
@@ -26580,14 +27637,14 @@
       </p:sp>
       <p:sp>
         <p:nvSpPr>
-          <p:cNvPr id="234" name="CustomShape 7"/>
+          <p:cNvPr id="236" name="CustomShape 7"/>
           <p:cNvSpPr/>
           <p:nvPr/>
         </p:nvSpPr>
         <p:spPr>
           <a:xfrm>
             <a:off x="7769160" y="5385960"/>
-            <a:ext cx="2450880" cy="442080"/>
+            <a:ext cx="2450160" cy="441360"/>
           </a:xfrm>
           <a:prstGeom prst="rect">
             <a:avLst/>
@@ -26641,14 +27698,14 @@
       </p:sp>
       <p:sp>
         <p:nvSpPr>
-          <p:cNvPr id="235" name="CustomShape 8"/>
+          <p:cNvPr id="237" name="CustomShape 8"/>
           <p:cNvSpPr/>
           <p:nvPr/>
         </p:nvSpPr>
         <p:spPr>
           <a:xfrm>
             <a:off x="4529160" y="5400000"/>
-            <a:ext cx="2450880" cy="442080"/>
+            <a:ext cx="2450160" cy="441360"/>
           </a:xfrm>
           <a:prstGeom prst="rect">
             <a:avLst/>
@@ -26702,14 +27759,14 @@
       </p:sp>
       <p:sp>
         <p:nvSpPr>
-          <p:cNvPr id="236" name="CustomShape 9"/>
+          <p:cNvPr id="238" name="CustomShape 9"/>
           <p:cNvSpPr/>
           <p:nvPr/>
         </p:nvSpPr>
         <p:spPr>
           <a:xfrm>
             <a:off x="1008000" y="5457960"/>
-            <a:ext cx="2450880" cy="442080"/>
+            <a:ext cx="2450160" cy="441360"/>
           </a:xfrm>
           <a:prstGeom prst="rect">
             <a:avLst/>
@@ -26763,14 +27820,14 @@
       </p:sp>
       <p:sp>
         <p:nvSpPr>
-          <p:cNvPr id="237" name="CustomShape 10"/>
+          <p:cNvPr id="239" name="CustomShape 10"/>
           <p:cNvSpPr/>
           <p:nvPr/>
         </p:nvSpPr>
         <p:spPr>
           <a:xfrm flipH="1">
-            <a:off x="2227680" y="3600000"/>
-            <a:ext cx="1701720" cy="653400"/>
+            <a:off x="2226960" y="3600000"/>
+            <a:ext cx="1701000" cy="652680"/>
           </a:xfrm>
           <a:custGeom>
             <a:avLst/>
@@ -26816,14 +27873,14 @@
       </p:sp>
       <p:sp>
         <p:nvSpPr>
-          <p:cNvPr id="238" name="CustomShape 11"/>
+          <p:cNvPr id="240" name="CustomShape 11"/>
           <p:cNvSpPr/>
           <p:nvPr/>
         </p:nvSpPr>
         <p:spPr>
           <a:xfrm>
             <a:off x="4729680" y="3610440"/>
-            <a:ext cx="1098360" cy="691560"/>
+            <a:ext cx="1097640" cy="690840"/>
           </a:xfrm>
           <a:custGeom>
             <a:avLst/>
@@ -26869,14 +27926,14 @@
       </p:sp>
       <p:sp>
         <p:nvSpPr>
-          <p:cNvPr id="239" name="CustomShape 12"/>
+          <p:cNvPr id="241" name="CustomShape 12"/>
           <p:cNvSpPr/>
           <p:nvPr/>
         </p:nvSpPr>
         <p:spPr>
           <a:xfrm flipH="1">
-            <a:off x="2223720" y="4752000"/>
-            <a:ext cx="360" cy="644040"/>
+            <a:off x="2222280" y="4752000"/>
+            <a:ext cx="360" cy="643320"/>
           </a:xfrm>
           <a:custGeom>
             <a:avLst/>
@@ -26922,14 +27979,14 @@
       </p:sp>
       <p:sp>
         <p:nvSpPr>
-          <p:cNvPr id="240" name="CustomShape 13"/>
+          <p:cNvPr id="242" name="CustomShape 13"/>
           <p:cNvSpPr/>
           <p:nvPr/>
         </p:nvSpPr>
         <p:spPr>
           <a:xfrm flipH="1">
-            <a:off x="5751720" y="4752000"/>
-            <a:ext cx="360" cy="644040"/>
+            <a:off x="5750280" y="4752000"/>
+            <a:ext cx="360" cy="643320"/>
           </a:xfrm>
           <a:custGeom>
             <a:avLst/>
@@ -26975,14 +28032,14 @@
       </p:sp>
       <p:sp>
         <p:nvSpPr>
-          <p:cNvPr id="241" name="CustomShape 14"/>
+          <p:cNvPr id="243" name="CustomShape 14"/>
           <p:cNvSpPr/>
           <p:nvPr/>
         </p:nvSpPr>
         <p:spPr>
           <a:xfrm flipH="1">
-            <a:off x="8991720" y="3614040"/>
-            <a:ext cx="360" cy="1767960"/>
+            <a:off x="8990280" y="3614040"/>
+            <a:ext cx="360" cy="1767240"/>
           </a:xfrm>
           <a:custGeom>
             <a:avLst/>
@@ -27058,14 +28115,14 @@
       </p:grpSpPr>
       <p:sp>
         <p:nvSpPr>
-          <p:cNvPr id="242" name="CustomShape 1"/>
+          <p:cNvPr id="244" name="CustomShape 1"/>
           <p:cNvSpPr/>
           <p:nvPr/>
         </p:nvSpPr>
         <p:spPr>
           <a:xfrm>
             <a:off x="1561680" y="0"/>
-            <a:ext cx="9062640" cy="1253520"/>
+            <a:ext cx="9061920" cy="1252800"/>
           </a:xfrm>
           <a:prstGeom prst="rect">
             <a:avLst/>
@@ -27109,14 +28166,14 @@
       </p:sp>
       <p:sp>
         <p:nvSpPr>
-          <p:cNvPr id="243" name="CustomShape 2"/>
+          <p:cNvPr id="245" name="CustomShape 2"/>
           <p:cNvSpPr/>
           <p:nvPr/>
         </p:nvSpPr>
         <p:spPr>
           <a:xfrm>
             <a:off x="1368000" y="1224000"/>
-            <a:ext cx="4604040" cy="5324040"/>
+            <a:ext cx="4603320" cy="5323320"/>
           </a:xfrm>
           <a:prstGeom prst="rect">
             <a:avLst/>
@@ -27190,14 +28247,14 @@
       </p:sp>
       <p:sp>
         <p:nvSpPr>
-          <p:cNvPr id="244" name="CustomShape 3"/>
+          <p:cNvPr id="246" name="CustomShape 3"/>
           <p:cNvSpPr/>
           <p:nvPr/>
         </p:nvSpPr>
         <p:spPr>
           <a:xfrm>
             <a:off x="6264000" y="1080000"/>
-            <a:ext cx="5756040" cy="5469480"/>
+            <a:ext cx="5755320" cy="5468760"/>
           </a:xfrm>
           <a:prstGeom prst="rect">
             <a:avLst/>
@@ -27457,14 +28514,14 @@
       </p:grpSpPr>
       <p:sp>
         <p:nvSpPr>
-          <p:cNvPr id="245" name="CustomShape 1"/>
+          <p:cNvPr id="247" name="CustomShape 1"/>
           <p:cNvSpPr/>
           <p:nvPr/>
         </p:nvSpPr>
         <p:spPr>
           <a:xfrm>
             <a:off x="1561680" y="0"/>
-            <a:ext cx="9062640" cy="1253520"/>
+            <a:ext cx="9061920" cy="1252800"/>
           </a:xfrm>
           <a:prstGeom prst="rect">
             <a:avLst/>
@@ -27508,14 +28565,14 @@
       </p:sp>
       <p:sp>
         <p:nvSpPr>
-          <p:cNvPr id="246" name="CustomShape 2"/>
+          <p:cNvPr id="248" name="CustomShape 2"/>
           <p:cNvSpPr/>
           <p:nvPr/>
         </p:nvSpPr>
         <p:spPr>
           <a:xfrm>
             <a:off x="1369800" y="937800"/>
-            <a:ext cx="4748040" cy="5324040"/>
+            <a:ext cx="4747320" cy="5323320"/>
           </a:xfrm>
           <a:prstGeom prst="rect">
             <a:avLst/>
@@ -27699,14 +28756,14 @@
       </p:sp>
       <p:sp>
         <p:nvSpPr>
-          <p:cNvPr id="247" name="CustomShape 3"/>
+          <p:cNvPr id="249" name="CustomShape 3"/>
           <p:cNvSpPr/>
           <p:nvPr/>
         </p:nvSpPr>
         <p:spPr>
           <a:xfrm>
             <a:off x="6264000" y="2376000"/>
-            <a:ext cx="5756040" cy="2444040"/>
+            <a:ext cx="5755320" cy="2443320"/>
           </a:xfrm>
           <a:prstGeom prst="rect">
             <a:avLst/>
@@ -27867,14 +28924,14 @@
       </p:grpSpPr>
       <p:sp>
         <p:nvSpPr>
-          <p:cNvPr id="248" name="CustomShape 1"/>
+          <p:cNvPr id="250" name="CustomShape 1"/>
           <p:cNvSpPr/>
           <p:nvPr/>
         </p:nvSpPr>
         <p:spPr>
           <a:xfrm>
             <a:off x="1561680" y="0"/>
-            <a:ext cx="9062640" cy="1253520"/>
+            <a:ext cx="9061920" cy="1252800"/>
           </a:xfrm>
           <a:prstGeom prst="rect">
             <a:avLst/>
@@ -27918,14 +28975,14 @@
       </p:sp>
       <p:sp>
         <p:nvSpPr>
-          <p:cNvPr id="249" name="CustomShape 2"/>
+          <p:cNvPr id="251" name="CustomShape 2"/>
           <p:cNvSpPr/>
           <p:nvPr/>
         </p:nvSpPr>
         <p:spPr>
           <a:xfrm>
             <a:off x="1368000" y="1224000"/>
-            <a:ext cx="4604040" cy="5324040"/>
+            <a:ext cx="4603320" cy="5323320"/>
           </a:xfrm>
           <a:prstGeom prst="rect">
             <a:avLst/>
@@ -28069,14 +29126,14 @@
       </p:sp>
       <p:sp>
         <p:nvSpPr>
-          <p:cNvPr id="250" name="CustomShape 3"/>
+          <p:cNvPr id="252" name="CustomShape 3"/>
           <p:cNvSpPr/>
           <p:nvPr/>
         </p:nvSpPr>
         <p:spPr>
           <a:xfrm>
             <a:off x="5976000" y="1944000"/>
-            <a:ext cx="5756040" cy="3563280"/>
+            <a:ext cx="5755320" cy="3562560"/>
           </a:xfrm>
           <a:prstGeom prst="rect">
             <a:avLst/>
@@ -28280,14 +29337,14 @@
       </p:grpSpPr>
       <p:sp>
         <p:nvSpPr>
-          <p:cNvPr id="251" name="CustomShape 1"/>
+          <p:cNvPr id="253" name="CustomShape 1"/>
           <p:cNvSpPr/>
           <p:nvPr/>
         </p:nvSpPr>
         <p:spPr>
           <a:xfrm>
             <a:off x="1561680" y="0"/>
-            <a:ext cx="9062640" cy="1253520"/>
+            <a:ext cx="9061920" cy="1252800"/>
           </a:xfrm>
           <a:prstGeom prst="rect">
             <a:avLst/>
@@ -28331,14 +29388,14 @@
       </p:sp>
       <p:sp>
         <p:nvSpPr>
-          <p:cNvPr id="252" name="CustomShape 2"/>
+          <p:cNvPr id="254" name="CustomShape 2"/>
           <p:cNvSpPr/>
           <p:nvPr/>
         </p:nvSpPr>
         <p:spPr>
           <a:xfrm>
             <a:off x="1080000" y="1224000"/>
-            <a:ext cx="10940400" cy="5324040"/>
+            <a:ext cx="10939680" cy="5323320"/>
           </a:xfrm>
           <a:prstGeom prst="rect">
             <a:avLst/>
@@ -28612,14 +29669,14 @@
       </p:grpSpPr>
       <p:sp>
         <p:nvSpPr>
-          <p:cNvPr id="253" name="CustomShape 1"/>
+          <p:cNvPr id="255" name="CustomShape 1"/>
           <p:cNvSpPr/>
           <p:nvPr/>
         </p:nvSpPr>
         <p:spPr>
           <a:xfrm>
             <a:off x="1561680" y="0"/>
-            <a:ext cx="9062640" cy="1253520"/>
+            <a:ext cx="9061920" cy="1252800"/>
           </a:xfrm>
           <a:prstGeom prst="rect">
             <a:avLst/>
@@ -28663,14 +29720,14 @@
       </p:sp>
       <p:sp>
         <p:nvSpPr>
-          <p:cNvPr id="254" name="CustomShape 2"/>
+          <p:cNvPr id="256" name="CustomShape 2"/>
           <p:cNvSpPr/>
           <p:nvPr/>
         </p:nvSpPr>
         <p:spPr>
           <a:xfrm>
             <a:off x="1137960" y="1050840"/>
-            <a:ext cx="10940400" cy="5324040"/>
+            <a:ext cx="10939680" cy="5323320"/>
           </a:xfrm>
           <a:prstGeom prst="rect">
             <a:avLst/>
@@ -28974,14 +30031,14 @@
       </p:grpSpPr>
       <p:sp>
         <p:nvSpPr>
-          <p:cNvPr id="255" name="CustomShape 1"/>
+          <p:cNvPr id="257" name="CustomShape 1"/>
           <p:cNvSpPr/>
           <p:nvPr/>
         </p:nvSpPr>
         <p:spPr>
           <a:xfrm>
             <a:off x="1561680" y="0"/>
-            <a:ext cx="9062640" cy="1253520"/>
+            <a:ext cx="9061920" cy="1252800"/>
           </a:xfrm>
           <a:prstGeom prst="rect">
             <a:avLst/>
@@ -29025,14 +30082,14 @@
       </p:sp>
       <p:sp>
         <p:nvSpPr>
-          <p:cNvPr id="256" name="CustomShape 2"/>
+          <p:cNvPr id="258" name="CustomShape 2"/>
           <p:cNvSpPr/>
           <p:nvPr/>
         </p:nvSpPr>
         <p:spPr>
           <a:xfrm>
             <a:off x="720000" y="1728000"/>
-            <a:ext cx="9860760" cy="4336920"/>
+            <a:ext cx="9860040" cy="4336200"/>
           </a:xfrm>
           <a:prstGeom prst="rect">
             <a:avLst/>
@@ -29297,14 +30354,14 @@
       </p:grpSpPr>
       <p:sp>
         <p:nvSpPr>
-          <p:cNvPr id="257" name="CustomShape 1"/>
+          <p:cNvPr id="259" name="CustomShape 1"/>
           <p:cNvSpPr/>
           <p:nvPr/>
         </p:nvSpPr>
         <p:spPr>
           <a:xfrm>
             <a:off x="1561680" y="0"/>
-            <a:ext cx="9062640" cy="1253520"/>
+            <a:ext cx="9061920" cy="1252800"/>
           </a:xfrm>
           <a:prstGeom prst="rect">
             <a:avLst/>
@@ -29348,14 +30405,14 @@
       </p:sp>
       <p:sp>
         <p:nvSpPr>
-          <p:cNvPr id="258" name="CustomShape 2"/>
+          <p:cNvPr id="260" name="CustomShape 2"/>
           <p:cNvSpPr/>
           <p:nvPr/>
         </p:nvSpPr>
         <p:spPr>
           <a:xfrm>
             <a:off x="720000" y="1728000"/>
-            <a:ext cx="9860760" cy="4620240"/>
+            <a:ext cx="9860040" cy="4619520"/>
           </a:xfrm>
           <a:prstGeom prst="rect">
             <a:avLst/>
@@ -29631,14 +30688,14 @@
       </p:grpSpPr>
       <p:sp>
         <p:nvSpPr>
-          <p:cNvPr id="259" name="CustomShape 1"/>
+          <p:cNvPr id="261" name="CustomShape 1"/>
           <p:cNvSpPr/>
           <p:nvPr/>
         </p:nvSpPr>
         <p:spPr>
           <a:xfrm>
             <a:off x="1561680" y="0"/>
-            <a:ext cx="9062640" cy="1253520"/>
+            <a:ext cx="9061920" cy="1252800"/>
           </a:xfrm>
           <a:prstGeom prst="rect">
             <a:avLst/>
@@ -29682,14 +30739,14 @@
       </p:sp>
       <p:sp>
         <p:nvSpPr>
-          <p:cNvPr id="260" name="CustomShape 2"/>
+          <p:cNvPr id="262" name="CustomShape 2"/>
           <p:cNvSpPr/>
           <p:nvPr/>
         </p:nvSpPr>
         <p:spPr>
           <a:xfrm>
             <a:off x="864000" y="1655640"/>
-            <a:ext cx="5252760" cy="4749120"/>
+            <a:ext cx="5252040" cy="4748400"/>
           </a:xfrm>
           <a:prstGeom prst="rect">
             <a:avLst/>
@@ -29905,14 +30962,14 @@
       </p:sp>
       <p:sp>
         <p:nvSpPr>
-          <p:cNvPr id="261" name="CustomShape 3"/>
+          <p:cNvPr id="263" name="CustomShape 3"/>
           <p:cNvSpPr/>
           <p:nvPr/>
         </p:nvSpPr>
         <p:spPr>
           <a:xfrm>
             <a:off x="6264000" y="1368000"/>
-            <a:ext cx="5468760" cy="5462280"/>
+            <a:ext cx="5468040" cy="5461560"/>
           </a:xfrm>
           <a:prstGeom prst="rect">
             <a:avLst/>
@@ -30198,7 +31255,7 @@
         <p:spPr>
           <a:xfrm>
             <a:off x="1561680" y="0"/>
-            <a:ext cx="9062640" cy="1253520"/>
+            <a:ext cx="9061920" cy="1252800"/>
           </a:xfrm>
           <a:prstGeom prst="rect">
             <a:avLst/>
@@ -30249,7 +31306,7 @@
         <p:spPr>
           <a:xfrm>
             <a:off x="861840" y="1728360"/>
-            <a:ext cx="5394960" cy="4960440"/>
+            <a:ext cx="5394240" cy="4959720"/>
           </a:xfrm>
           <a:prstGeom prst="rect">
             <a:avLst/>
@@ -30300,7 +31357,7 @@
         <p:spPr>
           <a:xfrm>
             <a:off x="1703520" y="1728360"/>
-            <a:ext cx="8778960" cy="4960440"/>
+            <a:ext cx="8778240" cy="4959720"/>
           </a:xfrm>
           <a:prstGeom prst="rect">
             <a:avLst/>
@@ -30544,14 +31601,14 @@
       </p:grpSpPr>
       <p:sp>
         <p:nvSpPr>
-          <p:cNvPr id="262" name="CustomShape 1"/>
+          <p:cNvPr id="264" name="CustomShape 1"/>
           <p:cNvSpPr/>
           <p:nvPr/>
         </p:nvSpPr>
         <p:spPr>
           <a:xfrm>
             <a:off x="1561680" y="0"/>
-            <a:ext cx="9062640" cy="1253520"/>
+            <a:ext cx="9061920" cy="1252800"/>
           </a:xfrm>
           <a:prstGeom prst="rect">
             <a:avLst/>
@@ -30595,14 +31652,14 @@
       </p:sp>
       <p:sp>
         <p:nvSpPr>
-          <p:cNvPr id="263" name="CustomShape 2"/>
+          <p:cNvPr id="265" name="CustomShape 2"/>
           <p:cNvSpPr/>
           <p:nvPr/>
         </p:nvSpPr>
         <p:spPr>
           <a:xfrm>
             <a:off x="2952000" y="1944000"/>
-            <a:ext cx="6707160" cy="5324040"/>
+            <a:ext cx="6706440" cy="5323320"/>
           </a:xfrm>
           <a:prstGeom prst="rect">
             <a:avLst/>
@@ -30836,14 +31893,14 @@
       </p:grpSpPr>
       <p:sp>
         <p:nvSpPr>
-          <p:cNvPr id="264" name="CustomShape 1"/>
+          <p:cNvPr id="266" name="CustomShape 1"/>
           <p:cNvSpPr/>
           <p:nvPr/>
         </p:nvSpPr>
         <p:spPr>
           <a:xfrm>
             <a:off x="1561680" y="0"/>
-            <a:ext cx="9062640" cy="1253520"/>
+            <a:ext cx="9061920" cy="1252800"/>
           </a:xfrm>
           <a:prstGeom prst="rect">
             <a:avLst/>
@@ -30887,14 +31944,14 @@
       </p:sp>
       <p:sp>
         <p:nvSpPr>
-          <p:cNvPr id="265" name="CustomShape 2"/>
+          <p:cNvPr id="267" name="CustomShape 2"/>
           <p:cNvSpPr/>
           <p:nvPr/>
         </p:nvSpPr>
         <p:spPr>
           <a:xfrm>
             <a:off x="936000" y="1369080"/>
-            <a:ext cx="6117120" cy="5324040"/>
+            <a:ext cx="6116400" cy="5323320"/>
           </a:xfrm>
           <a:prstGeom prst="rect">
             <a:avLst/>
@@ -31198,14 +32255,14 @@
       </p:sp>
       <p:sp>
         <p:nvSpPr>
-          <p:cNvPr id="266" name="CustomShape 3"/>
+          <p:cNvPr id="268" name="CustomShape 3"/>
           <p:cNvSpPr/>
           <p:nvPr/>
         </p:nvSpPr>
         <p:spPr>
           <a:xfrm>
             <a:off x="138240" y="6192000"/>
-            <a:ext cx="1370880" cy="442080"/>
+            <a:ext cx="1370160" cy="441360"/>
           </a:xfrm>
           <a:prstGeom prst="rect">
             <a:avLst/>
@@ -31256,14 +32313,14 @@
       </p:sp>
       <p:sp>
         <p:nvSpPr>
-          <p:cNvPr id="267" name="CustomShape 4"/>
+          <p:cNvPr id="269" name="CustomShape 4"/>
           <p:cNvSpPr/>
           <p:nvPr/>
         </p:nvSpPr>
         <p:spPr>
           <a:xfrm>
             <a:off x="2376000" y="6192000"/>
-            <a:ext cx="1653120" cy="442080"/>
+            <a:ext cx="1652400" cy="441360"/>
           </a:xfrm>
           <a:prstGeom prst="rect">
             <a:avLst/>
@@ -31314,14 +32371,14 @@
       </p:sp>
       <p:sp>
         <p:nvSpPr>
-          <p:cNvPr id="268" name="CustomShape 5"/>
+          <p:cNvPr id="270" name="CustomShape 5"/>
           <p:cNvSpPr/>
           <p:nvPr/>
         </p:nvSpPr>
         <p:spPr>
           <a:xfrm>
             <a:off x="4968000" y="6179040"/>
-            <a:ext cx="1653120" cy="442080"/>
+            <a:ext cx="1652400" cy="441360"/>
           </a:xfrm>
           <a:prstGeom prst="rect">
             <a:avLst/>
@@ -31372,14 +32429,14 @@
       </p:sp>
       <p:sp>
         <p:nvSpPr>
-          <p:cNvPr id="269" name="CustomShape 6"/>
+          <p:cNvPr id="271" name="CustomShape 6"/>
           <p:cNvSpPr/>
           <p:nvPr/>
         </p:nvSpPr>
         <p:spPr>
           <a:xfrm>
             <a:off x="7488000" y="6192000"/>
-            <a:ext cx="1653120" cy="442080"/>
+            <a:ext cx="1652400" cy="441360"/>
           </a:xfrm>
           <a:prstGeom prst="rect">
             <a:avLst/>
@@ -31430,14 +32487,14 @@
       </p:sp>
       <p:sp>
         <p:nvSpPr>
-          <p:cNvPr id="270" name="CustomShape 7"/>
+          <p:cNvPr id="272" name="CustomShape 7"/>
           <p:cNvSpPr/>
           <p:nvPr/>
         </p:nvSpPr>
         <p:spPr>
           <a:xfrm>
             <a:off x="10080000" y="6194160"/>
-            <a:ext cx="1653120" cy="442080"/>
+            <a:ext cx="1652400" cy="441360"/>
           </a:xfrm>
           <a:prstGeom prst="rect">
             <a:avLst/>
@@ -31488,7 +32545,7 @@
       </p:sp>
       <p:sp>
         <p:nvSpPr>
-          <p:cNvPr id="271" name="Line 8"/>
+          <p:cNvPr id="273" name="Line 8"/>
           <p:cNvSpPr/>
           <p:nvPr/>
         </p:nvSpPr>
@@ -31513,7 +32570,7 @@
       </p:sp>
       <p:sp>
         <p:nvSpPr>
-          <p:cNvPr id="272" name="Line 9"/>
+          <p:cNvPr id="274" name="Line 9"/>
           <p:cNvSpPr/>
           <p:nvPr/>
         </p:nvSpPr>
@@ -31538,7 +32595,7 @@
       </p:sp>
       <p:sp>
         <p:nvSpPr>
-          <p:cNvPr id="273" name="Line 10"/>
+          <p:cNvPr id="275" name="Line 10"/>
           <p:cNvSpPr/>
           <p:nvPr/>
         </p:nvSpPr>
@@ -31563,7 +32620,7 @@
       </p:sp>
       <p:sp>
         <p:nvSpPr>
-          <p:cNvPr id="274" name="Line 11"/>
+          <p:cNvPr id="276" name="Line 11"/>
           <p:cNvSpPr/>
           <p:nvPr/>
         </p:nvSpPr>
@@ -31588,14 +32645,14 @@
       </p:sp>
       <p:sp>
         <p:nvSpPr>
-          <p:cNvPr id="275" name="CustomShape 12"/>
+          <p:cNvPr id="277" name="CustomShape 12"/>
           <p:cNvSpPr/>
           <p:nvPr/>
         </p:nvSpPr>
         <p:spPr>
           <a:xfrm>
             <a:off x="7167960" y="1512000"/>
-            <a:ext cx="5213160" cy="4389120"/>
+            <a:ext cx="5212440" cy="4388400"/>
           </a:xfrm>
           <a:prstGeom prst="rect">
             <a:avLst/>
@@ -31995,14 +33052,14 @@
       </p:grpSpPr>
       <p:sp>
         <p:nvSpPr>
-          <p:cNvPr id="276" name="CustomShape 1"/>
+          <p:cNvPr id="278" name="CustomShape 1"/>
           <p:cNvSpPr/>
           <p:nvPr/>
         </p:nvSpPr>
         <p:spPr>
           <a:xfrm>
             <a:off x="1561680" y="0"/>
-            <a:ext cx="9062640" cy="1253520"/>
+            <a:ext cx="9061920" cy="1252800"/>
           </a:xfrm>
           <a:prstGeom prst="rect">
             <a:avLst/>
@@ -32046,14 +33103,14 @@
       </p:sp>
       <p:sp>
         <p:nvSpPr>
-          <p:cNvPr id="277" name="CustomShape 2"/>
+          <p:cNvPr id="279" name="CustomShape 2"/>
           <p:cNvSpPr/>
           <p:nvPr/>
         </p:nvSpPr>
         <p:spPr>
           <a:xfrm>
             <a:off x="936000" y="1369080"/>
-            <a:ext cx="6117120" cy="5324040"/>
+            <a:ext cx="6116400" cy="5323320"/>
           </a:xfrm>
           <a:prstGeom prst="rect">
             <a:avLst/>
@@ -32397,14 +33454,14 @@
       </p:sp>
       <p:sp>
         <p:nvSpPr>
-          <p:cNvPr id="278" name="CustomShape 3"/>
+          <p:cNvPr id="280" name="CustomShape 3"/>
           <p:cNvSpPr/>
           <p:nvPr/>
         </p:nvSpPr>
         <p:spPr>
           <a:xfrm>
             <a:off x="6879960" y="2376000"/>
-            <a:ext cx="5213160" cy="3381120"/>
+            <a:ext cx="5212440" cy="3380400"/>
           </a:xfrm>
           <a:prstGeom prst="rect">
             <a:avLst/>
@@ -32593,14 +33650,14 @@
       </p:grpSpPr>
       <p:sp>
         <p:nvSpPr>
-          <p:cNvPr id="279" name="CustomShape 1"/>
+          <p:cNvPr id="281" name="CustomShape 1"/>
           <p:cNvSpPr/>
           <p:nvPr/>
         </p:nvSpPr>
         <p:spPr>
           <a:xfrm>
             <a:off x="1561680" y="0"/>
-            <a:ext cx="9062640" cy="1253520"/>
+            <a:ext cx="9061920" cy="1252800"/>
           </a:xfrm>
           <a:prstGeom prst="rect">
             <a:avLst/>
@@ -32644,14 +33701,14 @@
       </p:sp>
       <p:sp>
         <p:nvSpPr>
-          <p:cNvPr id="280" name="CustomShape 2"/>
+          <p:cNvPr id="282" name="CustomShape 2"/>
           <p:cNvSpPr/>
           <p:nvPr/>
         </p:nvSpPr>
         <p:spPr>
           <a:xfrm>
             <a:off x="1008000" y="1872000"/>
-            <a:ext cx="5325120" cy="5324040"/>
+            <a:ext cx="5324400" cy="5323320"/>
           </a:xfrm>
           <a:prstGeom prst="rect">
             <a:avLst/>
@@ -32855,14 +33912,14 @@
       </p:sp>
       <p:sp>
         <p:nvSpPr>
-          <p:cNvPr id="281" name="CustomShape 3"/>
+          <p:cNvPr id="283" name="CustomShape 3"/>
           <p:cNvSpPr/>
           <p:nvPr/>
         </p:nvSpPr>
         <p:spPr>
           <a:xfrm>
             <a:off x="6480000" y="1980720"/>
-            <a:ext cx="5613120" cy="3848400"/>
+            <a:ext cx="5612400" cy="3847680"/>
           </a:xfrm>
           <a:prstGeom prst="rect">
             <a:avLst/>
@@ -33195,7 +34252,7 @@
         <p:spPr>
           <a:xfrm>
             <a:off x="1561680" y="0"/>
-            <a:ext cx="9062640" cy="1253520"/>
+            <a:ext cx="9061920" cy="1252800"/>
           </a:xfrm>
           <a:prstGeom prst="rect">
             <a:avLst/>
@@ -33246,7 +34303,7 @@
         <p:spPr>
           <a:xfrm>
             <a:off x="861480" y="1728360"/>
-            <a:ext cx="5394960" cy="4960440"/>
+            <a:ext cx="5394240" cy="4959720"/>
           </a:xfrm>
           <a:prstGeom prst="rect">
             <a:avLst/>
@@ -33296,8 +34353,8 @@
         </p:nvSpPr>
         <p:spPr>
           <a:xfrm rot="21553200">
-            <a:off x="2466000" y="2632680"/>
-            <a:ext cx="1578960" cy="2669040"/>
+            <a:off x="2466000" y="2631960"/>
+            <a:ext cx="1578240" cy="2668320"/>
           </a:xfrm>
           <a:prstGeom prst="rect">
             <a:avLst/>
@@ -33401,8 +34458,8 @@
         </p:nvSpPr>
         <p:spPr>
           <a:xfrm rot="21553200">
-            <a:off x="5418000" y="2632680"/>
-            <a:ext cx="1578960" cy="2669040"/>
+            <a:off x="5418000" y="2631960"/>
+            <a:ext cx="1578240" cy="2668320"/>
           </a:xfrm>
           <a:prstGeom prst="rect">
             <a:avLst/>
@@ -33575,7 +34632,7 @@
         <p:spPr>
           <a:xfrm>
             <a:off x="8354160" y="1728000"/>
-            <a:ext cx="1720800" cy="1216800"/>
+            <a:ext cx="1720080" cy="1216080"/>
           </a:xfrm>
           <a:prstGeom prst="rect">
             <a:avLst/>
@@ -33680,7 +34737,7 @@
         <p:spPr>
           <a:xfrm>
             <a:off x="8282160" y="4895640"/>
-            <a:ext cx="1720800" cy="1216800"/>
+            <a:ext cx="1720080" cy="1216080"/>
           </a:xfrm>
           <a:prstGeom prst="rect">
             <a:avLst/>
@@ -33785,7 +34842,7 @@
         <p:spPr>
           <a:xfrm>
             <a:off x="4320000" y="3383640"/>
-            <a:ext cx="1072800" cy="339120"/>
+            <a:ext cx="1072080" cy="338400"/>
           </a:xfrm>
           <a:prstGeom prst="rect">
             <a:avLst/>
@@ -33892,7 +34949,7 @@
         <p:spPr>
           <a:xfrm>
             <a:off x="7058160" y="3685320"/>
-            <a:ext cx="1072800" cy="595080"/>
+            <a:ext cx="1072080" cy="594360"/>
           </a:xfrm>
           <a:prstGeom prst="rect">
             <a:avLst/>
@@ -33983,7 +35040,7 @@
         <p:spPr>
           <a:xfrm>
             <a:off x="1561680" y="720"/>
-            <a:ext cx="9062640" cy="1253520"/>
+            <a:ext cx="9061920" cy="1252800"/>
           </a:xfrm>
           <a:prstGeom prst="rect">
             <a:avLst/>
@@ -36288,7 +37345,7 @@
         <p:spPr>
           <a:xfrm>
             <a:off x="1561680" y="0"/>
-            <a:ext cx="9062640" cy="1253520"/>
+            <a:ext cx="9061920" cy="1252800"/>
           </a:xfrm>
           <a:prstGeom prst="rect">
             <a:avLst/>
@@ -36339,7 +37396,7 @@
         <p:spPr>
           <a:xfrm>
             <a:off x="1998720" y="863640"/>
-            <a:ext cx="8415000" cy="4652280"/>
+            <a:ext cx="8414280" cy="4651560"/>
           </a:xfrm>
           <a:prstGeom prst="rect">
             <a:avLst/>
@@ -36648,7 +37705,7 @@
         <p:spPr>
           <a:xfrm>
             <a:off x="1561680" y="0"/>
-            <a:ext cx="9062640" cy="1253520"/>
+            <a:ext cx="9061920" cy="1252800"/>
           </a:xfrm>
           <a:prstGeom prst="rect">
             <a:avLst/>
@@ -36699,7 +37756,7 @@
         <p:spPr>
           <a:xfrm>
             <a:off x="1633320" y="1087560"/>
-            <a:ext cx="8919000" cy="6354360"/>
+            <a:ext cx="8918280" cy="6353640"/>
           </a:xfrm>
           <a:prstGeom prst="rect">
             <a:avLst/>

--- a/WprowadzenieDoJezykaJAVA_v3_PiotrKrajnik.pptx
+++ b/WprowadzenieDoJezykaJAVA_v3_PiotrKrajnik.pptx
@@ -2813,7 +2813,7 @@
         <p:spPr>
           <a:xfrm rot="5400000">
             <a:off x="0" y="0"/>
-            <a:ext cx="2492640" cy="2492640"/>
+            <a:ext cx="2492280" cy="2492280"/>
           </a:xfrm>
           <a:prstGeom prst="rtTriangle">
             <a:avLst/>
@@ -2853,7 +2853,7 @@
         <p:spPr>
           <a:xfrm>
             <a:off x="0" y="0"/>
-            <a:ext cx="2745720" cy="1289520"/>
+            <a:ext cx="2745360" cy="1289160"/>
           </a:xfrm>
           <a:prstGeom prst="rect">
             <a:avLst/>
@@ -3135,7 +3135,7 @@
         <p:spPr>
           <a:xfrm rot="5400000">
             <a:off x="0" y="0"/>
-            <a:ext cx="2492640" cy="2492640"/>
+            <a:ext cx="2492280" cy="2492280"/>
           </a:xfrm>
           <a:prstGeom prst="rtTriangle">
             <a:avLst/>
@@ -3175,7 +3175,7 @@
         <p:spPr>
           <a:xfrm>
             <a:off x="0" y="0"/>
-            <a:ext cx="2745720" cy="1289520"/>
+            <a:ext cx="2745360" cy="1289160"/>
           </a:xfrm>
           <a:prstGeom prst="rect">
             <a:avLst/>
@@ -3447,7 +3447,7 @@
         <p:spPr>
           <a:xfrm>
             <a:off x="1561680" y="1905480"/>
-            <a:ext cx="9061920" cy="1252800"/>
+            <a:ext cx="9061560" cy="1252440"/>
           </a:xfrm>
           <a:prstGeom prst="rect">
             <a:avLst/>
@@ -3498,7 +3498,7 @@
         <p:spPr>
           <a:xfrm>
             <a:off x="1561680" y="3456000"/>
-            <a:ext cx="9061920" cy="2687400"/>
+            <a:ext cx="9061560" cy="2687040"/>
           </a:xfrm>
           <a:prstGeom prst="rect">
             <a:avLst/>
@@ -3589,7 +3589,7 @@
         <p:spPr>
           <a:xfrm>
             <a:off x="1561680" y="360"/>
-            <a:ext cx="9061920" cy="1252800"/>
+            <a:ext cx="9061560" cy="1252440"/>
           </a:xfrm>
           <a:prstGeom prst="rect">
             <a:avLst/>
@@ -4434,7 +4434,7 @@
         <p:spPr>
           <a:xfrm>
             <a:off x="1561680" y="0"/>
-            <a:ext cx="9061920" cy="1252800"/>
+            <a:ext cx="9061560" cy="1252440"/>
           </a:xfrm>
           <a:prstGeom prst="rect">
             <a:avLst/>
@@ -4485,7 +4485,7 @@
         <p:spPr>
           <a:xfrm>
             <a:off x="1584000" y="1175040"/>
-            <a:ext cx="3233880" cy="5635080"/>
+            <a:ext cx="3233520" cy="5634720"/>
           </a:xfrm>
           <a:prstGeom prst="rect">
             <a:avLst/>
@@ -4846,7 +4846,7 @@
         <p:spPr>
           <a:xfrm>
             <a:off x="5324040" y="1262520"/>
-            <a:ext cx="5394240" cy="690840"/>
+            <a:ext cx="5393880" cy="690480"/>
           </a:xfrm>
           <a:prstGeom prst="rect">
             <a:avLst/>
@@ -4897,7 +4897,7 @@
         <p:spPr>
           <a:xfrm>
             <a:off x="5215680" y="3780000"/>
-            <a:ext cx="5394240" cy="1910520"/>
+            <a:ext cx="5393880" cy="1910160"/>
           </a:xfrm>
           <a:prstGeom prst="rect">
             <a:avLst/>
@@ -4998,7 +4998,7 @@
         <p:spPr>
           <a:xfrm>
             <a:off x="1561680" y="0"/>
-            <a:ext cx="9061920" cy="1252800"/>
+            <a:ext cx="9061560" cy="1252440"/>
           </a:xfrm>
           <a:prstGeom prst="rect">
             <a:avLst/>
@@ -5049,7 +5049,7 @@
         <p:spPr>
           <a:xfrm>
             <a:off x="1440000" y="1152000"/>
-            <a:ext cx="3233880" cy="5635080"/>
+            <a:ext cx="3233520" cy="5634720"/>
           </a:xfrm>
           <a:prstGeom prst="rect">
             <a:avLst/>
@@ -5510,7 +5510,7 @@
         <p:spPr>
           <a:xfrm>
             <a:off x="5180040" y="1239480"/>
-            <a:ext cx="5394240" cy="4959720"/>
+            <a:ext cx="5393880" cy="4959360"/>
           </a:xfrm>
           <a:prstGeom prst="rect">
             <a:avLst/>
@@ -5681,7 +5681,7 @@
         <p:spPr>
           <a:xfrm>
             <a:off x="1561680" y="15480"/>
-            <a:ext cx="9061920" cy="1252800"/>
+            <a:ext cx="9061560" cy="1252440"/>
           </a:xfrm>
           <a:prstGeom prst="rect">
             <a:avLst/>
@@ -5732,7 +5732,7 @@
         <p:spPr>
           <a:xfrm>
             <a:off x="1924920" y="1275840"/>
-            <a:ext cx="3233880" cy="2396520"/>
+            <a:ext cx="3233520" cy="2396160"/>
           </a:xfrm>
           <a:prstGeom prst="rect">
             <a:avLst/>
@@ -5933,7 +5933,7 @@
         <p:spPr>
           <a:xfrm>
             <a:off x="1924920" y="4079160"/>
-            <a:ext cx="3511080" cy="2396520"/>
+            <a:ext cx="3510720" cy="2396160"/>
           </a:xfrm>
           <a:prstGeom prst="rect">
             <a:avLst/>
@@ -6134,7 +6134,7 @@
         <p:spPr>
           <a:xfrm>
             <a:off x="7087320" y="1275840"/>
-            <a:ext cx="3233880" cy="2396520"/>
+            <a:ext cx="3233520" cy="2396160"/>
           </a:xfrm>
           <a:prstGeom prst="rect">
             <a:avLst/>
@@ -6335,7 +6335,7 @@
         <p:spPr>
           <a:xfrm>
             <a:off x="7087320" y="4079160"/>
-            <a:ext cx="3233880" cy="2396520"/>
+            <a:ext cx="3233520" cy="2396160"/>
           </a:xfrm>
           <a:prstGeom prst="rect">
             <a:avLst/>
@@ -6566,7 +6566,7 @@
         <p:spPr>
           <a:xfrm>
             <a:off x="1561680" y="-75600"/>
-            <a:ext cx="9061920" cy="1252800"/>
+            <a:ext cx="9061560" cy="1252440"/>
           </a:xfrm>
           <a:prstGeom prst="rect">
             <a:avLst/>
@@ -6617,7 +6617,7 @@
         <p:spPr>
           <a:xfrm>
             <a:off x="1001160" y="1286280"/>
-            <a:ext cx="5219640" cy="6483600"/>
+            <a:ext cx="5219280" cy="6483240"/>
           </a:xfrm>
           <a:prstGeom prst="rect">
             <a:avLst/>
@@ -6838,7 +6838,7 @@
         <p:spPr>
           <a:xfrm>
             <a:off x="6531120" y="1286280"/>
-            <a:ext cx="4295520" cy="5569560"/>
+            <a:ext cx="4295160" cy="5569200"/>
           </a:xfrm>
           <a:prstGeom prst="rect">
             <a:avLst/>
@@ -7209,7 +7209,7 @@
         <p:spPr>
           <a:xfrm>
             <a:off x="1561680" y="0"/>
-            <a:ext cx="9061920" cy="1252800"/>
+            <a:ext cx="9061560" cy="1252440"/>
           </a:xfrm>
           <a:prstGeom prst="rect">
             <a:avLst/>
@@ -7260,7 +7260,7 @@
         <p:spPr>
           <a:xfrm>
             <a:off x="1800000" y="1086120"/>
-            <a:ext cx="5219640" cy="3740040"/>
+            <a:ext cx="5219280" cy="3739680"/>
           </a:xfrm>
           <a:prstGeom prst="rect">
             <a:avLst/>
@@ -7401,7 +7401,7 @@
         <p:spPr>
           <a:xfrm>
             <a:off x="7486560" y="1086120"/>
-            <a:ext cx="3323880" cy="5841720"/>
+            <a:ext cx="3323520" cy="5841360"/>
           </a:xfrm>
           <a:prstGeom prst="rect">
             <a:avLst/>
@@ -7916,7 +7916,7 @@
         <p:spPr>
           <a:xfrm>
             <a:off x="2639880" y="4608000"/>
-            <a:ext cx="1425600" cy="1425600"/>
+            <a:ext cx="1425240" cy="1425240"/>
           </a:xfrm>
           <a:prstGeom prst="rect">
             <a:avLst/>
@@ -7939,7 +7939,7 @@
         <p:spPr>
           <a:xfrm>
             <a:off x="5157360" y="5808240"/>
-            <a:ext cx="1425600" cy="1425600"/>
+            <a:ext cx="1425240" cy="1425240"/>
           </a:xfrm>
           <a:prstGeom prst="rect">
             <a:avLst/>
@@ -7958,7 +7958,7 @@
         <p:spPr>
           <a:xfrm>
             <a:off x="2560680" y="5608800"/>
-            <a:ext cx="2040480" cy="1178280"/>
+            <a:ext cx="2040120" cy="1177920"/>
           </a:xfrm>
           <a:prstGeom prst="rect">
             <a:avLst/>
@@ -8069,7 +8069,7 @@
         <p:spPr>
           <a:xfrm>
             <a:off x="4876560" y="4968000"/>
-            <a:ext cx="2140560" cy="1178280"/>
+            <a:ext cx="2140200" cy="1177920"/>
           </a:xfrm>
           <a:prstGeom prst="rect">
             <a:avLst/>
@@ -8210,7 +8210,7 @@
         <p:spPr>
           <a:xfrm>
             <a:off x="1561680" y="0"/>
-            <a:ext cx="9061920" cy="1252800"/>
+            <a:ext cx="9061560" cy="1252440"/>
           </a:xfrm>
           <a:prstGeom prst="rect">
             <a:avLst/>
@@ -8260,8 +8260,8 @@
         </p:nvSpPr>
         <p:spPr>
           <a:xfrm>
-            <a:off x="6078240" y="936000"/>
-            <a:ext cx="3323880" cy="5841720"/>
+            <a:off x="3732480" y="926640"/>
+            <a:ext cx="7571520" cy="5841360"/>
           </a:xfrm>
           <a:prstGeom prst="rect">
             <a:avLst/>
@@ -8288,7 +8288,7 @@
               </a:lnSpc>
             </a:pPr>
             <a:r>
-              <a:rPr b="0" lang="pl-PL" sz="1800" spc="-1" strike="noStrike">
+              <a:rPr b="0" lang="pl-PL" sz="1400" spc="-1" strike="noStrike">
                 <a:solidFill>
                   <a:srgbClr val="ffffff"/>
                 </a:solidFill>
@@ -8297,18 +8297,18 @@
               </a:rPr>
               <a:t>public class Car {</a:t>
             </a:r>
-            <a:endParaRPr b="0" lang="pl-PL" sz="1800" spc="-1" strike="noStrike">
-              <a:latin typeface="Arial"/>
-            </a:endParaRPr>
-          </a:p>
-          <a:p>
-            <a:pPr>
-              <a:lnSpc>
-                <a:spcPct val="100000"/>
-              </a:lnSpc>
-            </a:pPr>
-            <a:r>
-              <a:rPr b="0" lang="pl-PL" sz="1800" spc="-1" strike="noStrike">
+            <a:endParaRPr b="0" lang="pl-PL" sz="1400" spc="-1" strike="noStrike">
+              <a:latin typeface="Arial"/>
+            </a:endParaRPr>
+          </a:p>
+          <a:p>
+            <a:pPr>
+              <a:lnSpc>
+                <a:spcPct val="100000"/>
+              </a:lnSpc>
+            </a:pPr>
+            <a:r>
+              <a:rPr b="0" lang="pl-PL" sz="1400" spc="-1" strike="noStrike">
                 <a:solidFill>
                   <a:srgbClr val="ffffff"/>
                 </a:solidFill>
@@ -8317,18 +8317,18 @@
               </a:rPr>
               <a:t>    </a:t>
             </a:r>
-            <a:endParaRPr b="0" lang="pl-PL" sz="1800" spc="-1" strike="noStrike">
-              <a:latin typeface="Arial"/>
-            </a:endParaRPr>
-          </a:p>
-          <a:p>
-            <a:pPr>
-              <a:lnSpc>
-                <a:spcPct val="100000"/>
-              </a:lnSpc>
-            </a:pPr>
-            <a:r>
-              <a:rPr b="0" lang="pl-PL" sz="1800" spc="-1" strike="noStrike">
+            <a:endParaRPr b="0" lang="pl-PL" sz="1400" spc="-1" strike="noStrike">
+              <a:latin typeface="Arial"/>
+            </a:endParaRPr>
+          </a:p>
+          <a:p>
+            <a:pPr>
+              <a:lnSpc>
+                <a:spcPct val="100000"/>
+              </a:lnSpc>
+            </a:pPr>
+            <a:r>
+              <a:rPr b="0" lang="pl-PL" sz="1400" spc="-1" strike="noStrike">
                 <a:solidFill>
                   <a:srgbClr val="ffffff"/>
                 </a:solidFill>
@@ -8338,7 +8338,7 @@
               <a:t>    </a:t>
             </a:r>
             <a:r>
-              <a:rPr b="0" lang="pl-PL" sz="1800" spc="-1" strike="noStrike">
+              <a:rPr b="0" lang="pl-PL" sz="1400" spc="-1" strike="noStrike">
                 <a:solidFill>
                   <a:srgbClr val="ffffff"/>
                 </a:solidFill>
@@ -8347,18 +8347,18 @@
               </a:rPr>
               <a:t>private String brand;</a:t>
             </a:r>
-            <a:endParaRPr b="0" lang="pl-PL" sz="1800" spc="-1" strike="noStrike">
-              <a:latin typeface="Arial"/>
-            </a:endParaRPr>
-          </a:p>
-          <a:p>
-            <a:pPr>
-              <a:lnSpc>
-                <a:spcPct val="100000"/>
-              </a:lnSpc>
-            </a:pPr>
-            <a:r>
-              <a:rPr b="0" lang="pl-PL" sz="1800" spc="-1" strike="noStrike">
+            <a:endParaRPr b="0" lang="pl-PL" sz="1400" spc="-1" strike="noStrike">
+              <a:latin typeface="Arial"/>
+            </a:endParaRPr>
+          </a:p>
+          <a:p>
+            <a:pPr>
+              <a:lnSpc>
+                <a:spcPct val="100000"/>
+              </a:lnSpc>
+            </a:pPr>
+            <a:r>
+              <a:rPr b="0" lang="pl-PL" sz="1400" spc="-1" strike="noStrike">
                 <a:solidFill>
                   <a:srgbClr val="ffffff"/>
                 </a:solidFill>
@@ -8368,7 +8368,7 @@
               <a:t>    </a:t>
             </a:r>
             <a:r>
-              <a:rPr b="0" lang="pl-PL" sz="1800" spc="-1" strike="noStrike">
+              <a:rPr b="0" lang="pl-PL" sz="1400" spc="-1" strike="noStrike">
                 <a:solidFill>
                   <a:srgbClr val="ffffff"/>
                 </a:solidFill>
@@ -8377,18 +8377,18 @@
               </a:rPr>
               <a:t>private String model;</a:t>
             </a:r>
-            <a:endParaRPr b="0" lang="pl-PL" sz="1800" spc="-1" strike="noStrike">
-              <a:latin typeface="Arial"/>
-            </a:endParaRPr>
-          </a:p>
-          <a:p>
-            <a:pPr>
-              <a:lnSpc>
-                <a:spcPct val="100000"/>
-              </a:lnSpc>
-            </a:pPr>
-            <a:r>
-              <a:rPr b="0" lang="pl-PL" sz="1800" spc="-1" strike="noStrike">
+            <a:endParaRPr b="0" lang="pl-PL" sz="1400" spc="-1" strike="noStrike">
+              <a:latin typeface="Arial"/>
+            </a:endParaRPr>
+          </a:p>
+          <a:p>
+            <a:pPr>
+              <a:lnSpc>
+                <a:spcPct val="100000"/>
+              </a:lnSpc>
+            </a:pPr>
+            <a:r>
+              <a:rPr b="0" lang="pl-PL" sz="1400" spc="-1" strike="noStrike">
                 <a:solidFill>
                   <a:srgbClr val="ffffff"/>
                 </a:solidFill>
@@ -8398,7 +8398,7 @@
               <a:t>    </a:t>
             </a:r>
             <a:r>
-              <a:rPr b="0" lang="pl-PL" sz="1800" spc="-1" strike="noStrike">
+              <a:rPr b="0" lang="pl-PL" sz="1400" spc="-1" strike="noStrike">
                 <a:solidFill>
                   <a:srgbClr val="ffffff"/>
                 </a:solidFill>
@@ -8407,18 +8407,18 @@
               </a:rPr>
               <a:t>private int maxSpeed;</a:t>
             </a:r>
-            <a:endParaRPr b="0" lang="pl-PL" sz="1800" spc="-1" strike="noStrike">
-              <a:latin typeface="Arial"/>
-            </a:endParaRPr>
-          </a:p>
-          <a:p>
-            <a:pPr>
-              <a:lnSpc>
-                <a:spcPct val="100000"/>
-              </a:lnSpc>
-            </a:pPr>
-            <a:r>
-              <a:rPr b="0" lang="pl-PL" sz="1800" spc="-1" strike="noStrike">
+            <a:endParaRPr b="0" lang="pl-PL" sz="1400" spc="-1" strike="noStrike">
+              <a:latin typeface="Arial"/>
+            </a:endParaRPr>
+          </a:p>
+          <a:p>
+            <a:pPr>
+              <a:lnSpc>
+                <a:spcPct val="100000"/>
+              </a:lnSpc>
+            </a:pPr>
+            <a:r>
+              <a:rPr b="0" lang="pl-PL" sz="1400" spc="-1" strike="noStrike">
                 <a:solidFill>
                   <a:srgbClr val="ffffff"/>
                 </a:solidFill>
@@ -8428,7 +8428,7 @@
               <a:t>    </a:t>
             </a:r>
             <a:r>
-              <a:rPr b="0" lang="pl-PL" sz="1800" spc="-1" strike="noStrike">
+              <a:rPr b="0" lang="pl-PL" sz="1400" spc="-1" strike="noStrike">
                 <a:solidFill>
                   <a:srgbClr val="ffffff"/>
                 </a:solidFill>
@@ -8437,38 +8437,128 @@
               </a:rPr>
               <a:t>private int currentSpeed;</a:t>
             </a:r>
-            <a:endParaRPr b="0" lang="pl-PL" sz="1800" spc="-1" strike="noStrike">
-              <a:latin typeface="Arial"/>
-            </a:endParaRPr>
-          </a:p>
-          <a:p>
-            <a:pPr>
-              <a:lnSpc>
-                <a:spcPct val="100000"/>
-              </a:lnSpc>
-            </a:pPr>
-            <a:endParaRPr b="0" lang="pl-PL" sz="1800" spc="-1" strike="noStrike">
-              <a:latin typeface="Arial"/>
-            </a:endParaRPr>
-          </a:p>
-          <a:p>
-            <a:pPr>
-              <a:lnSpc>
-                <a:spcPct val="100000"/>
-              </a:lnSpc>
-            </a:pPr>
-            <a:r>
-              <a:rPr b="0" lang="pl-PL" sz="1800" spc="-1" strike="noStrike">
-                <a:solidFill>
-                  <a:srgbClr val="ffffff"/>
-                </a:solidFill>
-                <a:latin typeface="Arial"/>
-                <a:ea typeface="DejaVu Sans"/>
+            <a:endParaRPr b="0" lang="pl-PL" sz="1400" spc="-1" strike="noStrike">
+              <a:latin typeface="Arial"/>
+            </a:endParaRPr>
+          </a:p>
+          <a:p>
+            <a:pPr>
+              <a:lnSpc>
+                <a:spcPct val="100000"/>
+              </a:lnSpc>
+            </a:pPr>
+            <a:endParaRPr b="0" lang="pl-PL" sz="1400" spc="-1" strike="noStrike">
+              <a:latin typeface="Arial"/>
+            </a:endParaRPr>
+          </a:p>
+          <a:p>
+            <a:r>
+              <a:rPr b="0" lang="pl-PL" sz="1400" spc="-1" strike="noStrike">
+                <a:solidFill>
+                  <a:srgbClr val="ffffff"/>
+                </a:solidFill>
+                <a:latin typeface="Arial"/>
+                <a:ea typeface="Consolas"/>
               </a:rPr>
               <a:t>    </a:t>
             </a:r>
             <a:r>
-              <a:rPr b="0" lang="pl-PL" sz="1800" spc="-1" strike="noStrike">
+              <a:rPr b="0" lang="pl-PL" sz="1400" spc="-1" strike="noStrike">
+                <a:solidFill>
+                  <a:srgbClr val="ffffff"/>
+                </a:solidFill>
+                <a:latin typeface="Arial"/>
+                <a:ea typeface="Consolas"/>
+              </a:rPr>
+              <a:t>public Car(String brand, String model, int maxSpeed, int     currentSpeed) {</a:t>
+            </a:r>
+            <a:br/>
+            <a:r>
+              <a:rPr b="0" lang="pl-PL" sz="1400" spc="-1" strike="noStrike">
+                <a:solidFill>
+                  <a:srgbClr val="ffffff"/>
+                </a:solidFill>
+                <a:latin typeface="Arial"/>
+                <a:ea typeface="Consolas"/>
+              </a:rPr>
+              <a:t>        this.brand = brand;</a:t>
+            </a:r>
+            <a:br/>
+            <a:r>
+              <a:rPr b="0" lang="pl-PL" sz="1400" spc="-1" strike="noStrike">
+                <a:solidFill>
+                  <a:srgbClr val="ffffff"/>
+                </a:solidFill>
+                <a:latin typeface="Arial"/>
+                <a:ea typeface="Consolas"/>
+              </a:rPr>
+              <a:t>        this.model = model;</a:t>
+            </a:r>
+            <a:br/>
+            <a:r>
+              <a:rPr b="0" lang="pl-PL" sz="1400" spc="-1" strike="noStrike">
+                <a:solidFill>
+                  <a:srgbClr val="ffffff"/>
+                </a:solidFill>
+                <a:latin typeface="Arial"/>
+                <a:ea typeface="Consolas"/>
+              </a:rPr>
+              <a:t>        this.maxSpeed = maxSpeed;</a:t>
+            </a:r>
+            <a:br/>
+            <a:r>
+              <a:rPr b="0" lang="pl-PL" sz="1400" spc="-1" strike="noStrike">
+                <a:solidFill>
+                  <a:srgbClr val="ffffff"/>
+                </a:solidFill>
+                <a:latin typeface="Arial"/>
+                <a:ea typeface="Consolas"/>
+              </a:rPr>
+              <a:t>        this.currentSpeed = currentSpeed;</a:t>
+            </a:r>
+            <a:br/>
+            <a:r>
+              <a:rPr b="0" lang="pl-PL" sz="1400" spc="-1" strike="noStrike">
+                <a:solidFill>
+                  <a:srgbClr val="ffffff"/>
+                </a:solidFill>
+                <a:latin typeface="Arial"/>
+                <a:ea typeface="Consolas"/>
+              </a:rPr>
+              <a:t>    }</a:t>
+            </a:r>
+            <a:endParaRPr b="0" lang="pl-PL" sz="1400" spc="-1" strike="noStrike">
+              <a:latin typeface="Arial"/>
+            </a:endParaRPr>
+          </a:p>
+          <a:p>
+            <a:pPr>
+              <a:lnSpc>
+                <a:spcPct val="100000"/>
+              </a:lnSpc>
+            </a:pPr>
+            <a:endParaRPr b="0" lang="pl-PL" sz="1400" spc="-1" strike="noStrike">
+              <a:latin typeface="Arial"/>
+            </a:endParaRPr>
+          </a:p>
+          <a:p>
+            <a:pPr>
+              <a:lnSpc>
+                <a:spcPct val="100000"/>
+              </a:lnSpc>
+            </a:pPr>
+            <a:r>
+              <a:rPr b="0" lang="pl-PL" sz="1400" spc="-1" strike="noStrike">
+                <a:solidFill>
+                  <a:srgbClr val="ffffff"/>
+                </a:solidFill>
+                <a:latin typeface="Arial"/>
+                <a:ea typeface="DejaVu Sans"/>
+              </a:rPr>
+              <a:t>    </a:t>
+            </a:r>
+            <a:r>
+              <a:rPr b="0" lang="pl-PL" sz="1400" spc="-1" strike="noStrike">
                 <a:solidFill>
                   <a:srgbClr val="ffffff"/>
                 </a:solidFill>
@@ -8477,18 +8567,18 @@
               </a:rPr>
               <a:t>public String getBrand() {</a:t>
             </a:r>
-            <a:endParaRPr b="0" lang="pl-PL" sz="1800" spc="-1" strike="noStrike">
-              <a:latin typeface="Arial"/>
-            </a:endParaRPr>
-          </a:p>
-          <a:p>
-            <a:pPr>
-              <a:lnSpc>
-                <a:spcPct val="100000"/>
-              </a:lnSpc>
-            </a:pPr>
-            <a:r>
-              <a:rPr b="0" lang="pl-PL" sz="1800" spc="-1" strike="noStrike">
+            <a:endParaRPr b="0" lang="pl-PL" sz="1400" spc="-1" strike="noStrike">
+              <a:latin typeface="Arial"/>
+            </a:endParaRPr>
+          </a:p>
+          <a:p>
+            <a:pPr>
+              <a:lnSpc>
+                <a:spcPct val="100000"/>
+              </a:lnSpc>
+            </a:pPr>
+            <a:r>
+              <a:rPr b="0" lang="pl-PL" sz="1400" spc="-1" strike="noStrike">
                 <a:solidFill>
                   <a:srgbClr val="ffffff"/>
                 </a:solidFill>
@@ -8498,7 +8588,7 @@
               <a:t>        </a:t>
             </a:r>
             <a:r>
-              <a:rPr b="0" lang="pl-PL" sz="1800" spc="-1" strike="noStrike">
+              <a:rPr b="0" lang="pl-PL" sz="1400" spc="-1" strike="noStrike">
                 <a:solidFill>
                   <a:srgbClr val="ffffff"/>
                 </a:solidFill>
@@ -8507,18 +8597,18 @@
               </a:rPr>
               <a:t>return brand;</a:t>
             </a:r>
-            <a:endParaRPr b="0" lang="pl-PL" sz="1800" spc="-1" strike="noStrike">
-              <a:latin typeface="Arial"/>
-            </a:endParaRPr>
-          </a:p>
-          <a:p>
-            <a:pPr>
-              <a:lnSpc>
-                <a:spcPct val="100000"/>
-              </a:lnSpc>
-            </a:pPr>
-            <a:r>
-              <a:rPr b="0" lang="pl-PL" sz="1800" spc="-1" strike="noStrike">
+            <a:endParaRPr b="0" lang="pl-PL" sz="1400" spc="-1" strike="noStrike">
+              <a:latin typeface="Arial"/>
+            </a:endParaRPr>
+          </a:p>
+          <a:p>
+            <a:pPr>
+              <a:lnSpc>
+                <a:spcPct val="100000"/>
+              </a:lnSpc>
+            </a:pPr>
+            <a:r>
+              <a:rPr b="0" lang="pl-PL" sz="1400" spc="-1" strike="noStrike">
                 <a:solidFill>
                   <a:srgbClr val="ffffff"/>
                 </a:solidFill>
@@ -8528,7 +8618,7 @@
               <a:t>    </a:t>
             </a:r>
             <a:r>
-              <a:rPr b="0" lang="pl-PL" sz="1800" spc="-1" strike="noStrike">
+              <a:rPr b="0" lang="pl-PL" sz="1400" spc="-1" strike="noStrike">
                 <a:solidFill>
                   <a:srgbClr val="ffffff"/>
                 </a:solidFill>
@@ -8537,28 +8627,28 @@
               </a:rPr>
               <a:t>}</a:t>
             </a:r>
-            <a:endParaRPr b="0" lang="pl-PL" sz="1800" spc="-1" strike="noStrike">
-              <a:latin typeface="Arial"/>
-            </a:endParaRPr>
-          </a:p>
-          <a:p>
-            <a:pPr>
-              <a:lnSpc>
-                <a:spcPct val="100000"/>
-              </a:lnSpc>
-            </a:pPr>
-            <a:endParaRPr b="0" lang="pl-PL" sz="1800" spc="-1" strike="noStrike">
-              <a:latin typeface="Arial"/>
-            </a:endParaRPr>
-          </a:p>
-          <a:p>
-            <a:pPr>
-              <a:lnSpc>
-                <a:spcPct val="100000"/>
-              </a:lnSpc>
-            </a:pPr>
-            <a:r>
-              <a:rPr b="0" lang="pl-PL" sz="1800" spc="-1" strike="noStrike">
+            <a:endParaRPr b="0" lang="pl-PL" sz="1400" spc="-1" strike="noStrike">
+              <a:latin typeface="Arial"/>
+            </a:endParaRPr>
+          </a:p>
+          <a:p>
+            <a:pPr>
+              <a:lnSpc>
+                <a:spcPct val="100000"/>
+              </a:lnSpc>
+            </a:pPr>
+            <a:endParaRPr b="0" lang="pl-PL" sz="1400" spc="-1" strike="noStrike">
+              <a:latin typeface="Arial"/>
+            </a:endParaRPr>
+          </a:p>
+          <a:p>
+            <a:pPr>
+              <a:lnSpc>
+                <a:spcPct val="100000"/>
+              </a:lnSpc>
+            </a:pPr>
+            <a:r>
+              <a:rPr b="0" lang="pl-PL" sz="1400" spc="-1" strike="noStrike">
                 <a:solidFill>
                   <a:srgbClr val="ffffff"/>
                 </a:solidFill>
@@ -8568,7 +8658,7 @@
               <a:t>    </a:t>
             </a:r>
             <a:r>
-              <a:rPr b="0" lang="pl-PL" sz="1800" spc="-1" strike="noStrike">
+              <a:rPr b="0" lang="pl-PL" sz="1400" spc="-1" strike="noStrike">
                 <a:solidFill>
                   <a:srgbClr val="ffffff"/>
                 </a:solidFill>
@@ -8577,18 +8667,18 @@
               </a:rPr>
               <a:t>public void setBrand(String brand) {</a:t>
             </a:r>
-            <a:endParaRPr b="0" lang="pl-PL" sz="1800" spc="-1" strike="noStrike">
-              <a:latin typeface="Arial"/>
-            </a:endParaRPr>
-          </a:p>
-          <a:p>
-            <a:pPr>
-              <a:lnSpc>
-                <a:spcPct val="100000"/>
-              </a:lnSpc>
-            </a:pPr>
-            <a:r>
-              <a:rPr b="0" lang="pl-PL" sz="1800" spc="-1" strike="noStrike">
+            <a:endParaRPr b="0" lang="pl-PL" sz="1400" spc="-1" strike="noStrike">
+              <a:latin typeface="Arial"/>
+            </a:endParaRPr>
+          </a:p>
+          <a:p>
+            <a:pPr>
+              <a:lnSpc>
+                <a:spcPct val="100000"/>
+              </a:lnSpc>
+            </a:pPr>
+            <a:r>
+              <a:rPr b="0" lang="pl-PL" sz="1400" spc="-1" strike="noStrike">
                 <a:solidFill>
                   <a:srgbClr val="ffffff"/>
                 </a:solidFill>
@@ -8598,7 +8688,7 @@
               <a:t>        </a:t>
             </a:r>
             <a:r>
-              <a:rPr b="0" lang="pl-PL" sz="1800" spc="-1" strike="noStrike">
+              <a:rPr b="0" lang="pl-PL" sz="1400" spc="-1" strike="noStrike">
                 <a:solidFill>
                   <a:srgbClr val="ffffff"/>
                 </a:solidFill>
@@ -8607,18 +8697,18 @@
               </a:rPr>
               <a:t>this.brand = brand;</a:t>
             </a:r>
-            <a:endParaRPr b="0" lang="pl-PL" sz="1800" spc="-1" strike="noStrike">
-              <a:latin typeface="Arial"/>
-            </a:endParaRPr>
-          </a:p>
-          <a:p>
-            <a:pPr>
-              <a:lnSpc>
-                <a:spcPct val="100000"/>
-              </a:lnSpc>
-            </a:pPr>
-            <a:r>
-              <a:rPr b="0" lang="pl-PL" sz="1800" spc="-1" strike="noStrike">
+            <a:endParaRPr b="0" lang="pl-PL" sz="1400" spc="-1" strike="noStrike">
+              <a:latin typeface="Arial"/>
+            </a:endParaRPr>
+          </a:p>
+          <a:p>
+            <a:pPr>
+              <a:lnSpc>
+                <a:spcPct val="100000"/>
+              </a:lnSpc>
+            </a:pPr>
+            <a:r>
+              <a:rPr b="0" lang="pl-PL" sz="1400" spc="-1" strike="noStrike">
                 <a:solidFill>
                   <a:srgbClr val="ffffff"/>
                 </a:solidFill>
@@ -8628,7 +8718,7 @@
               <a:t>    </a:t>
             </a:r>
             <a:r>
-              <a:rPr b="0" lang="pl-PL" sz="1800" spc="-1" strike="noStrike">
+              <a:rPr b="0" lang="pl-PL" sz="1400" spc="-1" strike="noStrike">
                 <a:solidFill>
                   <a:srgbClr val="ffffff"/>
                 </a:solidFill>
@@ -8637,28 +8727,28 @@
               </a:rPr>
               <a:t>}</a:t>
             </a:r>
-            <a:endParaRPr b="0" lang="pl-PL" sz="1800" spc="-1" strike="noStrike">
-              <a:latin typeface="Arial"/>
-            </a:endParaRPr>
-          </a:p>
-          <a:p>
-            <a:pPr>
-              <a:lnSpc>
-                <a:spcPct val="100000"/>
-              </a:lnSpc>
-            </a:pPr>
-            <a:endParaRPr b="0" lang="pl-PL" sz="1800" spc="-1" strike="noStrike">
-              <a:latin typeface="Arial"/>
-            </a:endParaRPr>
-          </a:p>
-          <a:p>
-            <a:pPr>
-              <a:lnSpc>
-                <a:spcPct val="100000"/>
-              </a:lnSpc>
-            </a:pPr>
-            <a:r>
-              <a:rPr b="0" lang="pl-PL" sz="1800" spc="-1" strike="noStrike">
+            <a:endParaRPr b="0" lang="pl-PL" sz="1400" spc="-1" strike="noStrike">
+              <a:latin typeface="Arial"/>
+            </a:endParaRPr>
+          </a:p>
+          <a:p>
+            <a:pPr>
+              <a:lnSpc>
+                <a:spcPct val="100000"/>
+              </a:lnSpc>
+            </a:pPr>
+            <a:endParaRPr b="0" lang="pl-PL" sz="1400" spc="-1" strike="noStrike">
+              <a:latin typeface="Arial"/>
+            </a:endParaRPr>
+          </a:p>
+          <a:p>
+            <a:pPr>
+              <a:lnSpc>
+                <a:spcPct val="100000"/>
+              </a:lnSpc>
+            </a:pPr>
+            <a:r>
+              <a:rPr b="0" lang="pl-PL" sz="1400" spc="-1" strike="noStrike">
                 <a:solidFill>
                   <a:srgbClr val="ffffff"/>
                 </a:solidFill>
@@ -8668,7 +8758,7 @@
               <a:t>    </a:t>
             </a:r>
             <a:r>
-              <a:rPr b="0" lang="pl-PL" sz="1800" spc="-1" strike="noStrike">
+              <a:rPr b="0" lang="pl-PL" sz="1400" spc="-1" strike="noStrike">
                 <a:solidFill>
                   <a:srgbClr val="ffffff"/>
                 </a:solidFill>
@@ -8677,18 +8767,18 @@
               </a:rPr>
               <a:t>public void accelerate(int value){</a:t>
             </a:r>
-            <a:endParaRPr b="0" lang="pl-PL" sz="1800" spc="-1" strike="noStrike">
-              <a:latin typeface="Arial"/>
-            </a:endParaRPr>
-          </a:p>
-          <a:p>
-            <a:pPr>
-              <a:lnSpc>
-                <a:spcPct val="100000"/>
-              </a:lnSpc>
-            </a:pPr>
-            <a:r>
-              <a:rPr b="0" lang="pl-PL" sz="1800" spc="-1" strike="noStrike">
+            <a:endParaRPr b="0" lang="pl-PL" sz="1400" spc="-1" strike="noStrike">
+              <a:latin typeface="Arial"/>
+            </a:endParaRPr>
+          </a:p>
+          <a:p>
+            <a:pPr>
+              <a:lnSpc>
+                <a:spcPct val="100000"/>
+              </a:lnSpc>
+            </a:pPr>
+            <a:r>
+              <a:rPr b="0" lang="pl-PL" sz="1400" spc="-1" strike="noStrike">
                 <a:solidFill>
                   <a:srgbClr val="ffffff"/>
                 </a:solidFill>
@@ -8698,7 +8788,7 @@
               <a:t>        </a:t>
             </a:r>
             <a:r>
-              <a:rPr b="0" lang="pl-PL" sz="1800" spc="-1" strike="noStrike">
+              <a:rPr b="0" lang="pl-PL" sz="1400" spc="-1" strike="noStrike">
                 <a:solidFill>
                   <a:srgbClr val="ffffff"/>
                 </a:solidFill>
@@ -8707,18 +8797,18 @@
               </a:rPr>
               <a:t>currentSpeed+=value;</a:t>
             </a:r>
-            <a:endParaRPr b="0" lang="pl-PL" sz="1800" spc="-1" strike="noStrike">
-              <a:latin typeface="Arial"/>
-            </a:endParaRPr>
-          </a:p>
-          <a:p>
-            <a:pPr>
-              <a:lnSpc>
-                <a:spcPct val="100000"/>
-              </a:lnSpc>
-            </a:pPr>
-            <a:r>
-              <a:rPr b="0" lang="pl-PL" sz="1800" spc="-1" strike="noStrike">
+            <a:endParaRPr b="0" lang="pl-PL" sz="1400" spc="-1" strike="noStrike">
+              <a:latin typeface="Arial"/>
+            </a:endParaRPr>
+          </a:p>
+          <a:p>
+            <a:pPr>
+              <a:lnSpc>
+                <a:spcPct val="100000"/>
+              </a:lnSpc>
+            </a:pPr>
+            <a:r>
+              <a:rPr b="0" lang="pl-PL" sz="1400" spc="-1" strike="noStrike">
                 <a:solidFill>
                   <a:srgbClr val="ffffff"/>
                 </a:solidFill>
@@ -8728,7 +8818,7 @@
               <a:t>    </a:t>
             </a:r>
             <a:r>
-              <a:rPr b="0" lang="pl-PL" sz="1800" spc="-1" strike="noStrike">
+              <a:rPr b="0" lang="pl-PL" sz="1400" spc="-1" strike="noStrike">
                 <a:solidFill>
                   <a:srgbClr val="ffffff"/>
                 </a:solidFill>
@@ -8737,18 +8827,18 @@
               </a:rPr>
               <a:t>} </a:t>
             </a:r>
-            <a:endParaRPr b="0" lang="pl-PL" sz="1800" spc="-1" strike="noStrike">
-              <a:latin typeface="Arial"/>
-            </a:endParaRPr>
-          </a:p>
-          <a:p>
-            <a:pPr>
-              <a:lnSpc>
-                <a:spcPct val="100000"/>
-              </a:lnSpc>
-            </a:pPr>
-            <a:r>
-              <a:rPr b="0" lang="pl-PL" sz="1800" spc="-1" strike="noStrike">
+            <a:endParaRPr b="0" lang="pl-PL" sz="1400" spc="-1" strike="noStrike">
+              <a:latin typeface="Arial"/>
+            </a:endParaRPr>
+          </a:p>
+          <a:p>
+            <a:pPr>
+              <a:lnSpc>
+                <a:spcPct val="100000"/>
+              </a:lnSpc>
+            </a:pPr>
+            <a:r>
+              <a:rPr b="0" lang="pl-PL" sz="1400" spc="-1" strike="noStrike">
                 <a:solidFill>
                   <a:srgbClr val="ffffff"/>
                 </a:solidFill>
@@ -8757,7 +8847,7 @@
               </a:rPr>
               <a:t>}</a:t>
             </a:r>
-            <a:endParaRPr b="0" lang="pl-PL" sz="1800" spc="-1" strike="noStrike">
+            <a:endParaRPr b="0" lang="pl-PL" sz="1400" spc="-1" strike="noStrike">
               <a:latin typeface="Arial"/>
             </a:endParaRPr>
           </a:p>
@@ -8771,8 +8861,8 @@
         </p:nvSpPr>
         <p:spPr>
           <a:xfrm>
-            <a:off x="4032000" y="936000"/>
-            <a:ext cx="1990440" cy="355320"/>
+            <a:off x="1800000" y="861840"/>
+            <a:ext cx="1990080" cy="354960"/>
           </a:xfrm>
           <a:prstGeom prst="rect">
             <a:avLst/>
@@ -8822,8 +8912,8 @@
         </p:nvSpPr>
         <p:spPr>
           <a:xfrm>
-            <a:off x="4608000" y="1593360"/>
-            <a:ext cx="1304640" cy="355320"/>
+            <a:off x="2428200" y="1589040"/>
+            <a:ext cx="1304280" cy="354960"/>
           </a:xfrm>
           <a:prstGeom prst="rect">
             <a:avLst/>
@@ -8873,8 +8963,8 @@
         </p:nvSpPr>
         <p:spPr>
           <a:xfrm>
-            <a:off x="4266000" y="2958480"/>
-            <a:ext cx="1990440" cy="355320"/>
+            <a:off x="2113920" y="3960000"/>
+            <a:ext cx="1990080" cy="354960"/>
           </a:xfrm>
           <a:prstGeom prst="rect">
             <a:avLst/>
@@ -8909,6 +8999,57 @@
                 <a:ea typeface="DejaVu Sans"/>
               </a:rPr>
               <a:t>Metody klasy</a:t>
+            </a:r>
+            <a:endParaRPr b="0" lang="pl-PL" sz="1800" spc="-1" strike="noStrike">
+              <a:latin typeface="Arial"/>
+            </a:endParaRPr>
+          </a:p>
+        </p:txBody>
+      </p:sp>
+      <p:sp>
+        <p:nvSpPr>
+          <p:cNvPr id="137" name="CustomShape 6"/>
+          <p:cNvSpPr/>
+          <p:nvPr/>
+        </p:nvSpPr>
+        <p:spPr>
+          <a:xfrm>
+            <a:off x="2295720" y="2453040"/>
+            <a:ext cx="1592280" cy="354960"/>
+          </a:xfrm>
+          <a:prstGeom prst="rect">
+            <a:avLst/>
+          </a:prstGeom>
+          <a:noFill/>
+          <a:ln>
+            <a:noFill/>
+          </a:ln>
+        </p:spPr>
+        <p:style>
+          <a:lnRef idx="0"/>
+          <a:fillRef idx="0"/>
+          <a:effectRef idx="0"/>
+          <a:fontRef idx="minor"/>
+        </p:style>
+        <p:txBody>
+          <a:bodyPr lIns="90000" rIns="90000" tIns="45000" bIns="45000">
+            <a:noAutofit/>
+          </a:bodyPr>
+          <a:p>
+            <a:pPr>
+              <a:lnSpc>
+                <a:spcPct val="100000"/>
+              </a:lnSpc>
+            </a:pPr>
+            <a:r>
+              <a:rPr b="0" lang="pl-PL" sz="1800" spc="-1" strike="noStrike">
+                <a:solidFill>
+                  <a:srgbClr val="00a65d"/>
+                </a:solidFill>
+                <a:latin typeface="Arial"/>
+                <a:ea typeface="DejaVu Sans"/>
+              </a:rPr>
+              <a:t>Konstruktor</a:t>
             </a:r>
             <a:endParaRPr b="0" lang="pl-PL" sz="1800" spc="-1" strike="noStrike">
               <a:latin typeface="Arial"/>
@@ -8948,14 +9089,14 @@
       </p:grpSpPr>
       <p:sp>
         <p:nvSpPr>
-          <p:cNvPr id="137" name="CustomShape 1"/>
+          <p:cNvPr id="138" name="CustomShape 1"/>
           <p:cNvSpPr/>
           <p:nvPr/>
         </p:nvSpPr>
         <p:spPr>
           <a:xfrm>
             <a:off x="1561680" y="0"/>
-            <a:ext cx="9061920" cy="1252800"/>
+            <a:ext cx="9061560" cy="1252440"/>
           </a:xfrm>
           <a:prstGeom prst="rect">
             <a:avLst/>
@@ -8999,14 +9140,14 @@
       </p:sp>
       <p:sp>
         <p:nvSpPr>
-          <p:cNvPr id="138" name="CustomShape 2"/>
+          <p:cNvPr id="139" name="CustomShape 2"/>
           <p:cNvSpPr/>
           <p:nvPr/>
         </p:nvSpPr>
         <p:spPr>
           <a:xfrm>
             <a:off x="1656000" y="1440000"/>
-            <a:ext cx="5219640" cy="4349880"/>
+            <a:ext cx="5219280" cy="4349520"/>
           </a:xfrm>
           <a:prstGeom prst="rect">
             <a:avLst/>
@@ -9130,14 +9271,14 @@
       </p:sp>
       <p:sp>
         <p:nvSpPr>
-          <p:cNvPr id="139" name="CustomShape 3"/>
+          <p:cNvPr id="140" name="CustomShape 3"/>
           <p:cNvSpPr/>
           <p:nvPr/>
         </p:nvSpPr>
         <p:spPr>
           <a:xfrm>
             <a:off x="7650720" y="2049840"/>
-            <a:ext cx="3323880" cy="2549880"/>
+            <a:ext cx="3323520" cy="2549520"/>
           </a:xfrm>
           <a:prstGeom prst="rect">
             <a:avLst/>
@@ -9381,14 +9522,14 @@
       </p:grpSpPr>
       <p:sp>
         <p:nvSpPr>
-          <p:cNvPr id="140" name="CustomShape 1"/>
+          <p:cNvPr id="141" name="CustomShape 1"/>
           <p:cNvSpPr/>
           <p:nvPr/>
         </p:nvSpPr>
         <p:spPr>
           <a:xfrm>
             <a:off x="1561680" y="0"/>
-            <a:ext cx="9061920" cy="1252800"/>
+            <a:ext cx="9061560" cy="1252440"/>
           </a:xfrm>
           <a:prstGeom prst="rect">
             <a:avLst/>
@@ -9432,14 +9573,14 @@
       </p:sp>
       <p:sp>
         <p:nvSpPr>
-          <p:cNvPr id="141" name="CustomShape 2"/>
+          <p:cNvPr id="142" name="CustomShape 2"/>
           <p:cNvSpPr/>
           <p:nvPr/>
         </p:nvSpPr>
         <p:spPr>
           <a:xfrm>
             <a:off x="1699920" y="936000"/>
-            <a:ext cx="5219640" cy="6836400"/>
+            <a:ext cx="5219280" cy="6836040"/>
           </a:xfrm>
           <a:prstGeom prst="rect">
             <a:avLst/>
@@ -9693,14 +9834,14 @@
       </p:sp>
       <p:sp>
         <p:nvSpPr>
-          <p:cNvPr id="142" name="CustomShape 3"/>
+          <p:cNvPr id="143" name="CustomShape 3"/>
           <p:cNvSpPr/>
           <p:nvPr/>
         </p:nvSpPr>
         <p:spPr>
           <a:xfrm>
             <a:off x="7536600" y="1512000"/>
-            <a:ext cx="4480560" cy="4191480"/>
+            <a:ext cx="4480200" cy="4191120"/>
           </a:xfrm>
           <a:prstGeom prst="rect">
             <a:avLst/>
@@ -10274,14 +10415,14 @@
       </p:grpSpPr>
       <p:sp>
         <p:nvSpPr>
-          <p:cNvPr id="143" name="CustomShape 1"/>
+          <p:cNvPr id="144" name="CustomShape 1"/>
           <p:cNvSpPr/>
           <p:nvPr/>
         </p:nvSpPr>
         <p:spPr>
           <a:xfrm>
             <a:off x="1561680" y="0"/>
-            <a:ext cx="9061920" cy="1252800"/>
+            <a:ext cx="9061560" cy="1252440"/>
           </a:xfrm>
           <a:prstGeom prst="rect">
             <a:avLst/>
@@ -10325,14 +10466,14 @@
       </p:sp>
       <p:sp>
         <p:nvSpPr>
-          <p:cNvPr id="144" name="CustomShape 2"/>
+          <p:cNvPr id="145" name="CustomShape 2"/>
           <p:cNvSpPr/>
           <p:nvPr/>
         </p:nvSpPr>
         <p:spPr>
           <a:xfrm>
             <a:off x="1296000" y="1259640"/>
-            <a:ext cx="4062960" cy="6178680"/>
+            <a:ext cx="4062600" cy="6178320"/>
           </a:xfrm>
           <a:prstGeom prst="rect">
             <a:avLst/>
@@ -10486,14 +10627,14 @@
       </p:sp>
       <p:sp>
         <p:nvSpPr>
-          <p:cNvPr id="145" name="CustomShape 3"/>
+          <p:cNvPr id="146" name="CustomShape 3"/>
           <p:cNvSpPr/>
           <p:nvPr/>
         </p:nvSpPr>
         <p:spPr>
           <a:xfrm rot="9000">
-            <a:off x="6045120" y="1410840"/>
-            <a:ext cx="5678640" cy="3096720"/>
+            <a:off x="6044760" y="1410480"/>
+            <a:ext cx="5678280" cy="3096360"/>
           </a:xfrm>
           <a:prstGeom prst="rect">
             <a:avLst/>
@@ -10717,14 +10858,14 @@
       </p:sp>
       <p:sp>
         <p:nvSpPr>
-          <p:cNvPr id="146" name="CustomShape 4"/>
+          <p:cNvPr id="147" name="CustomShape 4"/>
           <p:cNvSpPr/>
           <p:nvPr/>
         </p:nvSpPr>
         <p:spPr>
           <a:xfrm rot="9000">
-            <a:off x="6185520" y="4896360"/>
-            <a:ext cx="5678640" cy="1421640"/>
+            <a:off x="6185160" y="4896000"/>
+            <a:ext cx="5678280" cy="1421280"/>
           </a:xfrm>
           <a:prstGeom prst="rect">
             <a:avLst/>
@@ -10905,7 +11046,7 @@
         <p:spPr>
           <a:xfrm>
             <a:off x="1561680" y="1905480"/>
-            <a:ext cx="9061920" cy="1252800"/>
+            <a:ext cx="9061560" cy="1252440"/>
           </a:xfrm>
           <a:prstGeom prst="rect">
             <a:avLst/>
@@ -10979,14 +11120,14 @@
       </p:grpSpPr>
       <p:sp>
         <p:nvSpPr>
-          <p:cNvPr id="147" name="CustomShape 1"/>
+          <p:cNvPr id="148" name="CustomShape 1"/>
           <p:cNvSpPr/>
           <p:nvPr/>
         </p:nvSpPr>
         <p:spPr>
           <a:xfrm>
             <a:off x="1561680" y="0"/>
-            <a:ext cx="9061920" cy="1252800"/>
+            <a:ext cx="9061560" cy="1252440"/>
           </a:xfrm>
           <a:prstGeom prst="rect">
             <a:avLst/>
@@ -11030,14 +11171,14 @@
       </p:sp>
       <p:sp>
         <p:nvSpPr>
-          <p:cNvPr id="148" name="CustomShape 2"/>
+          <p:cNvPr id="149" name="CustomShape 2"/>
           <p:cNvSpPr/>
           <p:nvPr/>
         </p:nvSpPr>
         <p:spPr>
           <a:xfrm>
             <a:off x="1618560" y="1194480"/>
-            <a:ext cx="6366600" cy="6663960"/>
+            <a:ext cx="6366240" cy="6663600"/>
           </a:xfrm>
           <a:prstGeom prst="rect">
             <a:avLst/>
@@ -11311,14 +11452,14 @@
       </p:sp>
       <p:sp>
         <p:nvSpPr>
-          <p:cNvPr id="149" name="CustomShape 3"/>
+          <p:cNvPr id="150" name="CustomShape 3"/>
           <p:cNvSpPr/>
           <p:nvPr/>
         </p:nvSpPr>
         <p:spPr>
           <a:xfrm>
             <a:off x="8832600" y="1259640"/>
-            <a:ext cx="3832560" cy="5317560"/>
+            <a:ext cx="3832200" cy="5317200"/>
           </a:xfrm>
           <a:prstGeom prst="rect">
             <a:avLst/>
@@ -11972,7 +12113,7 @@
       </p:sp>
       <p:sp>
         <p:nvSpPr>
-          <p:cNvPr id="150" name="Line 4"/>
+          <p:cNvPr id="151" name="Line 4"/>
           <p:cNvSpPr/>
           <p:nvPr/>
         </p:nvSpPr>
@@ -12030,14 +12171,14 @@
       </p:grpSpPr>
       <p:sp>
         <p:nvSpPr>
-          <p:cNvPr id="151" name="CustomShape 1"/>
+          <p:cNvPr id="152" name="CustomShape 1"/>
           <p:cNvSpPr/>
           <p:nvPr/>
         </p:nvSpPr>
         <p:spPr>
           <a:xfrm>
             <a:off x="1561680" y="0"/>
-            <a:ext cx="9061920" cy="1252800"/>
+            <a:ext cx="9061560" cy="1252440"/>
           </a:xfrm>
           <a:prstGeom prst="rect">
             <a:avLst/>
@@ -12081,14 +12222,14 @@
       </p:sp>
       <p:sp>
         <p:nvSpPr>
-          <p:cNvPr id="152" name="CustomShape 2"/>
+          <p:cNvPr id="153" name="CustomShape 2"/>
           <p:cNvSpPr/>
           <p:nvPr/>
         </p:nvSpPr>
         <p:spPr>
           <a:xfrm>
             <a:off x="1472760" y="1082880"/>
-            <a:ext cx="5286960" cy="6110280"/>
+            <a:ext cx="5286600" cy="6109920"/>
           </a:xfrm>
           <a:prstGeom prst="rect">
             <a:avLst/>
@@ -12372,14 +12513,14 @@
       </p:sp>
       <p:sp>
         <p:nvSpPr>
-          <p:cNvPr id="153" name="CustomShape 3"/>
+          <p:cNvPr id="154" name="CustomShape 3"/>
           <p:cNvSpPr/>
           <p:nvPr/>
         </p:nvSpPr>
         <p:spPr>
           <a:xfrm>
             <a:off x="7176600" y="1193040"/>
-            <a:ext cx="3832560" cy="5317560"/>
+            <a:ext cx="3832200" cy="5317200"/>
           </a:xfrm>
           <a:prstGeom prst="rect">
             <a:avLst/>
@@ -12953,14 +13094,14 @@
       </p:grpSpPr>
       <p:sp>
         <p:nvSpPr>
-          <p:cNvPr id="154" name="CustomShape 1"/>
+          <p:cNvPr id="155" name="CustomShape 1"/>
           <p:cNvSpPr/>
           <p:nvPr/>
         </p:nvSpPr>
         <p:spPr>
           <a:xfrm>
             <a:off x="1561680" y="27720"/>
-            <a:ext cx="9061920" cy="1252800"/>
+            <a:ext cx="9061560" cy="1252440"/>
           </a:xfrm>
           <a:prstGeom prst="rect">
             <a:avLst/>
@@ -13004,14 +13145,14 @@
       </p:sp>
       <p:sp>
         <p:nvSpPr>
-          <p:cNvPr id="155" name="CustomShape 2"/>
+          <p:cNvPr id="156" name="CustomShape 2"/>
           <p:cNvSpPr/>
           <p:nvPr/>
         </p:nvSpPr>
         <p:spPr>
           <a:xfrm>
             <a:off x="1440000" y="1080000"/>
-            <a:ext cx="5727240" cy="5985720"/>
+            <a:ext cx="5726880" cy="5985360"/>
           </a:xfrm>
           <a:prstGeom prst="rect">
             <a:avLst/>
@@ -13265,14 +13406,14 @@
       </p:sp>
       <p:sp>
         <p:nvSpPr>
-          <p:cNvPr id="156" name="CustomShape 3"/>
+          <p:cNvPr id="157" name="CustomShape 3"/>
           <p:cNvSpPr/>
           <p:nvPr/>
         </p:nvSpPr>
         <p:spPr>
           <a:xfrm>
             <a:off x="7536600" y="1856520"/>
-            <a:ext cx="3832560" cy="5209200"/>
+            <a:ext cx="3832200" cy="5208840"/>
           </a:xfrm>
           <a:prstGeom prst="rect">
             <a:avLst/>
@@ -13586,14 +13727,14 @@
       </p:grpSpPr>
       <p:sp>
         <p:nvSpPr>
-          <p:cNvPr id="157" name="CustomShape 1"/>
+          <p:cNvPr id="158" name="CustomShape 1"/>
           <p:cNvSpPr/>
           <p:nvPr/>
         </p:nvSpPr>
         <p:spPr>
           <a:xfrm>
             <a:off x="1561680" y="0"/>
-            <a:ext cx="9061920" cy="1252800"/>
+            <a:ext cx="9061560" cy="1252440"/>
           </a:xfrm>
           <a:prstGeom prst="rect">
             <a:avLst/>
@@ -13637,14 +13778,14 @@
       </p:sp>
       <p:sp>
         <p:nvSpPr>
-          <p:cNvPr id="158" name="CustomShape 2"/>
+          <p:cNvPr id="159" name="CustomShape 2"/>
           <p:cNvSpPr/>
           <p:nvPr/>
         </p:nvSpPr>
         <p:spPr>
           <a:xfrm>
             <a:off x="1224000" y="1010880"/>
-            <a:ext cx="5624640" cy="6110280"/>
+            <a:ext cx="5624280" cy="6109920"/>
           </a:xfrm>
           <a:prstGeom prst="rect">
             <a:avLst/>
@@ -13928,14 +14069,14 @@
       </p:sp>
       <p:sp>
         <p:nvSpPr>
-          <p:cNvPr id="159" name="CustomShape 3"/>
+          <p:cNvPr id="160" name="CustomShape 3"/>
           <p:cNvSpPr/>
           <p:nvPr/>
         </p:nvSpPr>
         <p:spPr>
           <a:xfrm>
             <a:off x="7416000" y="1155600"/>
-            <a:ext cx="4403880" cy="5317560"/>
+            <a:ext cx="4403520" cy="5317200"/>
           </a:xfrm>
           <a:prstGeom prst="rect">
             <a:avLst/>
@@ -14389,14 +14530,14 @@
       </p:grpSpPr>
       <p:sp>
         <p:nvSpPr>
-          <p:cNvPr id="160" name="CustomShape 1"/>
+          <p:cNvPr id="161" name="CustomShape 1"/>
           <p:cNvSpPr/>
           <p:nvPr/>
         </p:nvSpPr>
         <p:spPr>
           <a:xfrm>
             <a:off x="1561680" y="0"/>
-            <a:ext cx="9061920" cy="1252800"/>
+            <a:ext cx="9061560" cy="1252440"/>
           </a:xfrm>
           <a:prstGeom prst="rect">
             <a:avLst/>
@@ -14440,14 +14581,14 @@
       </p:sp>
       <p:sp>
         <p:nvSpPr>
-          <p:cNvPr id="161" name="CustomShape 2"/>
+          <p:cNvPr id="162" name="CustomShape 2"/>
           <p:cNvSpPr/>
           <p:nvPr/>
         </p:nvSpPr>
         <p:spPr>
           <a:xfrm>
             <a:off x="1368000" y="1010880"/>
-            <a:ext cx="10491840" cy="6110280"/>
+            <a:ext cx="10491480" cy="6109920"/>
           </a:xfrm>
           <a:prstGeom prst="rect">
             <a:avLst/>
@@ -14621,7 +14762,7 @@
                 <a:latin typeface="Arial"/>
                 <a:ea typeface="DejaVu Sans"/>
               </a:rPr>
-              <a:t>toLowerCase, length i wiele innych</a:t>
+              <a:t>ToLowerCase, repeat, isBlank, isEmpty, length i wiele innych</a:t>
             </a:r>
             <a:endParaRPr b="0" lang="pl-PL" sz="2400" spc="-1" strike="noStrike">
               <a:latin typeface="Arial"/>
@@ -14761,14 +14902,14 @@
       </p:grpSpPr>
       <p:sp>
         <p:nvSpPr>
-          <p:cNvPr id="162" name="CustomShape 1"/>
+          <p:cNvPr id="163" name="CustomShape 1"/>
           <p:cNvSpPr/>
           <p:nvPr/>
         </p:nvSpPr>
         <p:spPr>
           <a:xfrm>
             <a:off x="1561680" y="0"/>
-            <a:ext cx="9061920" cy="1252800"/>
+            <a:ext cx="9061560" cy="1252440"/>
           </a:xfrm>
           <a:prstGeom prst="rect">
             <a:avLst/>
@@ -14812,14 +14953,14 @@
       </p:sp>
       <p:sp>
         <p:nvSpPr>
-          <p:cNvPr id="163" name="CustomShape 2"/>
+          <p:cNvPr id="164" name="CustomShape 2"/>
           <p:cNvSpPr/>
           <p:nvPr/>
         </p:nvSpPr>
         <p:spPr>
           <a:xfrm>
             <a:off x="1368000" y="1010880"/>
-            <a:ext cx="10491840" cy="6110280"/>
+            <a:ext cx="10491480" cy="6109920"/>
           </a:xfrm>
           <a:prstGeom prst="rect">
             <a:avLst/>
@@ -15113,14 +15254,14 @@
       </p:grpSpPr>
       <p:sp>
         <p:nvSpPr>
-          <p:cNvPr id="164" name="CustomShape 1"/>
+          <p:cNvPr id="165" name="CustomShape 1"/>
           <p:cNvSpPr/>
           <p:nvPr/>
         </p:nvSpPr>
         <p:spPr>
           <a:xfrm>
             <a:off x="1561680" y="0"/>
-            <a:ext cx="9061920" cy="1252800"/>
+            <a:ext cx="9061560" cy="1252440"/>
           </a:xfrm>
           <a:prstGeom prst="rect">
             <a:avLst/>
@@ -15164,14 +15305,14 @@
       </p:sp>
       <p:sp>
         <p:nvSpPr>
-          <p:cNvPr id="165" name="CustomShape 2"/>
+          <p:cNvPr id="166" name="CustomShape 2"/>
           <p:cNvSpPr/>
           <p:nvPr/>
         </p:nvSpPr>
         <p:spPr>
           <a:xfrm>
             <a:off x="587880" y="1946880"/>
-            <a:ext cx="6405840" cy="5101200"/>
+            <a:ext cx="6405480" cy="5100840"/>
           </a:xfrm>
           <a:prstGeom prst="rect">
             <a:avLst/>
@@ -15435,14 +15576,14 @@
       </p:sp>
       <p:sp>
         <p:nvSpPr>
-          <p:cNvPr id="166" name="CustomShape 3"/>
+          <p:cNvPr id="167" name="CustomShape 3"/>
           <p:cNvSpPr/>
           <p:nvPr/>
         </p:nvSpPr>
         <p:spPr>
           <a:xfrm>
             <a:off x="6999480" y="867600"/>
-            <a:ext cx="4686120" cy="6120000"/>
+            <a:ext cx="4685760" cy="6119640"/>
           </a:xfrm>
           <a:prstGeom prst="rect">
             <a:avLst/>
@@ -15916,14 +16057,14 @@
       </p:grpSpPr>
       <p:sp>
         <p:nvSpPr>
-          <p:cNvPr id="167" name="CustomShape 1"/>
+          <p:cNvPr id="168" name="CustomShape 1"/>
           <p:cNvSpPr/>
           <p:nvPr/>
         </p:nvSpPr>
         <p:spPr>
           <a:xfrm>
             <a:off x="1561680" y="0"/>
-            <a:ext cx="9061920" cy="1252800"/>
+            <a:ext cx="9061560" cy="1252440"/>
           </a:xfrm>
           <a:prstGeom prst="rect">
             <a:avLst/>
@@ -15967,14 +16108,14 @@
       </p:sp>
       <p:sp>
         <p:nvSpPr>
-          <p:cNvPr id="168" name="CustomShape 2"/>
+          <p:cNvPr id="169" name="CustomShape 2"/>
           <p:cNvSpPr/>
           <p:nvPr/>
         </p:nvSpPr>
         <p:spPr>
           <a:xfrm>
             <a:off x="1368000" y="1224000"/>
-            <a:ext cx="5106600" cy="4453200"/>
+            <a:ext cx="5106240" cy="4452840"/>
           </a:xfrm>
           <a:prstGeom prst="rect">
             <a:avLst/>
@@ -16108,14 +16249,14 @@
       </p:sp>
       <p:sp>
         <p:nvSpPr>
-          <p:cNvPr id="169" name="CustomShape 3"/>
+          <p:cNvPr id="170" name="CustomShape 3"/>
           <p:cNvSpPr/>
           <p:nvPr/>
         </p:nvSpPr>
         <p:spPr>
           <a:xfrm>
             <a:off x="6864120" y="1800000"/>
-            <a:ext cx="5322600" cy="5743440"/>
+            <a:ext cx="5322240" cy="5743080"/>
           </a:xfrm>
           <a:prstGeom prst="rect">
             <a:avLst/>
@@ -16436,14 +16577,14 @@
       </p:grpSpPr>
       <p:sp>
         <p:nvSpPr>
-          <p:cNvPr id="170" name="CustomShape 1"/>
+          <p:cNvPr id="171" name="CustomShape 1"/>
           <p:cNvSpPr/>
           <p:nvPr/>
         </p:nvSpPr>
         <p:spPr>
           <a:xfrm>
             <a:off x="1561680" y="0"/>
-            <a:ext cx="9061920" cy="1252800"/>
+            <a:ext cx="9061560" cy="1252440"/>
           </a:xfrm>
           <a:prstGeom prst="rect">
             <a:avLst/>
@@ -16487,14 +16628,14 @@
       </p:sp>
       <p:sp>
         <p:nvSpPr>
-          <p:cNvPr id="171" name="CustomShape 2"/>
+          <p:cNvPr id="172" name="CustomShape 2"/>
           <p:cNvSpPr/>
           <p:nvPr/>
         </p:nvSpPr>
         <p:spPr>
           <a:xfrm>
             <a:off x="1224000" y="1152000"/>
-            <a:ext cx="10583280" cy="1223280"/>
+            <a:ext cx="10582920" cy="1222920"/>
           </a:xfrm>
           <a:prstGeom prst="rect">
             <a:avLst/>
@@ -16608,14 +16749,14 @@
       </p:sp>
       <p:sp>
         <p:nvSpPr>
-          <p:cNvPr id="172" name="CustomShape 3"/>
+          <p:cNvPr id="173" name="CustomShape 3"/>
           <p:cNvSpPr/>
           <p:nvPr/>
         </p:nvSpPr>
         <p:spPr>
           <a:xfrm>
             <a:off x="3528000" y="2736000"/>
-            <a:ext cx="4191120" cy="1793520"/>
+            <a:ext cx="4190760" cy="1793160"/>
           </a:xfrm>
           <a:prstGeom prst="rect">
             <a:avLst/>
@@ -16829,14 +16970,14 @@
       </p:sp>
       <p:sp>
         <p:nvSpPr>
-          <p:cNvPr id="173" name="CustomShape 4"/>
+          <p:cNvPr id="174" name="CustomShape 4"/>
           <p:cNvSpPr/>
           <p:nvPr/>
         </p:nvSpPr>
         <p:spPr>
           <a:xfrm>
             <a:off x="1224000" y="4464000"/>
-            <a:ext cx="10583280" cy="1223280"/>
+            <a:ext cx="10582920" cy="1222920"/>
           </a:xfrm>
           <a:prstGeom prst="rect">
             <a:avLst/>
@@ -17030,14 +17171,14 @@
       </p:grpSpPr>
       <p:sp>
         <p:nvSpPr>
-          <p:cNvPr id="174" name="CustomShape 1"/>
+          <p:cNvPr id="175" name="CustomShape 1"/>
           <p:cNvSpPr/>
           <p:nvPr/>
         </p:nvSpPr>
         <p:spPr>
           <a:xfrm>
             <a:off x="1561680" y="0"/>
-            <a:ext cx="9061920" cy="1252800"/>
+            <a:ext cx="9061560" cy="1252440"/>
           </a:xfrm>
           <a:prstGeom prst="rect">
             <a:avLst/>
@@ -17081,14 +17222,14 @@
       </p:sp>
       <p:sp>
         <p:nvSpPr>
-          <p:cNvPr id="175" name="CustomShape 2"/>
+          <p:cNvPr id="176" name="CustomShape 2"/>
           <p:cNvSpPr/>
           <p:nvPr/>
         </p:nvSpPr>
         <p:spPr>
           <a:xfrm>
             <a:off x="1224360" y="936360"/>
-            <a:ext cx="10583280" cy="1223280"/>
+            <a:ext cx="10582920" cy="1222920"/>
           </a:xfrm>
           <a:prstGeom prst="rect">
             <a:avLst/>
@@ -17342,13 +17483,13 @@
       </p:sp>
       <p:graphicFrame>
         <p:nvGraphicFramePr>
-          <p:cNvPr id="176" name="Table 3"/>
+          <p:cNvPr id="177" name="Table 3"/>
           <p:cNvGraphicFramePr/>
           <p:nvPr/>
         </p:nvGraphicFramePr>
         <p:xfrm>
           <a:off x="2563920" y="4340160"/>
-          <a:ext cx="7540920" cy="2357280"/>
+          <a:ext cx="7540920" cy="2356920"/>
         </p:xfrm>
         <a:graphic>
           <a:graphicData uri="http://schemas.openxmlformats.org/drawingml/2006/table">
@@ -17994,7 +18135,7 @@
                   </a:tcPr>
                 </a:tc>
               </a:tr>
-              <a:tr h="338760">
+              <a:tr h="338400">
                 <a:tc>
                   <a:txBody>
                     <a:bodyPr lIns="90000" rIns="90000">
@@ -18143,7 +18284,7 @@
         <p:spPr>
           <a:xfrm>
             <a:off x="1561680" y="0"/>
-            <a:ext cx="9061920" cy="1252800"/>
+            <a:ext cx="9061560" cy="1252440"/>
           </a:xfrm>
           <a:prstGeom prst="rect">
             <a:avLst/>
@@ -18194,7 +18335,7 @@
         <p:spPr>
           <a:xfrm>
             <a:off x="1728000" y="1253880"/>
-            <a:ext cx="8848080" cy="4959720"/>
+            <a:ext cx="8847720" cy="4959360"/>
           </a:xfrm>
           <a:prstGeom prst="rect">
             <a:avLst/>
@@ -18488,14 +18629,14 @@
       </p:grpSpPr>
       <p:sp>
         <p:nvSpPr>
-          <p:cNvPr id="177" name="CustomShape 1"/>
+          <p:cNvPr id="178" name="CustomShape 1"/>
           <p:cNvSpPr/>
           <p:nvPr/>
         </p:nvSpPr>
         <p:spPr>
           <a:xfrm>
             <a:off x="1561680" y="1905480"/>
-            <a:ext cx="9061920" cy="1252800"/>
+            <a:ext cx="9061560" cy="1252440"/>
           </a:xfrm>
           <a:prstGeom prst="rect">
             <a:avLst/>
@@ -18569,14 +18710,14 @@
       </p:grpSpPr>
       <p:sp>
         <p:nvSpPr>
-          <p:cNvPr id="178" name="CustomShape 1"/>
+          <p:cNvPr id="179" name="CustomShape 1"/>
           <p:cNvSpPr/>
           <p:nvPr/>
         </p:nvSpPr>
         <p:spPr>
           <a:xfrm>
             <a:off x="1561680" y="0"/>
-            <a:ext cx="9061920" cy="1252800"/>
+            <a:ext cx="9061560" cy="1252440"/>
           </a:xfrm>
           <a:prstGeom prst="rect">
             <a:avLst/>
@@ -18620,14 +18761,14 @@
       </p:sp>
       <p:sp>
         <p:nvSpPr>
-          <p:cNvPr id="179" name="CustomShape 2"/>
+          <p:cNvPr id="180" name="CustomShape 2"/>
           <p:cNvSpPr/>
           <p:nvPr/>
         </p:nvSpPr>
         <p:spPr>
           <a:xfrm>
             <a:off x="1561680" y="1010880"/>
-            <a:ext cx="4063680" cy="6110280"/>
+            <a:ext cx="4063320" cy="6109920"/>
           </a:xfrm>
           <a:prstGeom prst="rect">
             <a:avLst/>
@@ -18811,14 +18952,14 @@
       </p:sp>
       <p:sp>
         <p:nvSpPr>
-          <p:cNvPr id="180" name="CustomShape 3"/>
+          <p:cNvPr id="181" name="CustomShape 3"/>
           <p:cNvSpPr/>
           <p:nvPr/>
         </p:nvSpPr>
         <p:spPr>
           <a:xfrm>
             <a:off x="8553960" y="1010880"/>
-            <a:ext cx="3832560" cy="2727360"/>
+            <a:ext cx="3832200" cy="2727000"/>
           </a:xfrm>
           <a:prstGeom prst="rect">
             <a:avLst/>
@@ -19002,14 +19143,14 @@
       </p:sp>
       <p:sp>
         <p:nvSpPr>
-          <p:cNvPr id="181" name="CustomShape 4"/>
+          <p:cNvPr id="182" name="CustomShape 4"/>
           <p:cNvSpPr/>
           <p:nvPr/>
         </p:nvSpPr>
         <p:spPr>
           <a:xfrm>
             <a:off x="5758560" y="2516400"/>
-            <a:ext cx="3832560" cy="2727360"/>
+            <a:ext cx="3832200" cy="2727000"/>
           </a:xfrm>
           <a:prstGeom prst="rect">
             <a:avLst/>
@@ -19593,14 +19734,14 @@
       </p:grpSpPr>
       <p:sp>
         <p:nvSpPr>
-          <p:cNvPr id="182" name="CustomShape 1"/>
+          <p:cNvPr id="183" name="CustomShape 1"/>
           <p:cNvSpPr/>
           <p:nvPr/>
         </p:nvSpPr>
         <p:spPr>
           <a:xfrm>
             <a:off x="1561680" y="0"/>
-            <a:ext cx="9061920" cy="1252800"/>
+            <a:ext cx="9061560" cy="1252440"/>
           </a:xfrm>
           <a:prstGeom prst="rect">
             <a:avLst/>
@@ -19644,14 +19785,14 @@
       </p:sp>
       <p:sp>
         <p:nvSpPr>
-          <p:cNvPr id="183" name="CustomShape 2"/>
+          <p:cNvPr id="184" name="CustomShape 2"/>
           <p:cNvSpPr/>
           <p:nvPr/>
         </p:nvSpPr>
         <p:spPr>
           <a:xfrm>
             <a:off x="1512000" y="1008000"/>
-            <a:ext cx="5321160" cy="6110280"/>
+            <a:ext cx="5320800" cy="6109920"/>
           </a:xfrm>
           <a:prstGeom prst="rect">
             <a:avLst/>
@@ -19825,14 +19966,14 @@
       </p:sp>
       <p:sp>
         <p:nvSpPr>
-          <p:cNvPr id="184" name="CustomShape 3"/>
+          <p:cNvPr id="185" name="CustomShape 3"/>
           <p:cNvSpPr/>
           <p:nvPr/>
         </p:nvSpPr>
         <p:spPr>
           <a:xfrm>
             <a:off x="7344000" y="1259640"/>
-            <a:ext cx="4696560" cy="5317560"/>
+            <a:ext cx="4696200" cy="5317200"/>
           </a:xfrm>
           <a:prstGeom prst="rect">
             <a:avLst/>
@@ -20196,14 +20337,14 @@
       </p:grpSpPr>
       <p:sp>
         <p:nvSpPr>
-          <p:cNvPr id="185" name="CustomShape 1"/>
+          <p:cNvPr id="186" name="CustomShape 1"/>
           <p:cNvSpPr/>
           <p:nvPr/>
         </p:nvSpPr>
         <p:spPr>
           <a:xfrm>
             <a:off x="1561680" y="0"/>
-            <a:ext cx="9061920" cy="1252800"/>
+            <a:ext cx="9061560" cy="1252440"/>
           </a:xfrm>
           <a:prstGeom prst="rect">
             <a:avLst/>
@@ -20247,14 +20388,14 @@
       </p:sp>
       <p:sp>
         <p:nvSpPr>
-          <p:cNvPr id="186" name="CustomShape 2"/>
+          <p:cNvPr id="187" name="CustomShape 2"/>
           <p:cNvSpPr/>
           <p:nvPr/>
         </p:nvSpPr>
         <p:spPr>
           <a:xfrm>
             <a:off x="936000" y="1560960"/>
-            <a:ext cx="5503680" cy="6208200"/>
+            <a:ext cx="5503320" cy="6207840"/>
           </a:xfrm>
           <a:prstGeom prst="rect">
             <a:avLst/>
@@ -20428,14 +20569,14 @@
       </p:sp>
       <p:sp>
         <p:nvSpPr>
-          <p:cNvPr id="187" name="CustomShape 3"/>
+          <p:cNvPr id="188" name="CustomShape 3"/>
           <p:cNvSpPr/>
           <p:nvPr/>
         </p:nvSpPr>
         <p:spPr>
           <a:xfrm>
             <a:off x="6984000" y="1443600"/>
-            <a:ext cx="4696560" cy="5317560"/>
+            <a:ext cx="4696200" cy="5317200"/>
           </a:xfrm>
           <a:prstGeom prst="rect">
             <a:avLst/>
@@ -21019,14 +21160,14 @@
       </p:grpSpPr>
       <p:sp>
         <p:nvSpPr>
-          <p:cNvPr id="188" name="CustomShape 1"/>
+          <p:cNvPr id="189" name="CustomShape 1"/>
           <p:cNvSpPr/>
           <p:nvPr/>
         </p:nvSpPr>
         <p:spPr>
           <a:xfrm>
             <a:off x="1561680" y="0"/>
-            <a:ext cx="9061920" cy="1252800"/>
+            <a:ext cx="9061560" cy="1252440"/>
           </a:xfrm>
           <a:prstGeom prst="rect">
             <a:avLst/>
@@ -21070,14 +21211,14 @@
       </p:sp>
       <p:sp>
         <p:nvSpPr>
-          <p:cNvPr id="189" name="CustomShape 2"/>
+          <p:cNvPr id="190" name="CustomShape 2"/>
           <p:cNvSpPr/>
           <p:nvPr/>
         </p:nvSpPr>
         <p:spPr>
           <a:xfrm>
             <a:off x="1440000" y="1152000"/>
-            <a:ext cx="5825160" cy="6110280"/>
+            <a:ext cx="5824800" cy="6109920"/>
           </a:xfrm>
           <a:prstGeom prst="rect">
             <a:avLst/>
@@ -21281,14 +21422,14 @@
       </p:sp>
       <p:sp>
         <p:nvSpPr>
-          <p:cNvPr id="190" name="CustomShape 3"/>
+          <p:cNvPr id="191" name="CustomShape 3"/>
           <p:cNvSpPr/>
           <p:nvPr/>
         </p:nvSpPr>
         <p:spPr>
           <a:xfrm>
             <a:off x="7848000" y="1368000"/>
-            <a:ext cx="4239360" cy="4654080"/>
+            <a:ext cx="4239000" cy="4653720"/>
           </a:xfrm>
           <a:prstGeom prst="rect">
             <a:avLst/>
@@ -21662,14 +21803,14 @@
       </p:grpSpPr>
       <p:sp>
         <p:nvSpPr>
-          <p:cNvPr id="191" name="CustomShape 1"/>
+          <p:cNvPr id="192" name="CustomShape 1"/>
           <p:cNvSpPr/>
           <p:nvPr/>
         </p:nvSpPr>
         <p:spPr>
           <a:xfrm>
             <a:off x="1561680" y="0"/>
-            <a:ext cx="9061920" cy="1252800"/>
+            <a:ext cx="9061560" cy="1252440"/>
           </a:xfrm>
           <a:prstGeom prst="rect">
             <a:avLst/>
@@ -21713,14 +21854,14 @@
       </p:sp>
       <p:sp>
         <p:nvSpPr>
-          <p:cNvPr id="192" name="CustomShape 2"/>
+          <p:cNvPr id="193" name="CustomShape 2"/>
           <p:cNvSpPr/>
           <p:nvPr/>
         </p:nvSpPr>
         <p:spPr>
           <a:xfrm>
             <a:off x="1152000" y="1514880"/>
-            <a:ext cx="5465160" cy="6110280"/>
+            <a:ext cx="5464800" cy="6109920"/>
           </a:xfrm>
           <a:prstGeom prst="rect">
             <a:avLst/>
@@ -21924,14 +22065,14 @@
       </p:sp>
       <p:sp>
         <p:nvSpPr>
-          <p:cNvPr id="193" name="CustomShape 3"/>
+          <p:cNvPr id="194" name="CustomShape 3"/>
           <p:cNvSpPr/>
           <p:nvPr/>
         </p:nvSpPr>
         <p:spPr>
           <a:xfrm>
             <a:off x="7560000" y="1387080"/>
-            <a:ext cx="4239360" cy="4654080"/>
+            <a:ext cx="4239000" cy="4653720"/>
           </a:xfrm>
           <a:prstGeom prst="rect">
             <a:avLst/>
@@ -22395,14 +22536,14 @@
       </p:grpSpPr>
       <p:sp>
         <p:nvSpPr>
-          <p:cNvPr id="194" name="CustomShape 1"/>
+          <p:cNvPr id="195" name="CustomShape 1"/>
           <p:cNvSpPr/>
           <p:nvPr/>
         </p:nvSpPr>
         <p:spPr>
           <a:xfrm>
             <a:off x="1561680" y="0"/>
-            <a:ext cx="9061920" cy="1252800"/>
+            <a:ext cx="9061560" cy="1252440"/>
           </a:xfrm>
           <a:prstGeom prst="rect">
             <a:avLst/>
@@ -22446,14 +22587,14 @@
       </p:sp>
       <p:sp>
         <p:nvSpPr>
-          <p:cNvPr id="195" name="CustomShape 2"/>
+          <p:cNvPr id="196" name="CustomShape 2"/>
           <p:cNvSpPr/>
           <p:nvPr/>
         </p:nvSpPr>
         <p:spPr>
           <a:xfrm>
             <a:off x="1545480" y="1080000"/>
-            <a:ext cx="5359680" cy="6110280"/>
+            <a:ext cx="5359320" cy="6109920"/>
           </a:xfrm>
           <a:prstGeom prst="rect">
             <a:avLst/>
@@ -22697,14 +22838,14 @@
       </p:sp>
       <p:sp>
         <p:nvSpPr>
-          <p:cNvPr id="196" name="CustomShape 3"/>
+          <p:cNvPr id="197" name="CustomShape 3"/>
           <p:cNvSpPr/>
           <p:nvPr/>
         </p:nvSpPr>
         <p:spPr>
           <a:xfrm>
             <a:off x="7704000" y="1008000"/>
-            <a:ext cx="4239360" cy="4654080"/>
+            <a:ext cx="4239000" cy="4653720"/>
           </a:xfrm>
           <a:prstGeom prst="rect">
             <a:avLst/>
@@ -23438,14 +23579,14 @@
       </p:grpSpPr>
       <p:sp>
         <p:nvSpPr>
-          <p:cNvPr id="197" name="CustomShape 1"/>
+          <p:cNvPr id="198" name="CustomShape 1"/>
           <p:cNvSpPr/>
           <p:nvPr/>
         </p:nvSpPr>
         <p:spPr>
           <a:xfrm>
             <a:off x="1561680" y="0"/>
-            <a:ext cx="9061920" cy="1252800"/>
+            <a:ext cx="9061560" cy="1252440"/>
           </a:xfrm>
           <a:prstGeom prst="rect">
             <a:avLst/>
@@ -23489,14 +23630,14 @@
       </p:sp>
       <p:sp>
         <p:nvSpPr>
-          <p:cNvPr id="198" name="CustomShape 2"/>
+          <p:cNvPr id="199" name="CustomShape 2"/>
           <p:cNvSpPr/>
           <p:nvPr/>
         </p:nvSpPr>
         <p:spPr>
           <a:xfrm>
             <a:off x="1368000" y="1010880"/>
-            <a:ext cx="5537160" cy="6110280"/>
+            <a:ext cx="5536800" cy="6109920"/>
           </a:xfrm>
           <a:prstGeom prst="rect">
             <a:avLst/>
@@ -23720,14 +23861,14 @@
       </p:sp>
       <p:sp>
         <p:nvSpPr>
-          <p:cNvPr id="199" name="CustomShape 3"/>
+          <p:cNvPr id="200" name="CustomShape 3"/>
           <p:cNvSpPr/>
           <p:nvPr/>
         </p:nvSpPr>
         <p:spPr>
           <a:xfrm>
             <a:off x="7848000" y="1148400"/>
-            <a:ext cx="3554280" cy="5702760"/>
+            <a:ext cx="3553920" cy="5702400"/>
           </a:xfrm>
           <a:prstGeom prst="rect">
             <a:avLst/>
@@ -24231,14 +24372,14 @@
       </p:grpSpPr>
       <p:sp>
         <p:nvSpPr>
-          <p:cNvPr id="200" name="CustomShape 1"/>
+          <p:cNvPr id="201" name="CustomShape 1"/>
           <p:cNvSpPr/>
           <p:nvPr/>
         </p:nvSpPr>
         <p:spPr>
           <a:xfrm>
             <a:off x="1561680" y="0"/>
-            <a:ext cx="9061920" cy="1252800"/>
+            <a:ext cx="9061560" cy="1252440"/>
           </a:xfrm>
           <a:prstGeom prst="rect">
             <a:avLst/>
@@ -24282,14 +24423,14 @@
       </p:sp>
       <p:sp>
         <p:nvSpPr>
-          <p:cNvPr id="201" name="CustomShape 2"/>
+          <p:cNvPr id="202" name="CustomShape 2"/>
           <p:cNvSpPr/>
           <p:nvPr/>
         </p:nvSpPr>
         <p:spPr>
           <a:xfrm>
             <a:off x="1368000" y="1010880"/>
-            <a:ext cx="5537160" cy="6110280"/>
+            <a:ext cx="5536800" cy="6109920"/>
           </a:xfrm>
           <a:prstGeom prst="rect">
             <a:avLst/>
@@ -24340,7 +24481,7 @@
             </a:endParaRPr>
           </a:p>
           <a:p>
-            <a:pPr marL="285840" indent="-280080">
+            <a:pPr marL="285840" indent="-279720">
               <a:lnSpc>
                 <a:spcPct val="100000"/>
               </a:lnSpc>
@@ -24365,7 +24506,7 @@
             </a:endParaRPr>
           </a:p>
           <a:p>
-            <a:pPr marL="285840" indent="-280080">
+            <a:pPr marL="285840" indent="-279720">
               <a:lnSpc>
                 <a:spcPct val="100000"/>
               </a:lnSpc>
@@ -24390,7 +24531,7 @@
             </a:endParaRPr>
           </a:p>
           <a:p>
-            <a:pPr marL="285840" indent="-280080">
+            <a:pPr marL="285840" indent="-279720">
               <a:lnSpc>
                 <a:spcPct val="100000"/>
               </a:lnSpc>
@@ -24618,14 +24759,14 @@
       </p:sp>
       <p:sp>
         <p:nvSpPr>
-          <p:cNvPr id="202" name="CustomShape 3"/>
+          <p:cNvPr id="203" name="CustomShape 3"/>
           <p:cNvSpPr/>
           <p:nvPr/>
         </p:nvSpPr>
         <p:spPr>
           <a:xfrm>
             <a:off x="6910920" y="1538640"/>
-            <a:ext cx="5199120" cy="5743440"/>
+            <a:ext cx="5198760" cy="5743080"/>
           </a:xfrm>
           <a:prstGeom prst="rect">
             <a:avLst/>
@@ -25029,14 +25170,14 @@
       </p:grpSpPr>
       <p:sp>
         <p:nvSpPr>
-          <p:cNvPr id="203" name="CustomShape 1"/>
+          <p:cNvPr id="204" name="CustomShape 1"/>
           <p:cNvSpPr/>
           <p:nvPr/>
         </p:nvSpPr>
         <p:spPr>
           <a:xfrm>
             <a:off x="1561680" y="0"/>
-            <a:ext cx="9061920" cy="1252800"/>
+            <a:ext cx="9061560" cy="1252440"/>
           </a:xfrm>
           <a:prstGeom prst="rect">
             <a:avLst/>
@@ -25080,14 +25221,14 @@
       </p:sp>
       <p:sp>
         <p:nvSpPr>
-          <p:cNvPr id="204" name="CustomShape 2"/>
+          <p:cNvPr id="205" name="CustomShape 2"/>
           <p:cNvSpPr/>
           <p:nvPr/>
         </p:nvSpPr>
         <p:spPr>
           <a:xfrm>
             <a:off x="4396320" y="1170720"/>
-            <a:ext cx="2450160" cy="441360"/>
+            <a:ext cx="2449800" cy="441000"/>
           </a:xfrm>
           <a:prstGeom prst="rect">
             <a:avLst/>
@@ -25138,14 +25279,14 @@
       </p:sp>
       <p:sp>
         <p:nvSpPr>
-          <p:cNvPr id="205" name="CustomShape 3"/>
+          <p:cNvPr id="206" name="CustomShape 3"/>
           <p:cNvSpPr/>
           <p:nvPr/>
         </p:nvSpPr>
         <p:spPr>
           <a:xfrm>
             <a:off x="741600" y="2052720"/>
-            <a:ext cx="2450160" cy="441360"/>
+            <a:ext cx="2449800" cy="441000"/>
           </a:xfrm>
           <a:prstGeom prst="rect">
             <a:avLst/>
@@ -25196,14 +25337,14 @@
       </p:sp>
       <p:sp>
         <p:nvSpPr>
-          <p:cNvPr id="206" name="CustomShape 4"/>
+          <p:cNvPr id="207" name="CustomShape 4"/>
           <p:cNvSpPr/>
           <p:nvPr/>
         </p:nvSpPr>
         <p:spPr>
           <a:xfrm>
             <a:off x="7658280" y="2052720"/>
-            <a:ext cx="2450160" cy="441360"/>
+            <a:ext cx="2449800" cy="441000"/>
           </a:xfrm>
           <a:prstGeom prst="rect">
             <a:avLst/>
@@ -25254,14 +25395,14 @@
       </p:sp>
       <p:sp>
         <p:nvSpPr>
-          <p:cNvPr id="207" name="CustomShape 5"/>
+          <p:cNvPr id="208" name="CustomShape 5"/>
           <p:cNvSpPr/>
           <p:nvPr/>
         </p:nvSpPr>
         <p:spPr>
           <a:xfrm>
             <a:off x="4680000" y="3096000"/>
-            <a:ext cx="2450160" cy="441360"/>
+            <a:ext cx="2449800" cy="441000"/>
           </a:xfrm>
           <a:prstGeom prst="rect">
             <a:avLst/>
@@ -25312,14 +25453,14 @@
       </p:sp>
       <p:sp>
         <p:nvSpPr>
-          <p:cNvPr id="208" name="CustomShape 6"/>
+          <p:cNvPr id="209" name="CustomShape 6"/>
           <p:cNvSpPr/>
           <p:nvPr/>
         </p:nvSpPr>
         <p:spPr>
           <a:xfrm flipH="1">
             <a:off x="1963800" y="1394280"/>
-            <a:ext cx="2421000" cy="652680"/>
+            <a:ext cx="2420640" cy="652320"/>
           </a:xfrm>
           <a:custGeom>
             <a:avLst/>
@@ -25365,14 +25506,14 @@
       </p:sp>
       <p:sp>
         <p:nvSpPr>
-          <p:cNvPr id="209" name="CustomShape 7"/>
+          <p:cNvPr id="210" name="CustomShape 7"/>
           <p:cNvSpPr/>
           <p:nvPr/>
         </p:nvSpPr>
         <p:spPr>
           <a:xfrm>
             <a:off x="6852240" y="1394280"/>
-            <a:ext cx="2028240" cy="652680"/>
+            <a:ext cx="2027880" cy="652320"/>
           </a:xfrm>
           <a:custGeom>
             <a:avLst/>
@@ -25418,14 +25559,14 @@
       </p:sp>
       <p:sp>
         <p:nvSpPr>
-          <p:cNvPr id="210" name="CustomShape 8"/>
+          <p:cNvPr id="211" name="CustomShape 8"/>
           <p:cNvSpPr/>
           <p:nvPr/>
         </p:nvSpPr>
         <p:spPr>
           <a:xfrm flipH="1">
             <a:off x="5900400" y="2499840"/>
-            <a:ext cx="2973960" cy="592920"/>
+            <a:ext cx="2973600" cy="592560"/>
           </a:xfrm>
           <a:custGeom>
             <a:avLst/>
@@ -25471,14 +25612,14 @@
       </p:sp>
       <p:sp>
         <p:nvSpPr>
-          <p:cNvPr id="211" name="CustomShape 9"/>
+          <p:cNvPr id="212" name="CustomShape 9"/>
           <p:cNvSpPr/>
           <p:nvPr/>
         </p:nvSpPr>
         <p:spPr>
           <a:xfrm>
             <a:off x="5151240" y="3978360"/>
-            <a:ext cx="2450160" cy="441360"/>
+            <a:ext cx="2449800" cy="441000"/>
           </a:xfrm>
           <a:prstGeom prst="rect">
             <a:avLst/>
@@ -25529,14 +25670,14 @@
       </p:sp>
       <p:sp>
         <p:nvSpPr>
-          <p:cNvPr id="212" name="CustomShape 10"/>
+          <p:cNvPr id="213" name="CustomShape 10"/>
           <p:cNvSpPr/>
           <p:nvPr/>
         </p:nvSpPr>
         <p:spPr>
           <a:xfrm>
             <a:off x="5151240" y="4772520"/>
-            <a:ext cx="3341520" cy="441360"/>
+            <a:ext cx="3341160" cy="441000"/>
           </a:xfrm>
           <a:prstGeom prst="rect">
             <a:avLst/>
@@ -25587,7 +25728,7 @@
       </p:sp>
       <p:sp>
         <p:nvSpPr>
-          <p:cNvPr id="213" name="Line 11"/>
+          <p:cNvPr id="214" name="Line 11"/>
           <p:cNvSpPr/>
           <p:nvPr/>
         </p:nvSpPr>
@@ -25618,14 +25759,14 @@
       </p:sp>
       <p:sp>
         <p:nvSpPr>
-          <p:cNvPr id="214" name="CustomShape 12"/>
+          <p:cNvPr id="215" name="CustomShape 12"/>
           <p:cNvSpPr/>
           <p:nvPr/>
         </p:nvSpPr>
         <p:spPr>
           <a:xfrm>
             <a:off x="4849920" y="4201920"/>
-            <a:ext cx="295560" cy="360"/>
+            <a:ext cx="295200" cy="360"/>
           </a:xfrm>
           <a:custGeom>
             <a:avLst/>
@@ -25671,14 +25812,14 @@
       </p:sp>
       <p:sp>
         <p:nvSpPr>
-          <p:cNvPr id="215" name="CustomShape 13"/>
+          <p:cNvPr id="216" name="CustomShape 13"/>
           <p:cNvSpPr/>
           <p:nvPr/>
         </p:nvSpPr>
         <p:spPr>
           <a:xfrm>
             <a:off x="4849920" y="4998960"/>
-            <a:ext cx="295560" cy="360"/>
+            <a:ext cx="295200" cy="360"/>
           </a:xfrm>
           <a:custGeom>
             <a:avLst/>
@@ -25724,14 +25865,14 @@
       </p:sp>
       <p:sp>
         <p:nvSpPr>
-          <p:cNvPr id="216" name="CustomShape 14"/>
+          <p:cNvPr id="217" name="CustomShape 14"/>
           <p:cNvSpPr/>
           <p:nvPr/>
         </p:nvSpPr>
         <p:spPr>
           <a:xfrm>
             <a:off x="5151240" y="5493240"/>
-            <a:ext cx="2450160" cy="441360"/>
+            <a:ext cx="2449800" cy="441000"/>
           </a:xfrm>
           <a:prstGeom prst="rect">
             <a:avLst/>
@@ -25782,14 +25923,14 @@
       </p:sp>
       <p:sp>
         <p:nvSpPr>
-          <p:cNvPr id="217" name="CustomShape 15"/>
+          <p:cNvPr id="218" name="CustomShape 15"/>
           <p:cNvSpPr/>
           <p:nvPr/>
         </p:nvSpPr>
         <p:spPr>
           <a:xfrm>
             <a:off x="4849920" y="5716800"/>
-            <a:ext cx="295560" cy="360"/>
+            <a:ext cx="295200" cy="360"/>
           </a:xfrm>
           <a:custGeom>
             <a:avLst/>
@@ -25835,14 +25976,14 @@
       </p:sp>
       <p:sp>
         <p:nvSpPr>
-          <p:cNvPr id="218" name="CustomShape 16"/>
+          <p:cNvPr id="219" name="CustomShape 16"/>
           <p:cNvSpPr/>
           <p:nvPr/>
         </p:nvSpPr>
         <p:spPr>
           <a:xfrm>
             <a:off x="9560160" y="3205440"/>
-            <a:ext cx="2450160" cy="441360"/>
+            <a:ext cx="2449800" cy="441000"/>
           </a:xfrm>
           <a:prstGeom prst="rect">
             <a:avLst/>
@@ -25893,14 +26034,14 @@
       </p:sp>
       <p:sp>
         <p:nvSpPr>
-          <p:cNvPr id="219" name="CustomShape 17"/>
+          <p:cNvPr id="220" name="CustomShape 17"/>
           <p:cNvSpPr/>
           <p:nvPr/>
         </p:nvSpPr>
         <p:spPr>
           <a:xfrm>
             <a:off x="9560160" y="3952800"/>
-            <a:ext cx="2450160" cy="441360"/>
+            <a:ext cx="2449800" cy="441000"/>
           </a:xfrm>
           <a:prstGeom prst="rect">
             <a:avLst/>
@@ -25951,7 +26092,7 @@
       </p:sp>
       <p:sp>
         <p:nvSpPr>
-          <p:cNvPr id="220" name="Line 18"/>
+          <p:cNvPr id="221" name="Line 18"/>
           <p:cNvSpPr/>
           <p:nvPr/>
         </p:nvSpPr>
@@ -25982,14 +26123,14 @@
       </p:sp>
       <p:sp>
         <p:nvSpPr>
-          <p:cNvPr id="221" name="CustomShape 19"/>
+          <p:cNvPr id="222" name="CustomShape 19"/>
           <p:cNvSpPr/>
           <p:nvPr/>
         </p:nvSpPr>
         <p:spPr>
           <a:xfrm>
             <a:off x="9155880" y="3423240"/>
-            <a:ext cx="398520" cy="360"/>
+            <a:ext cx="398160" cy="360"/>
           </a:xfrm>
           <a:custGeom>
             <a:avLst/>
@@ -26035,14 +26176,14 @@
       </p:sp>
       <p:sp>
         <p:nvSpPr>
-          <p:cNvPr id="222" name="CustomShape 20"/>
+          <p:cNvPr id="223" name="CustomShape 20"/>
           <p:cNvSpPr/>
           <p:nvPr/>
         </p:nvSpPr>
         <p:spPr>
           <a:xfrm flipV="1">
-            <a:off x="9155880" y="4127760"/>
-            <a:ext cx="398520" cy="360"/>
+            <a:off x="9155880" y="4127040"/>
+            <a:ext cx="398160" cy="360"/>
           </a:xfrm>
           <a:custGeom>
             <a:avLst/>
@@ -26088,14 +26229,14 @@
       </p:sp>
       <p:sp>
         <p:nvSpPr>
-          <p:cNvPr id="223" name="CustomShape 21"/>
+          <p:cNvPr id="224" name="CustomShape 21"/>
           <p:cNvSpPr/>
           <p:nvPr/>
         </p:nvSpPr>
         <p:spPr>
           <a:xfrm>
             <a:off x="9560160" y="4870800"/>
-            <a:ext cx="2450160" cy="441360"/>
+            <a:ext cx="2449800" cy="441000"/>
           </a:xfrm>
           <a:prstGeom prst="rect">
             <a:avLst/>
@@ -26146,14 +26287,14 @@
       </p:sp>
       <p:sp>
         <p:nvSpPr>
-          <p:cNvPr id="224" name="CustomShape 22"/>
+          <p:cNvPr id="225" name="CustomShape 22"/>
           <p:cNvSpPr/>
           <p:nvPr/>
         </p:nvSpPr>
         <p:spPr>
           <a:xfrm flipV="1">
-            <a:off x="9155880" y="5045760"/>
-            <a:ext cx="398520" cy="360"/>
+            <a:off x="9155880" y="5045040"/>
+            <a:ext cx="398160" cy="360"/>
           </a:xfrm>
           <a:custGeom>
             <a:avLst/>
@@ -26199,14 +26340,14 @@
       </p:sp>
       <p:sp>
         <p:nvSpPr>
-          <p:cNvPr id="225" name="CustomShape 23"/>
+          <p:cNvPr id="226" name="CustomShape 23"/>
           <p:cNvSpPr/>
           <p:nvPr/>
         </p:nvSpPr>
         <p:spPr>
           <a:xfrm>
             <a:off x="234360" y="3342240"/>
-            <a:ext cx="4598640" cy="2005200"/>
+            <a:ext cx="4598280" cy="2004840"/>
           </a:xfrm>
           <a:prstGeom prst="rect">
             <a:avLst/>
@@ -26317,7 +26458,7 @@
         <p:spPr>
           <a:xfrm>
             <a:off x="1561680" y="0"/>
-            <a:ext cx="9061920" cy="1252800"/>
+            <a:ext cx="9061560" cy="1252440"/>
           </a:xfrm>
           <a:prstGeom prst="rect">
             <a:avLst/>
@@ -26368,7 +26509,7 @@
         <p:spPr>
           <a:xfrm>
             <a:off x="4337640" y="1440000"/>
-            <a:ext cx="3509640" cy="4959720"/>
+            <a:ext cx="3509280" cy="4959360"/>
           </a:xfrm>
           <a:prstGeom prst="rect">
             <a:avLst/>
@@ -26702,14 +26843,14 @@
       </p:grpSpPr>
       <p:sp>
         <p:nvSpPr>
-          <p:cNvPr id="226" name="CustomShape 1"/>
+          <p:cNvPr id="227" name="CustomShape 1"/>
           <p:cNvSpPr/>
           <p:nvPr/>
         </p:nvSpPr>
         <p:spPr>
           <a:xfrm>
             <a:off x="1561680" y="0"/>
-            <a:ext cx="9061920" cy="1252800"/>
+            <a:ext cx="9061560" cy="1252440"/>
           </a:xfrm>
           <a:prstGeom prst="rect">
             <a:avLst/>
@@ -26753,14 +26894,14 @@
       </p:sp>
       <p:sp>
         <p:nvSpPr>
-          <p:cNvPr id="227" name="CustomShape 2"/>
+          <p:cNvPr id="228" name="CustomShape 2"/>
           <p:cNvSpPr/>
           <p:nvPr/>
         </p:nvSpPr>
         <p:spPr>
           <a:xfrm>
             <a:off x="1368000" y="1224000"/>
-            <a:ext cx="5328720" cy="4453200"/>
+            <a:ext cx="5328360" cy="4452840"/>
           </a:xfrm>
           <a:prstGeom prst="rect">
             <a:avLst/>
@@ -26844,14 +26985,14 @@
       </p:sp>
       <p:sp>
         <p:nvSpPr>
-          <p:cNvPr id="228" name="CustomShape 3"/>
+          <p:cNvPr id="229" name="CustomShape 3"/>
           <p:cNvSpPr/>
           <p:nvPr/>
         </p:nvSpPr>
         <p:spPr>
           <a:xfrm>
             <a:off x="6869160" y="1150920"/>
-            <a:ext cx="6114600" cy="5743440"/>
+            <a:ext cx="6114240" cy="5743080"/>
           </a:xfrm>
           <a:prstGeom prst="rect">
             <a:avLst/>
@@ -27161,14 +27302,14 @@
       </p:sp>
       <p:sp>
         <p:nvSpPr>
-          <p:cNvPr id="229" name="CustomShape 4"/>
+          <p:cNvPr id="230" name="CustomShape 4"/>
           <p:cNvSpPr/>
           <p:nvPr/>
         </p:nvSpPr>
         <p:spPr>
           <a:xfrm>
             <a:off x="480960" y="5851800"/>
-            <a:ext cx="5610960" cy="1218960"/>
+            <a:ext cx="5610600" cy="1218600"/>
           </a:xfrm>
           <a:prstGeom prst="rect">
             <a:avLst/>
@@ -27253,14 +27394,14 @@
       </p:grpSpPr>
       <p:sp>
         <p:nvSpPr>
-          <p:cNvPr id="230" name="CustomShape 1"/>
+          <p:cNvPr id="231" name="CustomShape 1"/>
           <p:cNvSpPr/>
           <p:nvPr/>
         </p:nvSpPr>
         <p:spPr>
           <a:xfrm>
             <a:off x="1561680" y="0"/>
-            <a:ext cx="9061920" cy="1252800"/>
+            <a:ext cx="9061560" cy="1252440"/>
           </a:xfrm>
           <a:prstGeom prst="rect">
             <a:avLst/>
@@ -27304,14 +27445,14 @@
       </p:sp>
       <p:sp>
         <p:nvSpPr>
-          <p:cNvPr id="231" name="CustomShape 2"/>
+          <p:cNvPr id="232" name="CustomShape 2"/>
           <p:cNvSpPr/>
           <p:nvPr/>
         </p:nvSpPr>
         <p:spPr>
           <a:xfrm>
             <a:off x="1368000" y="1224000"/>
-            <a:ext cx="10291320" cy="4453200"/>
+            <a:ext cx="10290960" cy="4452840"/>
           </a:xfrm>
           <a:prstGeom prst="rect">
             <a:avLst/>
@@ -27405,14 +27546,14 @@
       </p:sp>
       <p:sp>
         <p:nvSpPr>
-          <p:cNvPr id="232" name="CustomShape 3"/>
+          <p:cNvPr id="233" name="CustomShape 3"/>
           <p:cNvSpPr/>
           <p:nvPr/>
         </p:nvSpPr>
         <p:spPr>
           <a:xfrm>
             <a:off x="3024000" y="3153960"/>
-            <a:ext cx="2450160" cy="441360"/>
+            <a:ext cx="2449800" cy="441000"/>
           </a:xfrm>
           <a:prstGeom prst="rect">
             <a:avLst/>
@@ -27463,14 +27604,14 @@
       </p:sp>
       <p:sp>
         <p:nvSpPr>
-          <p:cNvPr id="233" name="CustomShape 4"/>
+          <p:cNvPr id="234" name="CustomShape 4"/>
           <p:cNvSpPr/>
           <p:nvPr/>
         </p:nvSpPr>
         <p:spPr>
           <a:xfrm>
             <a:off x="7776000" y="3168000"/>
-            <a:ext cx="2450160" cy="441360"/>
+            <a:ext cx="2449800" cy="441000"/>
           </a:xfrm>
           <a:prstGeom prst="rect">
             <a:avLst/>
@@ -27521,14 +27662,14 @@
       </p:sp>
       <p:sp>
         <p:nvSpPr>
-          <p:cNvPr id="234" name="CustomShape 5"/>
+          <p:cNvPr id="235" name="CustomShape 5"/>
           <p:cNvSpPr/>
           <p:nvPr/>
         </p:nvSpPr>
         <p:spPr>
           <a:xfrm>
             <a:off x="1001160" y="4305960"/>
-            <a:ext cx="2450160" cy="441360"/>
+            <a:ext cx="2449800" cy="441000"/>
           </a:xfrm>
           <a:prstGeom prst="rect">
             <a:avLst/>
@@ -27579,14 +27720,14 @@
       </p:sp>
       <p:sp>
         <p:nvSpPr>
-          <p:cNvPr id="235" name="CustomShape 6"/>
+          <p:cNvPr id="236" name="CustomShape 6"/>
           <p:cNvSpPr/>
           <p:nvPr/>
         </p:nvSpPr>
         <p:spPr>
           <a:xfrm>
             <a:off x="4522320" y="4305960"/>
-            <a:ext cx="2450160" cy="441360"/>
+            <a:ext cx="2449800" cy="441000"/>
           </a:xfrm>
           <a:prstGeom prst="rect">
             <a:avLst/>
@@ -27637,14 +27778,14 @@
       </p:sp>
       <p:sp>
         <p:nvSpPr>
-          <p:cNvPr id="236" name="CustomShape 7"/>
+          <p:cNvPr id="237" name="CustomShape 7"/>
           <p:cNvSpPr/>
           <p:nvPr/>
         </p:nvSpPr>
         <p:spPr>
           <a:xfrm>
             <a:off x="7769160" y="5385960"/>
-            <a:ext cx="2450160" cy="441360"/>
+            <a:ext cx="2449800" cy="441000"/>
           </a:xfrm>
           <a:prstGeom prst="rect">
             <a:avLst/>
@@ -27698,14 +27839,14 @@
       </p:sp>
       <p:sp>
         <p:nvSpPr>
-          <p:cNvPr id="237" name="CustomShape 8"/>
+          <p:cNvPr id="238" name="CustomShape 8"/>
           <p:cNvSpPr/>
           <p:nvPr/>
         </p:nvSpPr>
         <p:spPr>
           <a:xfrm>
             <a:off x="4529160" y="5400000"/>
-            <a:ext cx="2450160" cy="441360"/>
+            <a:ext cx="2449800" cy="441000"/>
           </a:xfrm>
           <a:prstGeom prst="rect">
             <a:avLst/>
@@ -27759,14 +27900,14 @@
       </p:sp>
       <p:sp>
         <p:nvSpPr>
-          <p:cNvPr id="238" name="CustomShape 9"/>
+          <p:cNvPr id="239" name="CustomShape 9"/>
           <p:cNvSpPr/>
           <p:nvPr/>
         </p:nvSpPr>
         <p:spPr>
           <a:xfrm>
             <a:off x="1008000" y="5457960"/>
-            <a:ext cx="2450160" cy="441360"/>
+            <a:ext cx="2449800" cy="441000"/>
           </a:xfrm>
           <a:prstGeom prst="rect">
             <a:avLst/>
@@ -27820,14 +27961,14 @@
       </p:sp>
       <p:sp>
         <p:nvSpPr>
-          <p:cNvPr id="239" name="CustomShape 10"/>
+          <p:cNvPr id="240" name="CustomShape 10"/>
           <p:cNvSpPr/>
           <p:nvPr/>
         </p:nvSpPr>
         <p:spPr>
           <a:xfrm flipH="1">
             <a:off x="2226960" y="3600000"/>
-            <a:ext cx="1701000" cy="652680"/>
+            <a:ext cx="1700640" cy="652320"/>
           </a:xfrm>
           <a:custGeom>
             <a:avLst/>
@@ -27873,14 +28014,14 @@
       </p:sp>
       <p:sp>
         <p:nvSpPr>
-          <p:cNvPr id="240" name="CustomShape 11"/>
+          <p:cNvPr id="241" name="CustomShape 11"/>
           <p:cNvSpPr/>
           <p:nvPr/>
         </p:nvSpPr>
         <p:spPr>
           <a:xfrm>
             <a:off x="4729680" y="3610440"/>
-            <a:ext cx="1097640" cy="690840"/>
+            <a:ext cx="1097280" cy="690480"/>
           </a:xfrm>
           <a:custGeom>
             <a:avLst/>
@@ -27926,14 +28067,14 @@
       </p:sp>
       <p:sp>
         <p:nvSpPr>
-          <p:cNvPr id="241" name="CustomShape 12"/>
+          <p:cNvPr id="242" name="CustomShape 12"/>
           <p:cNvSpPr/>
           <p:nvPr/>
         </p:nvSpPr>
         <p:spPr>
           <a:xfrm flipH="1">
-            <a:off x="2222280" y="4752000"/>
-            <a:ext cx="360" cy="643320"/>
+            <a:off x="2221560" y="4752000"/>
+            <a:ext cx="360" cy="642960"/>
           </a:xfrm>
           <a:custGeom>
             <a:avLst/>
@@ -27979,14 +28120,14 @@
       </p:sp>
       <p:sp>
         <p:nvSpPr>
-          <p:cNvPr id="242" name="CustomShape 13"/>
+          <p:cNvPr id="243" name="CustomShape 13"/>
           <p:cNvSpPr/>
           <p:nvPr/>
         </p:nvSpPr>
         <p:spPr>
           <a:xfrm flipH="1">
-            <a:off x="5750280" y="4752000"/>
-            <a:ext cx="360" cy="643320"/>
+            <a:off x="5749560" y="4752000"/>
+            <a:ext cx="360" cy="642960"/>
           </a:xfrm>
           <a:custGeom>
             <a:avLst/>
@@ -28032,14 +28173,14 @@
       </p:sp>
       <p:sp>
         <p:nvSpPr>
-          <p:cNvPr id="243" name="CustomShape 14"/>
+          <p:cNvPr id="244" name="CustomShape 14"/>
           <p:cNvSpPr/>
           <p:nvPr/>
         </p:nvSpPr>
         <p:spPr>
           <a:xfrm flipH="1">
-            <a:off x="8990280" y="3614040"/>
-            <a:ext cx="360" cy="1767240"/>
+            <a:off x="8989560" y="3614040"/>
+            <a:ext cx="360" cy="1766880"/>
           </a:xfrm>
           <a:custGeom>
             <a:avLst/>
@@ -28115,14 +28256,14 @@
       </p:grpSpPr>
       <p:sp>
         <p:nvSpPr>
-          <p:cNvPr id="244" name="CustomShape 1"/>
+          <p:cNvPr id="245" name="CustomShape 1"/>
           <p:cNvSpPr/>
           <p:nvPr/>
         </p:nvSpPr>
         <p:spPr>
           <a:xfrm>
             <a:off x="1561680" y="0"/>
-            <a:ext cx="9061920" cy="1252800"/>
+            <a:ext cx="9061560" cy="1252440"/>
           </a:xfrm>
           <a:prstGeom prst="rect">
             <a:avLst/>
@@ -28166,14 +28307,14 @@
       </p:sp>
       <p:sp>
         <p:nvSpPr>
-          <p:cNvPr id="245" name="CustomShape 2"/>
+          <p:cNvPr id="246" name="CustomShape 2"/>
           <p:cNvSpPr/>
           <p:nvPr/>
         </p:nvSpPr>
         <p:spPr>
           <a:xfrm>
             <a:off x="1368000" y="1224000"/>
-            <a:ext cx="4603320" cy="5323320"/>
+            <a:ext cx="4602960" cy="5322960"/>
           </a:xfrm>
           <a:prstGeom prst="rect">
             <a:avLst/>
@@ -28247,14 +28388,14 @@
       </p:sp>
       <p:sp>
         <p:nvSpPr>
-          <p:cNvPr id="246" name="CustomShape 3"/>
+          <p:cNvPr id="247" name="CustomShape 3"/>
           <p:cNvSpPr/>
           <p:nvPr/>
         </p:nvSpPr>
         <p:spPr>
           <a:xfrm>
             <a:off x="6264000" y="1080000"/>
-            <a:ext cx="5755320" cy="5468760"/>
+            <a:ext cx="5754960" cy="5468400"/>
           </a:xfrm>
           <a:prstGeom prst="rect">
             <a:avLst/>
@@ -28514,14 +28655,14 @@
       </p:grpSpPr>
       <p:sp>
         <p:nvSpPr>
-          <p:cNvPr id="247" name="CustomShape 1"/>
+          <p:cNvPr id="248" name="CustomShape 1"/>
           <p:cNvSpPr/>
           <p:nvPr/>
         </p:nvSpPr>
         <p:spPr>
           <a:xfrm>
             <a:off x="1561680" y="0"/>
-            <a:ext cx="9061920" cy="1252800"/>
+            <a:ext cx="9061560" cy="1252440"/>
           </a:xfrm>
           <a:prstGeom prst="rect">
             <a:avLst/>
@@ -28565,14 +28706,14 @@
       </p:sp>
       <p:sp>
         <p:nvSpPr>
-          <p:cNvPr id="248" name="CustomShape 2"/>
+          <p:cNvPr id="249" name="CustomShape 2"/>
           <p:cNvSpPr/>
           <p:nvPr/>
         </p:nvSpPr>
         <p:spPr>
           <a:xfrm>
             <a:off x="1369800" y="937800"/>
-            <a:ext cx="4747320" cy="5323320"/>
+            <a:ext cx="4746960" cy="5322960"/>
           </a:xfrm>
           <a:prstGeom prst="rect">
             <a:avLst/>
@@ -28756,14 +28897,14 @@
       </p:sp>
       <p:sp>
         <p:nvSpPr>
-          <p:cNvPr id="249" name="CustomShape 3"/>
+          <p:cNvPr id="250" name="CustomShape 3"/>
           <p:cNvSpPr/>
           <p:nvPr/>
         </p:nvSpPr>
         <p:spPr>
           <a:xfrm>
             <a:off x="6264000" y="2376000"/>
-            <a:ext cx="5755320" cy="2443320"/>
+            <a:ext cx="5754960" cy="2442960"/>
           </a:xfrm>
           <a:prstGeom prst="rect">
             <a:avLst/>
@@ -28924,14 +29065,14 @@
       </p:grpSpPr>
       <p:sp>
         <p:nvSpPr>
-          <p:cNvPr id="250" name="CustomShape 1"/>
+          <p:cNvPr id="251" name="CustomShape 1"/>
           <p:cNvSpPr/>
           <p:nvPr/>
         </p:nvSpPr>
         <p:spPr>
           <a:xfrm>
             <a:off x="1561680" y="0"/>
-            <a:ext cx="9061920" cy="1252800"/>
+            <a:ext cx="9061560" cy="1252440"/>
           </a:xfrm>
           <a:prstGeom prst="rect">
             <a:avLst/>
@@ -28975,14 +29116,14 @@
       </p:sp>
       <p:sp>
         <p:nvSpPr>
-          <p:cNvPr id="251" name="CustomShape 2"/>
+          <p:cNvPr id="252" name="CustomShape 2"/>
           <p:cNvSpPr/>
           <p:nvPr/>
         </p:nvSpPr>
         <p:spPr>
           <a:xfrm>
             <a:off x="1368000" y="1224000"/>
-            <a:ext cx="4603320" cy="5323320"/>
+            <a:ext cx="4602960" cy="5322960"/>
           </a:xfrm>
           <a:prstGeom prst="rect">
             <a:avLst/>
@@ -29126,14 +29267,14 @@
       </p:sp>
       <p:sp>
         <p:nvSpPr>
-          <p:cNvPr id="252" name="CustomShape 3"/>
+          <p:cNvPr id="253" name="CustomShape 3"/>
           <p:cNvSpPr/>
           <p:nvPr/>
         </p:nvSpPr>
         <p:spPr>
           <a:xfrm>
             <a:off x="5976000" y="1944000"/>
-            <a:ext cx="5755320" cy="3562560"/>
+            <a:ext cx="5754960" cy="3562200"/>
           </a:xfrm>
           <a:prstGeom prst="rect">
             <a:avLst/>
@@ -29337,14 +29478,14 @@
       </p:grpSpPr>
       <p:sp>
         <p:nvSpPr>
-          <p:cNvPr id="253" name="CustomShape 1"/>
+          <p:cNvPr id="254" name="CustomShape 1"/>
           <p:cNvSpPr/>
           <p:nvPr/>
         </p:nvSpPr>
         <p:spPr>
           <a:xfrm>
             <a:off x="1561680" y="0"/>
-            <a:ext cx="9061920" cy="1252800"/>
+            <a:ext cx="9061560" cy="1252440"/>
           </a:xfrm>
           <a:prstGeom prst="rect">
             <a:avLst/>
@@ -29388,14 +29529,14 @@
       </p:sp>
       <p:sp>
         <p:nvSpPr>
-          <p:cNvPr id="254" name="CustomShape 2"/>
+          <p:cNvPr id="255" name="CustomShape 2"/>
           <p:cNvSpPr/>
           <p:nvPr/>
         </p:nvSpPr>
         <p:spPr>
           <a:xfrm>
             <a:off x="1080000" y="1224000"/>
-            <a:ext cx="10939680" cy="5323320"/>
+            <a:ext cx="10939320" cy="5322960"/>
           </a:xfrm>
           <a:prstGeom prst="rect">
             <a:avLst/>
@@ -29669,14 +29810,14 @@
       </p:grpSpPr>
       <p:sp>
         <p:nvSpPr>
-          <p:cNvPr id="255" name="CustomShape 1"/>
+          <p:cNvPr id="256" name="CustomShape 1"/>
           <p:cNvSpPr/>
           <p:nvPr/>
         </p:nvSpPr>
         <p:spPr>
           <a:xfrm>
             <a:off x="1561680" y="0"/>
-            <a:ext cx="9061920" cy="1252800"/>
+            <a:ext cx="9061560" cy="1252440"/>
           </a:xfrm>
           <a:prstGeom prst="rect">
             <a:avLst/>
@@ -29720,14 +29861,14 @@
       </p:sp>
       <p:sp>
         <p:nvSpPr>
-          <p:cNvPr id="256" name="CustomShape 2"/>
+          <p:cNvPr id="257" name="CustomShape 2"/>
           <p:cNvSpPr/>
           <p:nvPr/>
         </p:nvSpPr>
         <p:spPr>
           <a:xfrm>
             <a:off x="1137960" y="1050840"/>
-            <a:ext cx="10939680" cy="5323320"/>
+            <a:ext cx="10939320" cy="5322960"/>
           </a:xfrm>
           <a:prstGeom prst="rect">
             <a:avLst/>
@@ -30031,14 +30172,14 @@
       </p:grpSpPr>
       <p:sp>
         <p:nvSpPr>
-          <p:cNvPr id="257" name="CustomShape 1"/>
+          <p:cNvPr id="258" name="CustomShape 1"/>
           <p:cNvSpPr/>
           <p:nvPr/>
         </p:nvSpPr>
         <p:spPr>
           <a:xfrm>
             <a:off x="1561680" y="0"/>
-            <a:ext cx="9061920" cy="1252800"/>
+            <a:ext cx="9061560" cy="1252440"/>
           </a:xfrm>
           <a:prstGeom prst="rect">
             <a:avLst/>
@@ -30082,14 +30223,14 @@
       </p:sp>
       <p:sp>
         <p:nvSpPr>
-          <p:cNvPr id="258" name="CustomShape 2"/>
+          <p:cNvPr id="259" name="CustomShape 2"/>
           <p:cNvSpPr/>
           <p:nvPr/>
         </p:nvSpPr>
         <p:spPr>
           <a:xfrm>
             <a:off x="720000" y="1728000"/>
-            <a:ext cx="9860040" cy="4336200"/>
+            <a:ext cx="9859680" cy="4335840"/>
           </a:xfrm>
           <a:prstGeom prst="rect">
             <a:avLst/>
@@ -30354,14 +30495,14 @@
       </p:grpSpPr>
       <p:sp>
         <p:nvSpPr>
-          <p:cNvPr id="259" name="CustomShape 1"/>
+          <p:cNvPr id="260" name="CustomShape 1"/>
           <p:cNvSpPr/>
           <p:nvPr/>
         </p:nvSpPr>
         <p:spPr>
           <a:xfrm>
             <a:off x="1561680" y="0"/>
-            <a:ext cx="9061920" cy="1252800"/>
+            <a:ext cx="9061560" cy="1252440"/>
           </a:xfrm>
           <a:prstGeom prst="rect">
             <a:avLst/>
@@ -30405,14 +30546,14 @@
       </p:sp>
       <p:sp>
         <p:nvSpPr>
-          <p:cNvPr id="260" name="CustomShape 2"/>
+          <p:cNvPr id="261" name="CustomShape 2"/>
           <p:cNvSpPr/>
           <p:nvPr/>
         </p:nvSpPr>
         <p:spPr>
           <a:xfrm>
             <a:off x="720000" y="1728000"/>
-            <a:ext cx="9860040" cy="4619520"/>
+            <a:ext cx="9859680" cy="4619160"/>
           </a:xfrm>
           <a:prstGeom prst="rect">
             <a:avLst/>
@@ -30688,14 +30829,14 @@
       </p:grpSpPr>
       <p:sp>
         <p:nvSpPr>
-          <p:cNvPr id="261" name="CustomShape 1"/>
+          <p:cNvPr id="262" name="CustomShape 1"/>
           <p:cNvSpPr/>
           <p:nvPr/>
         </p:nvSpPr>
         <p:spPr>
           <a:xfrm>
             <a:off x="1561680" y="0"/>
-            <a:ext cx="9061920" cy="1252800"/>
+            <a:ext cx="9061560" cy="1252440"/>
           </a:xfrm>
           <a:prstGeom prst="rect">
             <a:avLst/>
@@ -30739,14 +30880,14 @@
       </p:sp>
       <p:sp>
         <p:nvSpPr>
-          <p:cNvPr id="262" name="CustomShape 2"/>
+          <p:cNvPr id="263" name="CustomShape 2"/>
           <p:cNvSpPr/>
           <p:nvPr/>
         </p:nvSpPr>
         <p:spPr>
           <a:xfrm>
             <a:off x="864000" y="1655640"/>
-            <a:ext cx="5252040" cy="4748400"/>
+            <a:ext cx="5251680" cy="4748040"/>
           </a:xfrm>
           <a:prstGeom prst="rect">
             <a:avLst/>
@@ -30962,14 +31103,14 @@
       </p:sp>
       <p:sp>
         <p:nvSpPr>
-          <p:cNvPr id="263" name="CustomShape 3"/>
+          <p:cNvPr id="264" name="CustomShape 3"/>
           <p:cNvSpPr/>
           <p:nvPr/>
         </p:nvSpPr>
         <p:spPr>
           <a:xfrm>
             <a:off x="6264000" y="1368000"/>
-            <a:ext cx="5468040" cy="5461560"/>
+            <a:ext cx="5467680" cy="5461200"/>
           </a:xfrm>
           <a:prstGeom prst="rect">
             <a:avLst/>
@@ -31255,7 +31396,7 @@
         <p:spPr>
           <a:xfrm>
             <a:off x="1561680" y="0"/>
-            <a:ext cx="9061920" cy="1252800"/>
+            <a:ext cx="9061560" cy="1252440"/>
           </a:xfrm>
           <a:prstGeom prst="rect">
             <a:avLst/>
@@ -31306,7 +31447,7 @@
         <p:spPr>
           <a:xfrm>
             <a:off x="861840" y="1728360"/>
-            <a:ext cx="5394240" cy="4959720"/>
+            <a:ext cx="5393880" cy="4959360"/>
           </a:xfrm>
           <a:prstGeom prst="rect">
             <a:avLst/>
@@ -31357,7 +31498,7 @@
         <p:spPr>
           <a:xfrm>
             <a:off x="1703520" y="1728360"/>
-            <a:ext cx="8778240" cy="4959720"/>
+            <a:ext cx="8777880" cy="4959360"/>
           </a:xfrm>
           <a:prstGeom prst="rect">
             <a:avLst/>
@@ -31601,14 +31742,14 @@
       </p:grpSpPr>
       <p:sp>
         <p:nvSpPr>
-          <p:cNvPr id="264" name="CustomShape 1"/>
+          <p:cNvPr id="265" name="CustomShape 1"/>
           <p:cNvSpPr/>
           <p:nvPr/>
         </p:nvSpPr>
         <p:spPr>
           <a:xfrm>
             <a:off x="1561680" y="0"/>
-            <a:ext cx="9061920" cy="1252800"/>
+            <a:ext cx="9061560" cy="1252440"/>
           </a:xfrm>
           <a:prstGeom prst="rect">
             <a:avLst/>
@@ -31652,14 +31793,14 @@
       </p:sp>
       <p:sp>
         <p:nvSpPr>
-          <p:cNvPr id="265" name="CustomShape 2"/>
+          <p:cNvPr id="266" name="CustomShape 2"/>
           <p:cNvSpPr/>
           <p:nvPr/>
         </p:nvSpPr>
         <p:spPr>
           <a:xfrm>
             <a:off x="2952000" y="1944000"/>
-            <a:ext cx="6706440" cy="5323320"/>
+            <a:ext cx="6706080" cy="5322960"/>
           </a:xfrm>
           <a:prstGeom prst="rect">
             <a:avLst/>
@@ -31893,14 +32034,14 @@
       </p:grpSpPr>
       <p:sp>
         <p:nvSpPr>
-          <p:cNvPr id="266" name="CustomShape 1"/>
+          <p:cNvPr id="267" name="CustomShape 1"/>
           <p:cNvSpPr/>
           <p:nvPr/>
         </p:nvSpPr>
         <p:spPr>
           <a:xfrm>
             <a:off x="1561680" y="0"/>
-            <a:ext cx="9061920" cy="1252800"/>
+            <a:ext cx="9061560" cy="1252440"/>
           </a:xfrm>
           <a:prstGeom prst="rect">
             <a:avLst/>
@@ -31944,14 +32085,14 @@
       </p:sp>
       <p:sp>
         <p:nvSpPr>
-          <p:cNvPr id="267" name="CustomShape 2"/>
+          <p:cNvPr id="268" name="CustomShape 2"/>
           <p:cNvSpPr/>
           <p:nvPr/>
         </p:nvSpPr>
         <p:spPr>
           <a:xfrm>
             <a:off x="936000" y="1369080"/>
-            <a:ext cx="6116400" cy="5323320"/>
+            <a:ext cx="6116040" cy="5322960"/>
           </a:xfrm>
           <a:prstGeom prst="rect">
             <a:avLst/>
@@ -32255,14 +32396,14 @@
       </p:sp>
       <p:sp>
         <p:nvSpPr>
-          <p:cNvPr id="268" name="CustomShape 3"/>
+          <p:cNvPr id="269" name="CustomShape 3"/>
           <p:cNvSpPr/>
           <p:nvPr/>
         </p:nvSpPr>
         <p:spPr>
           <a:xfrm>
             <a:off x="138240" y="6192000"/>
-            <a:ext cx="1370160" cy="441360"/>
+            <a:ext cx="1369800" cy="441000"/>
           </a:xfrm>
           <a:prstGeom prst="rect">
             <a:avLst/>
@@ -32313,14 +32454,14 @@
       </p:sp>
       <p:sp>
         <p:nvSpPr>
-          <p:cNvPr id="269" name="CustomShape 4"/>
+          <p:cNvPr id="270" name="CustomShape 4"/>
           <p:cNvSpPr/>
           <p:nvPr/>
         </p:nvSpPr>
         <p:spPr>
           <a:xfrm>
             <a:off x="2376000" y="6192000"/>
-            <a:ext cx="1652400" cy="441360"/>
+            <a:ext cx="1652040" cy="441000"/>
           </a:xfrm>
           <a:prstGeom prst="rect">
             <a:avLst/>
@@ -32371,14 +32512,14 @@
       </p:sp>
       <p:sp>
         <p:nvSpPr>
-          <p:cNvPr id="270" name="CustomShape 5"/>
+          <p:cNvPr id="271" name="CustomShape 5"/>
           <p:cNvSpPr/>
           <p:nvPr/>
         </p:nvSpPr>
         <p:spPr>
           <a:xfrm>
             <a:off x="4968000" y="6179040"/>
-            <a:ext cx="1652400" cy="441360"/>
+            <a:ext cx="1652040" cy="441000"/>
           </a:xfrm>
           <a:prstGeom prst="rect">
             <a:avLst/>
@@ -32429,14 +32570,14 @@
       </p:sp>
       <p:sp>
         <p:nvSpPr>
-          <p:cNvPr id="271" name="CustomShape 6"/>
+          <p:cNvPr id="272" name="CustomShape 6"/>
           <p:cNvSpPr/>
           <p:nvPr/>
         </p:nvSpPr>
         <p:spPr>
           <a:xfrm>
             <a:off x="7488000" y="6192000"/>
-            <a:ext cx="1652400" cy="441360"/>
+            <a:ext cx="1652040" cy="441000"/>
           </a:xfrm>
           <a:prstGeom prst="rect">
             <a:avLst/>
@@ -32487,14 +32628,14 @@
       </p:sp>
       <p:sp>
         <p:nvSpPr>
-          <p:cNvPr id="272" name="CustomShape 7"/>
+          <p:cNvPr id="273" name="CustomShape 7"/>
           <p:cNvSpPr/>
           <p:nvPr/>
         </p:nvSpPr>
         <p:spPr>
           <a:xfrm>
             <a:off x="10080000" y="6194160"/>
-            <a:ext cx="1652400" cy="441360"/>
+            <a:ext cx="1652040" cy="441000"/>
           </a:xfrm>
           <a:prstGeom prst="rect">
             <a:avLst/>
@@ -32545,7 +32686,7 @@
       </p:sp>
       <p:sp>
         <p:nvSpPr>
-          <p:cNvPr id="273" name="Line 8"/>
+          <p:cNvPr id="274" name="Line 8"/>
           <p:cNvSpPr/>
           <p:nvPr/>
         </p:nvSpPr>
@@ -32570,7 +32711,7 @@
       </p:sp>
       <p:sp>
         <p:nvSpPr>
-          <p:cNvPr id="274" name="Line 9"/>
+          <p:cNvPr id="275" name="Line 9"/>
           <p:cNvSpPr/>
           <p:nvPr/>
         </p:nvSpPr>
@@ -32595,7 +32736,7 @@
       </p:sp>
       <p:sp>
         <p:nvSpPr>
-          <p:cNvPr id="275" name="Line 10"/>
+          <p:cNvPr id="276" name="Line 10"/>
           <p:cNvSpPr/>
           <p:nvPr/>
         </p:nvSpPr>
@@ -32620,7 +32761,7 @@
       </p:sp>
       <p:sp>
         <p:nvSpPr>
-          <p:cNvPr id="276" name="Line 11"/>
+          <p:cNvPr id="277" name="Line 11"/>
           <p:cNvSpPr/>
           <p:nvPr/>
         </p:nvSpPr>
@@ -32645,14 +32786,14 @@
       </p:sp>
       <p:sp>
         <p:nvSpPr>
-          <p:cNvPr id="277" name="CustomShape 12"/>
+          <p:cNvPr id="278" name="CustomShape 12"/>
           <p:cNvSpPr/>
           <p:nvPr/>
         </p:nvSpPr>
         <p:spPr>
           <a:xfrm>
             <a:off x="7167960" y="1512000"/>
-            <a:ext cx="5212440" cy="4388400"/>
+            <a:ext cx="5212080" cy="4388040"/>
           </a:xfrm>
           <a:prstGeom prst="rect">
             <a:avLst/>
@@ -33052,14 +33193,14 @@
       </p:grpSpPr>
       <p:sp>
         <p:nvSpPr>
-          <p:cNvPr id="278" name="CustomShape 1"/>
+          <p:cNvPr id="279" name="CustomShape 1"/>
           <p:cNvSpPr/>
           <p:nvPr/>
         </p:nvSpPr>
         <p:spPr>
           <a:xfrm>
             <a:off x="1561680" y="0"/>
-            <a:ext cx="9061920" cy="1252800"/>
+            <a:ext cx="9061560" cy="1252440"/>
           </a:xfrm>
           <a:prstGeom prst="rect">
             <a:avLst/>
@@ -33103,14 +33244,14 @@
       </p:sp>
       <p:sp>
         <p:nvSpPr>
-          <p:cNvPr id="279" name="CustomShape 2"/>
+          <p:cNvPr id="280" name="CustomShape 2"/>
           <p:cNvSpPr/>
           <p:nvPr/>
         </p:nvSpPr>
         <p:spPr>
           <a:xfrm>
             <a:off x="936000" y="1369080"/>
-            <a:ext cx="6116400" cy="5323320"/>
+            <a:ext cx="6116040" cy="5322960"/>
           </a:xfrm>
           <a:prstGeom prst="rect">
             <a:avLst/>
@@ -33454,14 +33595,14 @@
       </p:sp>
       <p:sp>
         <p:nvSpPr>
-          <p:cNvPr id="280" name="CustomShape 3"/>
+          <p:cNvPr id="281" name="CustomShape 3"/>
           <p:cNvSpPr/>
           <p:nvPr/>
         </p:nvSpPr>
         <p:spPr>
           <a:xfrm>
             <a:off x="6879960" y="2376000"/>
-            <a:ext cx="5212440" cy="3380400"/>
+            <a:ext cx="5212080" cy="3380040"/>
           </a:xfrm>
           <a:prstGeom prst="rect">
             <a:avLst/>
@@ -33650,14 +33791,14 @@
       </p:grpSpPr>
       <p:sp>
         <p:nvSpPr>
-          <p:cNvPr id="281" name="CustomShape 1"/>
+          <p:cNvPr id="282" name="CustomShape 1"/>
           <p:cNvSpPr/>
           <p:nvPr/>
         </p:nvSpPr>
         <p:spPr>
           <a:xfrm>
             <a:off x="1561680" y="0"/>
-            <a:ext cx="9061920" cy="1252800"/>
+            <a:ext cx="9061560" cy="1252440"/>
           </a:xfrm>
           <a:prstGeom prst="rect">
             <a:avLst/>
@@ -33701,14 +33842,14 @@
       </p:sp>
       <p:sp>
         <p:nvSpPr>
-          <p:cNvPr id="282" name="CustomShape 2"/>
+          <p:cNvPr id="283" name="CustomShape 2"/>
           <p:cNvSpPr/>
           <p:nvPr/>
         </p:nvSpPr>
         <p:spPr>
           <a:xfrm>
             <a:off x="1008000" y="1872000"/>
-            <a:ext cx="5324400" cy="5323320"/>
+            <a:ext cx="5324040" cy="5322960"/>
           </a:xfrm>
           <a:prstGeom prst="rect">
             <a:avLst/>
@@ -33912,14 +34053,14 @@
       </p:sp>
       <p:sp>
         <p:nvSpPr>
-          <p:cNvPr id="283" name="CustomShape 3"/>
+          <p:cNvPr id="284" name="CustomShape 3"/>
           <p:cNvSpPr/>
           <p:nvPr/>
         </p:nvSpPr>
         <p:spPr>
           <a:xfrm>
             <a:off x="6480000" y="1980720"/>
-            <a:ext cx="5612400" cy="3847680"/>
+            <a:ext cx="5612040" cy="3847320"/>
           </a:xfrm>
           <a:prstGeom prst="rect">
             <a:avLst/>
@@ -34252,7 +34393,7 @@
         <p:spPr>
           <a:xfrm>
             <a:off x="1561680" y="0"/>
-            <a:ext cx="9061920" cy="1252800"/>
+            <a:ext cx="9061560" cy="1252440"/>
           </a:xfrm>
           <a:prstGeom prst="rect">
             <a:avLst/>
@@ -34303,7 +34444,7 @@
         <p:spPr>
           <a:xfrm>
             <a:off x="861480" y="1728360"/>
-            <a:ext cx="5394240" cy="4959720"/>
+            <a:ext cx="5393880" cy="4959360"/>
           </a:xfrm>
           <a:prstGeom prst="rect">
             <a:avLst/>
@@ -34353,8 +34494,8 @@
         </p:nvSpPr>
         <p:spPr>
           <a:xfrm rot="21553200">
-            <a:off x="2466000" y="2631960"/>
-            <a:ext cx="1578240" cy="2668320"/>
+            <a:off x="2466000" y="2631600"/>
+            <a:ext cx="1577880" cy="2667960"/>
           </a:xfrm>
           <a:prstGeom prst="rect">
             <a:avLst/>
@@ -34458,8 +34599,8 @@
         </p:nvSpPr>
         <p:spPr>
           <a:xfrm rot="21553200">
-            <a:off x="5418000" y="2631960"/>
-            <a:ext cx="1578240" cy="2668320"/>
+            <a:off x="5418000" y="2631600"/>
+            <a:ext cx="1577880" cy="2667960"/>
           </a:xfrm>
           <a:prstGeom prst="rect">
             <a:avLst/>
@@ -34632,7 +34773,7 @@
         <p:spPr>
           <a:xfrm>
             <a:off x="8354160" y="1728000"/>
-            <a:ext cx="1720080" cy="1216080"/>
+            <a:ext cx="1719720" cy="1215720"/>
           </a:xfrm>
           <a:prstGeom prst="rect">
             <a:avLst/>
@@ -34737,7 +34878,7 @@
         <p:spPr>
           <a:xfrm>
             <a:off x="8282160" y="4895640"/>
-            <a:ext cx="1720080" cy="1216080"/>
+            <a:ext cx="1719720" cy="1215720"/>
           </a:xfrm>
           <a:prstGeom prst="rect">
             <a:avLst/>
@@ -34842,7 +34983,7 @@
         <p:spPr>
           <a:xfrm>
             <a:off x="4320000" y="3383640"/>
-            <a:ext cx="1072080" cy="338400"/>
+            <a:ext cx="1071720" cy="338040"/>
           </a:xfrm>
           <a:prstGeom prst="rect">
             <a:avLst/>
@@ -34949,7 +35090,7 @@
         <p:spPr>
           <a:xfrm>
             <a:off x="7058160" y="3685320"/>
-            <a:ext cx="1072080" cy="594360"/>
+            <a:ext cx="1071720" cy="594000"/>
           </a:xfrm>
           <a:prstGeom prst="rect">
             <a:avLst/>
@@ -35040,7 +35181,7 @@
         <p:spPr>
           <a:xfrm>
             <a:off x="1561680" y="720"/>
-            <a:ext cx="9061920" cy="1252800"/>
+            <a:ext cx="9061560" cy="1252440"/>
           </a:xfrm>
           <a:prstGeom prst="rect">
             <a:avLst/>
@@ -37345,7 +37486,7 @@
         <p:spPr>
           <a:xfrm>
             <a:off x="1561680" y="0"/>
-            <a:ext cx="9061920" cy="1252800"/>
+            <a:ext cx="9061560" cy="1252440"/>
           </a:xfrm>
           <a:prstGeom prst="rect">
             <a:avLst/>
@@ -37396,7 +37537,7 @@
         <p:spPr>
           <a:xfrm>
             <a:off x="1998720" y="863640"/>
-            <a:ext cx="8414280" cy="4651560"/>
+            <a:ext cx="8413920" cy="4651200"/>
           </a:xfrm>
           <a:prstGeom prst="rect">
             <a:avLst/>
@@ -37705,7 +37846,7 @@
         <p:spPr>
           <a:xfrm>
             <a:off x="1561680" y="0"/>
-            <a:ext cx="9061920" cy="1252800"/>
+            <a:ext cx="9061560" cy="1252440"/>
           </a:xfrm>
           <a:prstGeom prst="rect">
             <a:avLst/>
@@ -37756,7 +37897,7 @@
         <p:spPr>
           <a:xfrm>
             <a:off x="1633320" y="1087560"/>
-            <a:ext cx="8918280" cy="6353640"/>
+            <a:ext cx="8917920" cy="6353280"/>
           </a:xfrm>
           <a:prstGeom prst="rect">
             <a:avLst/>
